--- a/Team4.pptx
+++ b/Team4.pptx
@@ -10,15 +10,16 @@
     <p:sldId id="260" r:id="rId4"/>
     <p:sldId id="261" r:id="rId5"/>
     <p:sldId id="272" r:id="rId6"/>
-    <p:sldId id="273" r:id="rId7"/>
-    <p:sldId id="262" r:id="rId8"/>
-    <p:sldId id="264" r:id="rId9"/>
-    <p:sldId id="265" r:id="rId10"/>
-    <p:sldId id="266" r:id="rId11"/>
-    <p:sldId id="267" r:id="rId12"/>
-    <p:sldId id="268" r:id="rId13"/>
-    <p:sldId id="269" r:id="rId14"/>
-    <p:sldId id="270" r:id="rId15"/>
+    <p:sldId id="276" r:id="rId7"/>
+    <p:sldId id="274" r:id="rId8"/>
+    <p:sldId id="262" r:id="rId9"/>
+    <p:sldId id="264" r:id="rId10"/>
+    <p:sldId id="265" r:id="rId11"/>
+    <p:sldId id="266" r:id="rId12"/>
+    <p:sldId id="267" r:id="rId13"/>
+    <p:sldId id="268" r:id="rId14"/>
+    <p:sldId id="269" r:id="rId15"/>
+    <p:sldId id="270" r:id="rId16"/>
   </p:sldIdLst>
   <p:sldSz cx="12192000" cy="6858000"/>
   <p:notesSz cx="6858000" cy="9144000"/>
@@ -256,7 +257,7 @@
           <a:p>
             <a:fld id="{C6FE7586-B294-4B45-A86F-C52F1CE723D6}" type="datetimeFigureOut">
               <a:rPr lang="ko-KR" altLang="en-US" smtClean="0"/>
-              <a:t>2025-06-04</a:t>
+              <a:t>2025-06-05</a:t>
             </a:fld>
             <a:endParaRPr lang="ko-KR" altLang="en-US"/>
           </a:p>
@@ -426,7 +427,7 @@
           <a:p>
             <a:fld id="{C6FE7586-B294-4B45-A86F-C52F1CE723D6}" type="datetimeFigureOut">
               <a:rPr lang="ko-KR" altLang="en-US" smtClean="0"/>
-              <a:t>2025-06-04</a:t>
+              <a:t>2025-06-05</a:t>
             </a:fld>
             <a:endParaRPr lang="ko-KR" altLang="en-US"/>
           </a:p>
@@ -606,7 +607,7 @@
           <a:p>
             <a:fld id="{C6FE7586-B294-4B45-A86F-C52F1CE723D6}" type="datetimeFigureOut">
               <a:rPr lang="ko-KR" altLang="en-US" smtClean="0"/>
-              <a:t>2025-06-04</a:t>
+              <a:t>2025-06-05</a:t>
             </a:fld>
             <a:endParaRPr lang="ko-KR" altLang="en-US"/>
           </a:p>
@@ -776,7 +777,7 @@
           <a:p>
             <a:fld id="{C6FE7586-B294-4B45-A86F-C52F1CE723D6}" type="datetimeFigureOut">
               <a:rPr lang="ko-KR" altLang="en-US" smtClean="0"/>
-              <a:t>2025-06-04</a:t>
+              <a:t>2025-06-05</a:t>
             </a:fld>
             <a:endParaRPr lang="ko-KR" altLang="en-US"/>
           </a:p>
@@ -1022,7 +1023,7 @@
           <a:p>
             <a:fld id="{C6FE7586-B294-4B45-A86F-C52F1CE723D6}" type="datetimeFigureOut">
               <a:rPr lang="ko-KR" altLang="en-US" smtClean="0"/>
-              <a:t>2025-06-04</a:t>
+              <a:t>2025-06-05</a:t>
             </a:fld>
             <a:endParaRPr lang="ko-KR" altLang="en-US"/>
           </a:p>
@@ -1254,7 +1255,7 @@
           <a:p>
             <a:fld id="{C6FE7586-B294-4B45-A86F-C52F1CE723D6}" type="datetimeFigureOut">
               <a:rPr lang="ko-KR" altLang="en-US" smtClean="0"/>
-              <a:t>2025-06-04</a:t>
+              <a:t>2025-06-05</a:t>
             </a:fld>
             <a:endParaRPr lang="ko-KR" altLang="en-US"/>
           </a:p>
@@ -1621,7 +1622,7 @@
           <a:p>
             <a:fld id="{C6FE7586-B294-4B45-A86F-C52F1CE723D6}" type="datetimeFigureOut">
               <a:rPr lang="ko-KR" altLang="en-US" smtClean="0"/>
-              <a:t>2025-06-04</a:t>
+              <a:t>2025-06-05</a:t>
             </a:fld>
             <a:endParaRPr lang="ko-KR" altLang="en-US"/>
           </a:p>
@@ -1739,7 +1740,7 @@
           <a:p>
             <a:fld id="{C6FE7586-B294-4B45-A86F-C52F1CE723D6}" type="datetimeFigureOut">
               <a:rPr lang="ko-KR" altLang="en-US" smtClean="0"/>
-              <a:t>2025-06-04</a:t>
+              <a:t>2025-06-05</a:t>
             </a:fld>
             <a:endParaRPr lang="ko-KR" altLang="en-US"/>
           </a:p>
@@ -1834,7 +1835,7 @@
           <a:p>
             <a:fld id="{C6FE7586-B294-4B45-A86F-C52F1CE723D6}" type="datetimeFigureOut">
               <a:rPr lang="ko-KR" altLang="en-US" smtClean="0"/>
-              <a:t>2025-06-04</a:t>
+              <a:t>2025-06-05</a:t>
             </a:fld>
             <a:endParaRPr lang="ko-KR" altLang="en-US"/>
           </a:p>
@@ -2111,7 +2112,7 @@
           <a:p>
             <a:fld id="{C6FE7586-B294-4B45-A86F-C52F1CE723D6}" type="datetimeFigureOut">
               <a:rPr lang="ko-KR" altLang="en-US" smtClean="0"/>
-              <a:t>2025-06-04</a:t>
+              <a:t>2025-06-05</a:t>
             </a:fld>
             <a:endParaRPr lang="ko-KR" altLang="en-US"/>
           </a:p>
@@ -2364,7 +2365,7 @@
           <a:p>
             <a:fld id="{C6FE7586-B294-4B45-A86F-C52F1CE723D6}" type="datetimeFigureOut">
               <a:rPr lang="ko-KR" altLang="en-US" smtClean="0"/>
-              <a:t>2025-06-04</a:t>
+              <a:t>2025-06-05</a:t>
             </a:fld>
             <a:endParaRPr lang="ko-KR" altLang="en-US"/>
           </a:p>
@@ -2586,7 +2587,7 @@
           <a:p>
             <a:fld id="{C6FE7586-B294-4B45-A86F-C52F1CE723D6}" type="datetimeFigureOut">
               <a:rPr lang="ko-KR" altLang="en-US" smtClean="0"/>
-              <a:t>2025-06-04</a:t>
+              <a:t>2025-06-05</a:t>
             </a:fld>
             <a:endParaRPr lang="ko-KR" altLang="en-US"/>
           </a:p>
@@ -5007,7 +5008,7 @@
           <a:lstStyle/>
           <a:p>
             <a:r>
-              <a:rPr lang="ko-KR" altLang="en-US" sz="3000" dirty="0" err="1">
+              <a:rPr lang="ko-KR" altLang="en-US" sz="3000" dirty="0">
                 <a:solidFill>
                   <a:schemeClr val="lt1"/>
                 </a:solidFill>
@@ -5020,23 +5021,7 @@
                 </a:effectLst>
                 <a:latin typeface="Arial Black"/>
               </a:rPr>
-              <a:t>Wazuh와</a:t>
-            </a:r>
-            <a:r>
-              <a:rPr lang="ko-KR" altLang="en-US" sz="3000" dirty="0">
-                <a:solidFill>
-                  <a:schemeClr val="lt1"/>
-                </a:solidFill>
-                <a:effectLst>
-                  <a:outerShdw blurRad="76200" dist="76200" dir="2700000" algn="ctr" rotWithShape="0">
-                    <a:srgbClr val="000000">
-                      <a:alpha val="50000"/>
-                    </a:srgbClr>
-                  </a:outerShdw>
-                </a:effectLst>
-                <a:latin typeface="Arial Black"/>
-              </a:rPr>
-              <a:t> MITRE ATT&amp;CK 연동</a:t>
+              <a:t>🔐 로그인 실패/성공 탐지 실습</a:t>
             </a:r>
             <a:endParaRPr lang="ko-KR" altLang="en-US" sz="3000" dirty="0">
               <a:solidFill>
@@ -5389,8 +5374,8 @@
         </p:nvSpPr>
         <p:spPr>
           <a:xfrm>
-            <a:off x="626704" y="2912117"/>
-            <a:ext cx="4655975" cy="697195"/>
+            <a:off x="681135" y="1115710"/>
+            <a:ext cx="4655975" cy="3189590"/>
           </a:xfrm>
           <a:prstGeom prst="rect">
             <a:avLst/>
@@ -5442,8 +5427,8 @@
         </p:nvSpPr>
         <p:spPr>
           <a:xfrm>
-            <a:off x="626704" y="3363091"/>
-            <a:ext cx="4646645" cy="246221"/>
+            <a:off x="681135" y="3931057"/>
+            <a:ext cx="4646645" cy="400110"/>
           </a:xfrm>
           <a:prstGeom prst="rect">
             <a:avLst/>
@@ -5464,69 +5449,31 @@
               <a:defRPr/>
             </a:pPr>
             <a:r>
-              <a:rPr lang="en-US" altLang="ko-KR" sz="1000" dirty="0" err="1">
-                <a:solidFill>
-                  <a:schemeClr val="lt1"/>
-                </a:solidFill>
-              </a:rPr>
-              <a:t>sudo</a:t>
-            </a:r>
-            <a:r>
-              <a:rPr lang="en-US" altLang="ko-KR" sz="1000" dirty="0">
-                <a:solidFill>
-                  <a:schemeClr val="lt1"/>
-                </a:solidFill>
-              </a:rPr>
-              <a:t> </a:t>
-            </a:r>
-            <a:r>
-              <a:rPr lang="ko-KR" altLang="en-US" sz="1000" dirty="0">
-                <a:solidFill>
-                  <a:schemeClr val="lt1"/>
-                </a:solidFill>
-              </a:rPr>
-              <a:t>를 사용해 </a:t>
-            </a:r>
-            <a:r>
-              <a:rPr lang="en-US" altLang="ko-KR" sz="1000" dirty="0">
-                <a:solidFill>
-                  <a:schemeClr val="lt1"/>
-                </a:solidFill>
-              </a:rPr>
-              <a:t>/</a:t>
-            </a:r>
-            <a:r>
-              <a:rPr lang="en-US" altLang="ko-KR" sz="1000" dirty="0" err="1">
-                <a:solidFill>
-                  <a:schemeClr val="lt1"/>
-                </a:solidFill>
-              </a:rPr>
-              <a:t>etc</a:t>
-            </a:r>
-            <a:r>
-              <a:rPr lang="en-US" altLang="ko-KR" sz="1000" dirty="0">
-                <a:solidFill>
-                  <a:schemeClr val="lt1"/>
-                </a:solidFill>
-              </a:rPr>
-              <a:t>/</a:t>
-            </a:r>
-            <a:r>
-              <a:rPr lang="en-US" altLang="ko-KR" sz="1000" dirty="0" err="1">
-                <a:solidFill>
-                  <a:schemeClr val="lt1"/>
-                </a:solidFill>
-              </a:rPr>
-              <a:t>passwd</a:t>
-            </a:r>
-            <a:r>
-              <a:rPr lang="ko-KR" altLang="en-US" sz="1000" dirty="0">
-                <a:solidFill>
-                  <a:schemeClr val="lt1"/>
-                </a:solidFill>
-              </a:rPr>
-              <a:t> 권한 변경</a:t>
-            </a:r>
+              <a:rPr lang="en-US" altLang="ko-KR" sz="1000" dirty="0" smtClean="0">
+                <a:solidFill>
+                  <a:schemeClr val="bg1"/>
+                </a:solidFill>
+              </a:rPr>
+              <a:t>SSH </a:t>
+            </a:r>
+            <a:r>
+              <a:rPr lang="ko-KR" altLang="en-US" sz="1000" dirty="0" smtClean="0">
+                <a:solidFill>
+                  <a:schemeClr val="bg1"/>
+                </a:solidFill>
+              </a:rPr>
+              <a:t>접속 성공 및 실패 </a:t>
+            </a:r>
+            <a:endParaRPr lang="en-US" altLang="ko-KR" sz="1000" dirty="0" smtClean="0">
+              <a:solidFill>
+                <a:schemeClr val="bg1"/>
+              </a:solidFill>
+            </a:endParaRPr>
+          </a:p>
+          <a:p>
+            <a:pPr algn="ctr">
+              <a:defRPr/>
+            </a:pPr>
             <a:endParaRPr lang="en-US" altLang="ko-KR" sz="1000" dirty="0" smtClean="0">
               <a:solidFill>
                 <a:schemeClr val="bg1"/>
@@ -5590,7 +5537,7 @@
         <p:spPr>
           <a:xfrm>
             <a:off x="6643397" y="1295709"/>
-            <a:ext cx="4320000" cy="2905880"/>
+            <a:ext cx="4320000" cy="4745690"/>
           </a:xfrm>
           <a:prstGeom prst="rect">
             <a:avLst/>
@@ -5816,7 +5763,7 @@
       </p:sp>
       <p:pic>
         <p:nvPicPr>
-          <p:cNvPr id="22" name="그림 21"/>
+          <p:cNvPr id="24" name="그림 23"/>
           <p:cNvPicPr>
             <a:picLocks noChangeAspect="1"/>
           </p:cNvPicPr>
@@ -5830,8 +5777,8 @@
         </p:blipFill>
         <p:spPr>
           <a:xfrm>
-            <a:off x="766661" y="3022176"/>
-            <a:ext cx="4384398" cy="285028"/>
+            <a:off x="789438" y="1214988"/>
+            <a:ext cx="4439368" cy="2716069"/>
           </a:xfrm>
           <a:prstGeom prst="rect">
             <a:avLst/>
@@ -5840,7 +5787,7 @@
       </p:pic>
       <p:pic>
         <p:nvPicPr>
-          <p:cNvPr id="23" name="그림 22"/>
+          <p:cNvPr id="25" name="그림 24"/>
           <p:cNvPicPr>
             <a:picLocks noChangeAspect="1"/>
           </p:cNvPicPr>
@@ -5854,8 +5801,32 @@
         </p:blipFill>
         <p:spPr>
           <a:xfrm>
-            <a:off x="6643397" y="1294346"/>
-            <a:ext cx="4319464" cy="2907243"/>
+            <a:off x="6643397" y="1290832"/>
+            <a:ext cx="4310925" cy="2167531"/>
+          </a:xfrm>
+          <a:prstGeom prst="rect">
+            <a:avLst/>
+          </a:prstGeom>
+        </p:spPr>
+      </p:pic>
+      <p:pic>
+        <p:nvPicPr>
+          <p:cNvPr id="26" name="그림 25"/>
+          <p:cNvPicPr>
+            <a:picLocks noChangeAspect="1"/>
+          </p:cNvPicPr>
+          <p:nvPr/>
+        </p:nvPicPr>
+        <p:blipFill rotWithShape="1">
+          <a:blip r:embed="rId4"/>
+          <a:stretch>
+            <a:fillRect/>
+          </a:stretch>
+        </p:blipFill>
+        <p:spPr>
+          <a:xfrm>
+            <a:off x="6643397" y="3473287"/>
+            <a:ext cx="4310925" cy="2568112"/>
           </a:xfrm>
           <a:prstGeom prst="rect">
             <a:avLst/>
@@ -5864,155 +5835,136 @@
       </p:pic>
       <p:sp>
         <p:nvSpPr>
-          <p:cNvPr id="6" name="직사각형 5"/>
-          <p:cNvSpPr/>
+          <p:cNvPr id="28" name="TextBox 27"/>
+          <p:cNvSpPr txBox="1"/>
           <p:nvPr/>
         </p:nvSpPr>
         <p:spPr>
           <a:xfrm>
-            <a:off x="7029450" y="2701925"/>
-            <a:ext cx="2540000" cy="161925"/>
-          </a:xfrm>
-          <a:prstGeom prst="rect">
-            <a:avLst/>
-          </a:prstGeom>
-          <a:noFill/>
-          <a:ln>
-            <a:solidFill>
-              <a:srgbClr val="FF0000"/>
-            </a:solidFill>
-          </a:ln>
-        </p:spPr>
-        <p:style>
-          <a:lnRef idx="2">
-            <a:schemeClr val="accent1">
-              <a:shade val="50000"/>
-            </a:schemeClr>
-          </a:lnRef>
-          <a:fillRef idx="1">
-            <a:schemeClr val="accent1"/>
-          </a:fillRef>
-          <a:effectRef idx="0">
-            <a:schemeClr val="accent1"/>
-          </a:effectRef>
-          <a:fontRef idx="minor">
-            <a:schemeClr val="lt1"/>
-          </a:fontRef>
-        </p:style>
-        <p:txBody>
-          <a:bodyPr rtlCol="0" anchor="ctr"/>
-          <a:lstStyle/>
-          <a:p>
-            <a:pPr algn="ctr"/>
-            <a:endParaRPr lang="ko-KR" altLang="en-US"/>
-          </a:p>
-        </p:txBody>
-      </p:sp>
-      <p:sp>
-        <p:nvSpPr>
-          <p:cNvPr id="30" name="직사각형 29"/>
-          <p:cNvSpPr/>
-          <p:nvPr/>
-        </p:nvSpPr>
-        <p:spPr>
-          <a:xfrm>
-            <a:off x="6643397" y="4508921"/>
-            <a:ext cx="4319464" cy="697195"/>
+            <a:off x="6634321" y="1290831"/>
+            <a:ext cx="4320001" cy="246221"/>
           </a:xfrm>
           <a:prstGeom prst="rect">
             <a:avLst/>
           </a:prstGeom>
           <a:solidFill>
-            <a:srgbClr val="3049EB"/>
+            <a:srgbClr val="132584">
+              <a:alpha val="20000"/>
+            </a:srgbClr>
           </a:solidFill>
-          <a:ln>
-            <a:noFill/>
-          </a:ln>
           <a:effectLst>
-            <a:outerShdw blurRad="50800" dist="38100" dir="2700000" sx="101000" sy="101000" algn="tl" rotWithShape="0">
-              <a:prstClr val="black">
-                <a:alpha val="99000"/>
-              </a:prstClr>
+            <a:outerShdw blurRad="50800" dist="50800" dir="5400000" algn="ctr" rotWithShape="0">
+              <a:schemeClr val="bg1"/>
             </a:outerShdw>
           </a:effectLst>
         </p:spPr>
-        <p:style>
-          <a:lnRef idx="2">
-            <a:schemeClr val="accent1">
-              <a:shade val="50000"/>
-            </a:schemeClr>
-          </a:lnRef>
-          <a:fillRef idx="1">
-            <a:schemeClr val="accent1"/>
-          </a:fillRef>
-          <a:effectRef idx="0">
-            <a:schemeClr val="accent1"/>
-          </a:effectRef>
-          <a:fontRef idx="minor">
-            <a:schemeClr val="lt1"/>
-          </a:fontRef>
-        </p:style>
         <p:txBody>
-          <a:bodyPr rtlCol="0" anchor="ctr"/>
+          <a:bodyPr wrap="square" rtlCol="0">
+            <a:spAutoFit/>
+          </a:bodyPr>
           <a:lstStyle/>
           <a:p>
-            <a:pPr algn="ctr"/>
-            <a:r>
-              <a:rPr lang="en-US" altLang="ko-KR" dirty="0" smtClean="0"/>
-              <a:t>/</a:t>
-            </a:r>
-            <a:r>
-              <a:rPr lang="en-US" altLang="ko-KR" dirty="0" err="1" smtClean="0"/>
-              <a:t>etc</a:t>
-            </a:r>
-            <a:r>
-              <a:rPr lang="en-US" altLang="ko-KR" dirty="0" smtClean="0"/>
-              <a:t>/</a:t>
-            </a:r>
-            <a:r>
-              <a:rPr lang="en-US" altLang="ko-KR" dirty="0" err="1" smtClean="0"/>
-              <a:t>passwd</a:t>
-            </a:r>
-            <a:r>
-              <a:rPr lang="en-US" altLang="ko-KR" dirty="0" smtClean="0"/>
-              <a:t> </a:t>
-            </a:r>
-            <a:r>
-              <a:rPr lang="ko-KR" altLang="en-US" dirty="0" smtClean="0"/>
-              <a:t>권한이 </a:t>
-            </a:r>
-            <a:r>
-              <a:rPr lang="en-US" altLang="ko-KR" dirty="0" smtClean="0"/>
-              <a:t>any </a:t>
-            </a:r>
-            <a:r>
-              <a:rPr lang="ko-KR" altLang="en-US" dirty="0" smtClean="0"/>
-              <a:t>로 변경 </a:t>
-            </a:r>
-            <a:endParaRPr lang="en-US" altLang="ko-KR" dirty="0" smtClean="0"/>
-          </a:p>
-          <a:p>
-            <a:pPr algn="ctr"/>
-            <a:r>
-              <a:rPr lang="ko-KR" altLang="en-US" dirty="0" smtClean="0"/>
-              <a:t>되었다고 </a:t>
-            </a:r>
-            <a:r>
-              <a:rPr lang="en-US" altLang="ko-KR" dirty="0" smtClean="0"/>
-              <a:t>Log </a:t>
-            </a:r>
-            <a:r>
-              <a:rPr lang="ko-KR" altLang="en-US" dirty="0" smtClean="0"/>
-              <a:t>생성 됨</a:t>
-            </a:r>
-            <a:endParaRPr lang="ko-KR" altLang="en-US" dirty="0"/>
+            <a:pPr>
+              <a:defRPr/>
+            </a:pPr>
+            <a:r>
+              <a:rPr lang="en-US" altLang="ko-KR" sz="1000" dirty="0" smtClean="0">
+                <a:solidFill>
+                  <a:srgbClr val="FF0000"/>
+                </a:solidFill>
+                <a:latin typeface="HY헤드라인M" panose="02030600000101010101" pitchFamily="18" charset="-127"/>
+                <a:ea typeface="HY헤드라인M" panose="02030600000101010101" pitchFamily="18" charset="-127"/>
+              </a:rPr>
+              <a:t>SSH </a:t>
+            </a:r>
+            <a:r>
+              <a:rPr lang="ko-KR" altLang="en-US" sz="1000" dirty="0" smtClean="0">
+                <a:solidFill>
+                  <a:srgbClr val="FF0000"/>
+                </a:solidFill>
+                <a:latin typeface="HY헤드라인M" panose="02030600000101010101" pitchFamily="18" charset="-127"/>
+                <a:ea typeface="HY헤드라인M" panose="02030600000101010101" pitchFamily="18" charset="-127"/>
+              </a:rPr>
+              <a:t>접속 성공 </a:t>
+            </a:r>
+            <a:endParaRPr lang="en-US" altLang="ko-KR" sz="1000" dirty="0" smtClean="0">
+              <a:solidFill>
+                <a:srgbClr val="FF0000"/>
+              </a:solidFill>
+              <a:latin typeface="HY헤드라인M" panose="02030600000101010101" pitchFamily="18" charset="-127"/>
+              <a:ea typeface="HY헤드라인M" panose="02030600000101010101" pitchFamily="18" charset="-127"/>
+            </a:endParaRPr>
+          </a:p>
+        </p:txBody>
+      </p:sp>
+      <p:sp>
+        <p:nvSpPr>
+          <p:cNvPr id="29" name="TextBox 28"/>
+          <p:cNvSpPr txBox="1"/>
+          <p:nvPr/>
+        </p:nvSpPr>
+        <p:spPr>
+          <a:xfrm>
+            <a:off x="6634320" y="3473286"/>
+            <a:ext cx="4320001" cy="246221"/>
+          </a:xfrm>
+          <a:prstGeom prst="rect">
+            <a:avLst/>
+          </a:prstGeom>
+          <a:solidFill>
+            <a:srgbClr val="132584">
+              <a:alpha val="20000"/>
+            </a:srgbClr>
+          </a:solidFill>
+          <a:effectLst>
+            <a:outerShdw blurRad="50800" dist="50800" dir="5400000" algn="ctr" rotWithShape="0">
+              <a:schemeClr val="bg1"/>
+            </a:outerShdw>
+          </a:effectLst>
+        </p:spPr>
+        <p:txBody>
+          <a:bodyPr wrap="square" rtlCol="0">
+            <a:spAutoFit/>
+          </a:bodyPr>
+          <a:lstStyle/>
+          <a:p>
+            <a:pPr>
+              <a:defRPr/>
+            </a:pPr>
+            <a:r>
+              <a:rPr lang="en-US" altLang="ko-KR" sz="1000" dirty="0" smtClean="0">
+                <a:solidFill>
+                  <a:srgbClr val="FF0000"/>
+                </a:solidFill>
+                <a:latin typeface="HY헤드라인M" panose="02030600000101010101" pitchFamily="18" charset="-127"/>
+                <a:ea typeface="HY헤드라인M" panose="02030600000101010101" pitchFamily="18" charset="-127"/>
+              </a:rPr>
+              <a:t>SSH </a:t>
+            </a:r>
+            <a:r>
+              <a:rPr lang="ko-KR" altLang="en-US" sz="1000" dirty="0" smtClean="0">
+                <a:solidFill>
+                  <a:srgbClr val="FF0000"/>
+                </a:solidFill>
+                <a:latin typeface="HY헤드라인M" panose="02030600000101010101" pitchFamily="18" charset="-127"/>
+                <a:ea typeface="HY헤드라인M" panose="02030600000101010101" pitchFamily="18" charset="-127"/>
+              </a:rPr>
+              <a:t>접속 실패</a:t>
+            </a:r>
+            <a:endParaRPr lang="en-US" altLang="ko-KR" sz="1000" dirty="0" smtClean="0">
+              <a:solidFill>
+                <a:srgbClr val="FF0000"/>
+              </a:solidFill>
+              <a:latin typeface="HY헤드라인M" panose="02030600000101010101" pitchFamily="18" charset="-127"/>
+              <a:ea typeface="HY헤드라인M" panose="02030600000101010101" pitchFamily="18" charset="-127"/>
+            </a:endParaRPr>
           </a:p>
         </p:txBody>
       </p:sp>
     </p:spTree>
     <p:extLst>
       <p:ext uri="{BB962C8B-B14F-4D97-AF65-F5344CB8AC3E}">
-        <p14:creationId xmlns:p14="http://schemas.microsoft.com/office/powerpoint/2010/main" val="1815750999"/>
+        <p14:creationId xmlns:p14="http://schemas.microsoft.com/office/powerpoint/2010/main" val="896011104"/>
       </p:ext>
     </p:extLst>
   </p:cSld>
@@ -6186,39 +6138,7 @@
                 </a:effectLst>
                 <a:latin typeface="Arial Black"/>
               </a:rPr>
-              <a:t> MITRE ATT&amp;CK </a:t>
-            </a:r>
-            <a:r>
-              <a:rPr lang="ko-KR" altLang="en-US" sz="3000" dirty="0" smtClean="0">
-                <a:solidFill>
-                  <a:schemeClr val="lt1"/>
-                </a:solidFill>
-                <a:effectLst>
-                  <a:outerShdw blurRad="76200" dist="76200" dir="2700000" algn="ctr" rotWithShape="0">
-                    <a:srgbClr val="000000">
-                      <a:alpha val="50000"/>
-                    </a:srgbClr>
-                  </a:outerShdw>
-                </a:effectLst>
-                <a:latin typeface="Arial Black"/>
-              </a:rPr>
-              <a:t>연동</a:t>
-            </a:r>
-            <a:r>
-              <a:rPr lang="en-US" altLang="ko-KR" sz="3000" dirty="0" smtClean="0">
-                <a:solidFill>
-                  <a:schemeClr val="lt1"/>
-                </a:solidFill>
-                <a:effectLst>
-                  <a:outerShdw blurRad="76200" dist="76200" dir="2700000" algn="ctr" rotWithShape="0">
-                    <a:srgbClr val="000000">
-                      <a:alpha val="50000"/>
-                    </a:srgbClr>
-                  </a:outerShdw>
-                </a:effectLst>
-                <a:latin typeface="Arial Black"/>
-              </a:rPr>
-              <a:t>( fail2ban)</a:t>
+              <a:t> MITRE ATT&amp;CK 연동</a:t>
             </a:r>
             <a:endParaRPr lang="ko-KR" altLang="en-US" sz="3000" dirty="0">
               <a:solidFill>
@@ -6571,8 +6491,8 @@
         </p:nvSpPr>
         <p:spPr>
           <a:xfrm>
-            <a:off x="551503" y="2012510"/>
-            <a:ext cx="4655975" cy="2652369"/>
+            <a:off x="626704" y="2912117"/>
+            <a:ext cx="4655975" cy="697195"/>
           </a:xfrm>
           <a:prstGeom prst="rect">
             <a:avLst/>
@@ -6624,8 +6544,8 @@
         </p:nvSpPr>
         <p:spPr>
           <a:xfrm>
-            <a:off x="548640" y="4264769"/>
-            <a:ext cx="4658838" cy="400110"/>
+            <a:off x="626704" y="3363091"/>
+            <a:ext cx="4646645" cy="246221"/>
           </a:xfrm>
           <a:prstGeom prst="rect">
             <a:avLst/>
@@ -6651,7 +6571,7 @@
                   <a:schemeClr val="lt1"/>
                 </a:solidFill>
               </a:rPr>
-              <a:t>ssh</a:t>
+              <a:t>sudo</a:t>
             </a:r>
             <a:r>
               <a:rPr lang="en-US" altLang="ko-KR" sz="1000" dirty="0">
@@ -6667,20 +6587,39 @@
                   <a:schemeClr val="lt1"/>
                 </a:solidFill>
               </a:rPr>
-              <a:t>로그인 접속 시도 </a:t>
-            </a:r>
-          </a:p>
-          <a:p>
-            <a:pPr algn="ctr">
-              <a:defRPr/>
-            </a:pPr>
+              <a:t>를 사용해 </a:t>
+            </a:r>
             <a:r>
               <a:rPr lang="en-US" altLang="ko-KR" sz="1000" dirty="0">
                 <a:solidFill>
                   <a:schemeClr val="lt1"/>
                 </a:solidFill>
               </a:rPr>
-              <a:t>3</a:t>
+              <a:t>/</a:t>
+            </a:r>
+            <a:r>
+              <a:rPr lang="en-US" altLang="ko-KR" sz="1000" dirty="0" err="1">
+                <a:solidFill>
+                  <a:schemeClr val="lt1"/>
+                </a:solidFill>
+              </a:rPr>
+              <a:t>etc</a:t>
+            </a:r>
+            <a:r>
+              <a:rPr lang="en-US" altLang="ko-KR" sz="1000" dirty="0">
+                <a:solidFill>
+                  <a:schemeClr val="lt1"/>
+                </a:solidFill>
+              </a:rPr>
+              <a:t>/</a:t>
+            </a:r>
+            <a:r>
+              <a:rPr lang="en-US" altLang="ko-KR" sz="1000" dirty="0" err="1">
+                <a:solidFill>
+                  <a:schemeClr val="lt1"/>
+                </a:solidFill>
+              </a:rPr>
+              <a:t>passwd</a:t>
             </a:r>
             <a:r>
               <a:rPr lang="ko-KR" altLang="en-US" sz="1000" dirty="0">
@@ -6688,23 +6627,7 @@
                   <a:schemeClr val="lt1"/>
                 </a:solidFill>
               </a:rPr>
-              <a:t>회 실시 이후  </a:t>
-            </a:r>
-            <a:r>
-              <a:rPr lang="en-US" altLang="ko-KR" sz="1000" dirty="0" err="1">
-                <a:solidFill>
-                  <a:schemeClr val="lt1"/>
-                </a:solidFill>
-              </a:rPr>
-              <a:t>ip</a:t>
-            </a:r>
-            <a:r>
-              <a:rPr lang="ko-KR" altLang="en-US" sz="1000" dirty="0">
-                <a:solidFill>
-                  <a:schemeClr val="lt1"/>
-                </a:solidFill>
-              </a:rPr>
-              <a:t>차단됨</a:t>
+              <a:t> 권한 변경</a:t>
             </a:r>
             <a:endParaRPr lang="en-US" altLang="ko-KR" sz="1000" dirty="0" smtClean="0">
               <a:solidFill>
@@ -6723,7 +6646,7 @@
         <p:spPr>
           <a:xfrm>
             <a:off x="6643397" y="1115710"/>
-            <a:ext cx="4320000" cy="2187328"/>
+            <a:ext cx="4320000" cy="3060000"/>
           </a:xfrm>
           <a:prstGeom prst="rect">
             <a:avLst/>
@@ -6769,7 +6692,7 @@
         <p:spPr>
           <a:xfrm>
             <a:off x="6643397" y="1295709"/>
-            <a:ext cx="4320000" cy="2007329"/>
+            <a:ext cx="4320000" cy="2905880"/>
           </a:xfrm>
           <a:prstGeom prst="rect">
             <a:avLst/>
@@ -6993,6 +6916,54 @@
           </a:p>
         </p:txBody>
       </p:sp>
+      <p:pic>
+        <p:nvPicPr>
+          <p:cNvPr id="22" name="그림 21"/>
+          <p:cNvPicPr>
+            <a:picLocks noChangeAspect="1"/>
+          </p:cNvPicPr>
+          <p:nvPr/>
+        </p:nvPicPr>
+        <p:blipFill rotWithShape="1">
+          <a:blip r:embed="rId2"/>
+          <a:stretch>
+            <a:fillRect/>
+          </a:stretch>
+        </p:blipFill>
+        <p:spPr>
+          <a:xfrm>
+            <a:off x="766661" y="3022176"/>
+            <a:ext cx="4384398" cy="285028"/>
+          </a:xfrm>
+          <a:prstGeom prst="rect">
+            <a:avLst/>
+          </a:prstGeom>
+        </p:spPr>
+      </p:pic>
+      <p:pic>
+        <p:nvPicPr>
+          <p:cNvPr id="23" name="그림 22"/>
+          <p:cNvPicPr>
+            <a:picLocks noChangeAspect="1"/>
+          </p:cNvPicPr>
+          <p:nvPr/>
+        </p:nvPicPr>
+        <p:blipFill rotWithShape="1">
+          <a:blip r:embed="rId3"/>
+          <a:stretch>
+            <a:fillRect/>
+          </a:stretch>
+        </p:blipFill>
+        <p:spPr>
+          <a:xfrm>
+            <a:off x="6643397" y="1294346"/>
+            <a:ext cx="4319464" cy="2907243"/>
+          </a:xfrm>
+          <a:prstGeom prst="rect">
+            <a:avLst/>
+          </a:prstGeom>
+        </p:spPr>
+      </p:pic>
       <p:sp>
         <p:nvSpPr>
           <p:cNvPr id="6" name="직사각형 5"/>
@@ -7047,7 +7018,7 @@
         </p:nvSpPr>
         <p:spPr>
           <a:xfrm>
-            <a:off x="6643933" y="4007180"/>
+            <a:off x="6643397" y="4508921"/>
             <a:ext cx="4319464" cy="697195"/>
           </a:xfrm>
           <a:prstGeom prst="rect">
@@ -7089,8 +7060,20 @@
           <a:p>
             <a:pPr algn="ctr"/>
             <a:r>
+              <a:rPr lang="en-US" altLang="ko-KR" dirty="0" smtClean="0"/>
+              <a:t>/</a:t>
+            </a:r>
+            <a:r>
               <a:rPr lang="en-US" altLang="ko-KR" dirty="0" err="1" smtClean="0"/>
-              <a:t>ssh</a:t>
+              <a:t>etc</a:t>
+            </a:r>
+            <a:r>
+              <a:rPr lang="en-US" altLang="ko-KR" dirty="0" smtClean="0"/>
+              <a:t>/</a:t>
+            </a:r>
+            <a:r>
+              <a:rPr lang="en-US" altLang="ko-KR" dirty="0" err="1" smtClean="0"/>
+              <a:t>passwd</a:t>
             </a:r>
             <a:r>
               <a:rPr lang="en-US" altLang="ko-KR" dirty="0" smtClean="0"/>
@@ -7098,7 +7081,15 @@
             </a:r>
             <a:r>
               <a:rPr lang="ko-KR" altLang="en-US" dirty="0" smtClean="0"/>
-              <a:t>로그인 비밀번호 </a:t>
+              <a:t>권한이 </a:t>
+            </a:r>
+            <a:r>
+              <a:rPr lang="en-US" altLang="ko-KR" dirty="0" smtClean="0"/>
+              <a:t>any </a:t>
+            </a:r>
+            <a:r>
+              <a:rPr lang="ko-KR" altLang="en-US" dirty="0" smtClean="0"/>
+              <a:t>로 변경 </a:t>
             </a:r>
             <a:endParaRPr lang="en-US" altLang="ko-KR" dirty="0" smtClean="0"/>
           </a:p>
@@ -7106,68 +7097,24 @@
             <a:pPr algn="ctr"/>
             <a:r>
               <a:rPr lang="ko-KR" altLang="en-US" dirty="0" smtClean="0"/>
-              <a:t>실패 로그 생성된 것을 확인</a:t>
+              <a:t>되었다고 </a:t>
             </a:r>
             <a:r>
               <a:rPr lang="en-US" altLang="ko-KR" dirty="0" smtClean="0"/>
-              <a:t>.</a:t>
+              <a:t>Log </a:t>
+            </a:r>
+            <a:r>
+              <a:rPr lang="ko-KR" altLang="en-US" dirty="0" smtClean="0"/>
+              <a:t>생성 됨</a:t>
             </a:r>
             <a:endParaRPr lang="ko-KR" altLang="en-US" dirty="0"/>
           </a:p>
         </p:txBody>
       </p:sp>
-      <p:pic>
-        <p:nvPicPr>
-          <p:cNvPr id="24" name="그림 23"/>
-          <p:cNvPicPr>
-            <a:picLocks noChangeAspect="1"/>
-          </p:cNvPicPr>
-          <p:nvPr/>
-        </p:nvPicPr>
-        <p:blipFill rotWithShape="1">
-          <a:blip r:embed="rId2"/>
-          <a:stretch>
-            <a:fillRect/>
-          </a:stretch>
-        </p:blipFill>
-        <p:spPr>
-          <a:xfrm>
-            <a:off x="685348" y="2102510"/>
-            <a:ext cx="4373230" cy="1816205"/>
-          </a:xfrm>
-          <a:prstGeom prst="rect">
-            <a:avLst/>
-          </a:prstGeom>
-        </p:spPr>
-      </p:pic>
-      <p:pic>
-        <p:nvPicPr>
-          <p:cNvPr id="7" name="그림 6"/>
-          <p:cNvPicPr>
-            <a:picLocks noChangeAspect="1"/>
-          </p:cNvPicPr>
-          <p:nvPr/>
-        </p:nvPicPr>
-        <p:blipFill>
-          <a:blip r:embed="rId3"/>
-          <a:stretch>
-            <a:fillRect/>
-          </a:stretch>
-        </p:blipFill>
-        <p:spPr>
-          <a:xfrm>
-            <a:off x="6643397" y="1300588"/>
-            <a:ext cx="4323997" cy="2002450"/>
-          </a:xfrm>
-          <a:prstGeom prst="rect">
-            <a:avLst/>
-          </a:prstGeom>
-        </p:spPr>
-      </p:pic>
     </p:spTree>
     <p:extLst>
       <p:ext uri="{BB962C8B-B14F-4D97-AF65-F5344CB8AC3E}">
-        <p14:creationId xmlns:p14="http://schemas.microsoft.com/office/powerpoint/2010/main" val="1488403816"/>
+        <p14:creationId xmlns:p14="http://schemas.microsoft.com/office/powerpoint/2010/main" val="1815750999"/>
       </p:ext>
     </p:extLst>
   </p:cSld>
@@ -7312,7 +7259,7 @@
           <a:lstStyle/>
           <a:p>
             <a:r>
-              <a:rPr lang="ko-KR" altLang="en-US" sz="3000" dirty="0">
+              <a:rPr lang="ko-KR" altLang="en-US" sz="3000" dirty="0" err="1">
                 <a:solidFill>
                   <a:schemeClr val="lt1"/>
                 </a:solidFill>
@@ -7323,10 +7270,57 @@
                     </a:srgbClr>
                   </a:outerShdw>
                 </a:effectLst>
-                <a:latin typeface="HY헤드라인M" panose="02030600000101010101" pitchFamily="18" charset="-127"/>
-                <a:ea typeface="HY헤드라인M" panose="02030600000101010101" pitchFamily="18" charset="-127"/>
-              </a:rPr>
-              <a:t>📋 규정 준수 스캔 및 보고서 생성</a:t>
+                <a:latin typeface="Arial Black"/>
+              </a:rPr>
+              <a:t>Wazuh와</a:t>
+            </a:r>
+            <a:r>
+              <a:rPr lang="ko-KR" altLang="en-US" sz="3000" dirty="0">
+                <a:solidFill>
+                  <a:schemeClr val="lt1"/>
+                </a:solidFill>
+                <a:effectLst>
+                  <a:outerShdw blurRad="76200" dist="76200" dir="2700000" algn="ctr" rotWithShape="0">
+                    <a:srgbClr val="000000">
+                      <a:alpha val="50000"/>
+                    </a:srgbClr>
+                  </a:outerShdw>
+                </a:effectLst>
+                <a:latin typeface="Arial Black"/>
+              </a:rPr>
+              <a:t> MITRE ATT&amp;CK </a:t>
+            </a:r>
+            <a:r>
+              <a:rPr lang="ko-KR" altLang="en-US" sz="3000" dirty="0" smtClean="0">
+                <a:solidFill>
+                  <a:schemeClr val="lt1"/>
+                </a:solidFill>
+                <a:effectLst>
+                  <a:outerShdw blurRad="76200" dist="76200" dir="2700000" algn="ctr" rotWithShape="0">
+                    <a:srgbClr val="000000">
+                      <a:alpha val="50000"/>
+                    </a:srgbClr>
+                  </a:outerShdw>
+                </a:effectLst>
+                <a:latin typeface="Arial Black"/>
+              </a:rPr>
+              <a:t>연동</a:t>
+            </a:r>
+            <a:r>
+              <a:rPr lang="en-US" altLang="ko-KR" sz="3000" dirty="0" smtClean="0">
+                <a:solidFill>
+                  <a:schemeClr val="lt1"/>
+                </a:solidFill>
+                <a:effectLst>
+                  <a:outerShdw blurRad="76200" dist="76200" dir="2700000" algn="ctr" rotWithShape="0">
+                    <a:srgbClr val="000000">
+                      <a:alpha val="50000"/>
+                    </a:srgbClr>
+                  </a:outerShdw>
+                </a:effectLst>
+                <a:latin typeface="Arial Black"/>
+              </a:rPr>
+              <a:t>( fail2ban)</a:t>
             </a:r>
             <a:endParaRPr lang="ko-KR" altLang="en-US" sz="3000" dirty="0">
               <a:solidFill>
@@ -7679,8 +7673,8 @@
         </p:nvSpPr>
         <p:spPr>
           <a:xfrm>
-            <a:off x="548640" y="2638969"/>
-            <a:ext cx="4655975" cy="1328138"/>
+            <a:off x="551503" y="2012510"/>
+            <a:ext cx="4655975" cy="2652369"/>
           </a:xfrm>
           <a:prstGeom prst="rect">
             <a:avLst/>
@@ -7732,8 +7726,8 @@
         </p:nvSpPr>
         <p:spPr>
           <a:xfrm>
-            <a:off x="472077" y="3566996"/>
-            <a:ext cx="4732537" cy="400110"/>
+            <a:off x="548640" y="4264769"/>
+            <a:ext cx="4658838" cy="400110"/>
           </a:xfrm>
           <a:prstGeom prst="rect">
             <a:avLst/>
@@ -7754,36 +7748,28 @@
               <a:defRPr/>
             </a:pPr>
             <a:r>
+              <a:rPr lang="en-US" altLang="ko-KR" sz="1000" dirty="0" err="1">
+                <a:solidFill>
+                  <a:schemeClr val="lt1"/>
+                </a:solidFill>
+              </a:rPr>
+              <a:t>ssh</a:t>
+            </a:r>
+            <a:r>
               <a:rPr lang="en-US" altLang="ko-KR" sz="1000" dirty="0">
                 <a:solidFill>
                   <a:schemeClr val="lt1"/>
                 </a:solidFill>
               </a:rPr>
-              <a:t>/</a:t>
-            </a:r>
-            <a:r>
-              <a:rPr lang="en-US" altLang="ko-KR" sz="1000" dirty="0" err="1">
+              <a:t> </a:t>
+            </a:r>
+            <a:r>
+              <a:rPr lang="ko-KR" altLang="en-US" sz="1000" dirty="0">
                 <a:solidFill>
                   <a:schemeClr val="lt1"/>
                 </a:solidFill>
               </a:rPr>
-              <a:t>etc</a:t>
-            </a:r>
-            <a:r>
-              <a:rPr lang="en-US" altLang="ko-KR" sz="1000" dirty="0">
-                <a:solidFill>
-                  <a:schemeClr val="lt1"/>
-                </a:solidFill>
-              </a:rPr>
-              <a:t>/login.def</a:t>
-            </a:r>
-            <a:r>
-              <a:rPr lang="ko-KR" altLang="en-US" sz="1000" dirty="0">
-                <a:solidFill>
-                  <a:schemeClr val="lt1"/>
-                </a:solidFill>
-              </a:rPr>
-              <a:t>설정에 들어가서 </a:t>
+              <a:t>로그인 접속 시도 </a:t>
             </a:r>
           </a:p>
           <a:p>
@@ -7791,12 +7777,36 @@
               <a:defRPr/>
             </a:pPr>
             <a:r>
+              <a:rPr lang="en-US" altLang="ko-KR" sz="1000" dirty="0">
+                <a:solidFill>
+                  <a:schemeClr val="lt1"/>
+                </a:solidFill>
+              </a:rPr>
+              <a:t>3</a:t>
+            </a:r>
+            <a:r>
               <a:rPr lang="ko-KR" altLang="en-US" sz="1000" dirty="0">
                 <a:solidFill>
                   <a:schemeClr val="lt1"/>
                 </a:solidFill>
               </a:rPr>
-              <a:t>PASS_WARN_AGE 값을 낮게 설정</a:t>
+              <a:t>회 실시 이후  </a:t>
+            </a:r>
+            <a:r>
+              <a:rPr lang="en-US" altLang="ko-KR" sz="1000" dirty="0" err="1">
+                <a:solidFill>
+                  <a:schemeClr val="lt1"/>
+                </a:solidFill>
+              </a:rPr>
+              <a:t>ip</a:t>
+            </a:r>
+            <a:r>
+              <a:rPr lang="ko-KR" altLang="en-US" sz="1000" dirty="0">
+                <a:solidFill>
+                  <a:schemeClr val="lt1"/>
+                </a:solidFill>
+              </a:rPr>
+              <a:t>차단됨</a:t>
             </a:r>
             <a:endParaRPr lang="en-US" altLang="ko-KR" sz="1000" dirty="0" smtClean="0">
               <a:solidFill>
@@ -8139,8 +8149,8 @@
         </p:nvSpPr>
         <p:spPr>
           <a:xfrm>
-            <a:off x="6643933" y="4546074"/>
-            <a:ext cx="4319464" cy="1381720"/>
+            <a:off x="6643933" y="4007180"/>
+            <a:ext cx="4319464" cy="697195"/>
           </a:xfrm>
           <a:prstGeom prst="rect">
             <a:avLst/>
@@ -8181,60 +8191,36 @@
           <a:p>
             <a:pPr algn="ctr"/>
             <a:r>
-              <a:rPr lang="ko-KR" altLang="en-US" sz="1500" dirty="0" err="1"/>
-              <a:t>Wazuh의</a:t>
-            </a:r>
-            <a:r>
-              <a:rPr lang="ko-KR" altLang="en-US" sz="1500" dirty="0"/>
-              <a:t> SCA(보안 구성 감사: </a:t>
-            </a:r>
-            <a:r>
-              <a:rPr lang="ko-KR" altLang="en-US" sz="1500" dirty="0" err="1"/>
-              <a:t>Security</a:t>
-            </a:r>
-            <a:r>
-              <a:rPr lang="ko-KR" altLang="en-US" sz="1500" dirty="0"/>
+              <a:rPr lang="en-US" altLang="ko-KR" dirty="0" err="1" smtClean="0"/>
+              <a:t>ssh</a:t>
+            </a:r>
+            <a:r>
+              <a:rPr lang="en-US" altLang="ko-KR" dirty="0" smtClean="0"/>
               <a:t> </a:t>
             </a:r>
             <a:r>
-              <a:rPr lang="ko-KR" altLang="en-US" sz="1500" dirty="0" err="1"/>
-              <a:t>Configuration</a:t>
-            </a:r>
-            <a:r>
-              <a:rPr lang="ko-KR" altLang="en-US" sz="1500" dirty="0"/>
-              <a:t> </a:t>
-            </a:r>
-            <a:r>
-              <a:rPr lang="ko-KR" altLang="en-US" sz="1500" dirty="0" err="1"/>
-              <a:t>Assessment</a:t>
-            </a:r>
-            <a:r>
-              <a:rPr lang="ko-KR" altLang="en-US" sz="1500" dirty="0"/>
-              <a:t>) 기능이 /</a:t>
-            </a:r>
-            <a:r>
-              <a:rPr lang="ko-KR" altLang="en-US" sz="1500" dirty="0" err="1"/>
-              <a:t>etc</a:t>
-            </a:r>
-            <a:r>
-              <a:rPr lang="ko-KR" altLang="en-US" sz="1500" dirty="0"/>
-              <a:t>/</a:t>
-            </a:r>
-            <a:r>
-              <a:rPr lang="ko-KR" altLang="en-US" sz="1500" dirty="0" err="1"/>
-              <a:t>login.defs</a:t>
-            </a:r>
-            <a:r>
-              <a:rPr lang="ko-KR" altLang="en-US" sz="1500" dirty="0"/>
-              <a:t> 파일을 분석해서 보안 규정 위반을 탐지한 결과</a:t>
-            </a:r>
-            <a:endParaRPr lang="ko-KR" altLang="en-US" sz="1500" dirty="0"/>
+              <a:rPr lang="ko-KR" altLang="en-US" dirty="0" smtClean="0"/>
+              <a:t>로그인 비밀번호 </a:t>
+            </a:r>
+            <a:endParaRPr lang="en-US" altLang="ko-KR" dirty="0" smtClean="0"/>
+          </a:p>
+          <a:p>
+            <a:pPr algn="ctr"/>
+            <a:r>
+              <a:rPr lang="ko-KR" altLang="en-US" dirty="0" smtClean="0"/>
+              <a:t>실패 로그 생성된 것을 확인</a:t>
+            </a:r>
+            <a:r>
+              <a:rPr lang="en-US" altLang="ko-KR" dirty="0" smtClean="0"/>
+              <a:t>.</a:t>
+            </a:r>
+            <a:endParaRPr lang="ko-KR" altLang="en-US" dirty="0"/>
           </a:p>
         </p:txBody>
       </p:sp>
       <p:pic>
         <p:nvPicPr>
-          <p:cNvPr id="22" name="그림 21"/>
+          <p:cNvPr id="24" name="그림 23"/>
           <p:cNvPicPr>
             <a:picLocks noChangeAspect="1"/>
           </p:cNvPicPr>
@@ -8248,8 +8234,8 @@
         </p:blipFill>
         <p:spPr>
           <a:xfrm>
-            <a:off x="1857270" y="2821885"/>
-            <a:ext cx="1962150" cy="666750"/>
+            <a:off x="685348" y="2102510"/>
+            <a:ext cx="4373230" cy="1816205"/>
           </a:xfrm>
           <a:prstGeom prst="rect">
             <a:avLst/>
@@ -8258,13 +8244,13 @@
       </p:pic>
       <p:pic>
         <p:nvPicPr>
-          <p:cNvPr id="23" name="그림 22"/>
+          <p:cNvPr id="7" name="그림 6"/>
           <p:cNvPicPr>
             <a:picLocks noChangeAspect="1"/>
           </p:cNvPicPr>
           <p:nvPr/>
         </p:nvPicPr>
-        <p:blipFill rotWithShape="1">
+        <p:blipFill>
           <a:blip r:embed="rId3"/>
           <a:stretch>
             <a:fillRect/>
@@ -8272,8 +8258,8 @@
         </p:blipFill>
         <p:spPr>
           <a:xfrm>
-            <a:off x="6643397" y="1304757"/>
-            <a:ext cx="4310926" cy="2929219"/>
+            <a:off x="6643397" y="1300588"/>
+            <a:ext cx="4323997" cy="2002450"/>
           </a:xfrm>
           <a:prstGeom prst="rect">
             <a:avLst/>
@@ -8283,7 +8269,7 @@
     </p:spTree>
     <p:extLst>
       <p:ext uri="{BB962C8B-B14F-4D97-AF65-F5344CB8AC3E}">
-        <p14:creationId xmlns:p14="http://schemas.microsoft.com/office/powerpoint/2010/main" val="4107541862"/>
+        <p14:creationId xmlns:p14="http://schemas.microsoft.com/office/powerpoint/2010/main" val="1488403816"/>
       </p:ext>
     </p:extLst>
   </p:cSld>
@@ -8439,41 +8425,10 @@
                     </a:srgbClr>
                   </a:outerShdw>
                 </a:effectLst>
-                <a:latin typeface="Arial Black"/>
-              </a:rPr>
-              <a:t>⚠</a:t>
-            </a:r>
-            <a:r>
-              <a:rPr lang="ko-KR" altLang="en-US" sz="3000" dirty="0" err="1">
-                <a:solidFill>
-                  <a:schemeClr val="lt1"/>
-                </a:solidFill>
-                <a:effectLst>
-                  <a:outerShdw blurRad="76200" dist="76200" dir="2700000" algn="ctr" rotWithShape="0">
-                    <a:srgbClr val="000000">
-                      <a:alpha val="50000"/>
-                    </a:srgbClr>
-                  </a:outerShdw>
-                </a:effectLst>
-                <a:latin typeface="Arial Black"/>
-              </a:rPr>
-              <a:t>Nmap</a:t>
-            </a:r>
-            <a:r>
-              <a:rPr lang="ko-KR" altLang="en-US" sz="3000" dirty="0">
-                <a:solidFill>
-                  <a:schemeClr val="lt1"/>
-                </a:solidFill>
-                <a:effectLst>
-                  <a:outerShdw blurRad="76200" dist="76200" dir="2700000" algn="ctr" rotWithShape="0">
-                    <a:srgbClr val="000000">
-                      <a:alpha val="50000"/>
-                    </a:srgbClr>
-                  </a:outerShdw>
-                </a:effectLst>
-                <a:latin typeface="Arial Black"/>
-              </a:rPr>
-              <a:t> 포트 스캔 탐지 실습</a:t>
+                <a:latin typeface="HY헤드라인M" panose="02030600000101010101" pitchFamily="18" charset="-127"/>
+                <a:ea typeface="HY헤드라인M" panose="02030600000101010101" pitchFamily="18" charset="-127"/>
+              </a:rPr>
+              <a:t>📋 규정 준수 스캔 및 보고서 생성</a:t>
             </a:r>
             <a:endParaRPr lang="ko-KR" altLang="en-US" sz="3000" dirty="0">
               <a:solidFill>
@@ -8826,6 +8781,1152 @@
         </p:nvSpPr>
         <p:spPr>
           <a:xfrm>
+            <a:off x="548640" y="2638969"/>
+            <a:ext cx="4655975" cy="1328138"/>
+          </a:xfrm>
+          <a:prstGeom prst="rect">
+            <a:avLst/>
+          </a:prstGeom>
+          <a:solidFill>
+            <a:srgbClr val="3049EB"/>
+          </a:solidFill>
+          <a:ln>
+            <a:noFill/>
+          </a:ln>
+          <a:effectLst>
+            <a:outerShdw blurRad="50800" dist="38100" dir="2700000" sx="101000" sy="101000" algn="tl" rotWithShape="0">
+              <a:prstClr val="black">
+                <a:alpha val="99000"/>
+              </a:prstClr>
+            </a:outerShdw>
+          </a:effectLst>
+        </p:spPr>
+        <p:style>
+          <a:lnRef idx="2">
+            <a:schemeClr val="accent1">
+              <a:shade val="50000"/>
+            </a:schemeClr>
+          </a:lnRef>
+          <a:fillRef idx="1">
+            <a:schemeClr val="accent1"/>
+          </a:fillRef>
+          <a:effectRef idx="0">
+            <a:schemeClr val="accent1"/>
+          </a:effectRef>
+          <a:fontRef idx="minor">
+            <a:schemeClr val="lt1"/>
+          </a:fontRef>
+        </p:style>
+        <p:txBody>
+          <a:bodyPr rtlCol="0" anchor="ctr"/>
+          <a:lstStyle/>
+          <a:p>
+            <a:pPr algn="ctr"/>
+            <a:endParaRPr lang="ko-KR" altLang="en-US" dirty="0"/>
+          </a:p>
+        </p:txBody>
+      </p:sp>
+      <p:sp>
+        <p:nvSpPr>
+          <p:cNvPr id="16" name="TextBox 15"/>
+          <p:cNvSpPr txBox="1"/>
+          <p:nvPr/>
+        </p:nvSpPr>
+        <p:spPr>
+          <a:xfrm>
+            <a:off x="472077" y="3566996"/>
+            <a:ext cx="4732537" cy="400110"/>
+          </a:xfrm>
+          <a:prstGeom prst="rect">
+            <a:avLst/>
+          </a:prstGeom>
+          <a:solidFill>
+            <a:srgbClr val="132584">
+              <a:alpha val="20000"/>
+            </a:srgbClr>
+          </a:solidFill>
+        </p:spPr>
+        <p:txBody>
+          <a:bodyPr wrap="square" rtlCol="0">
+            <a:spAutoFit/>
+          </a:bodyPr>
+          <a:lstStyle/>
+          <a:p>
+            <a:pPr algn="ctr">
+              <a:defRPr/>
+            </a:pPr>
+            <a:r>
+              <a:rPr lang="en-US" altLang="ko-KR" sz="1000" dirty="0">
+                <a:solidFill>
+                  <a:schemeClr val="lt1"/>
+                </a:solidFill>
+              </a:rPr>
+              <a:t>/</a:t>
+            </a:r>
+            <a:r>
+              <a:rPr lang="en-US" altLang="ko-KR" sz="1000" dirty="0" err="1">
+                <a:solidFill>
+                  <a:schemeClr val="lt1"/>
+                </a:solidFill>
+              </a:rPr>
+              <a:t>etc</a:t>
+            </a:r>
+            <a:r>
+              <a:rPr lang="en-US" altLang="ko-KR" sz="1000" dirty="0">
+                <a:solidFill>
+                  <a:schemeClr val="lt1"/>
+                </a:solidFill>
+              </a:rPr>
+              <a:t>/login.def</a:t>
+            </a:r>
+            <a:r>
+              <a:rPr lang="ko-KR" altLang="en-US" sz="1000" dirty="0">
+                <a:solidFill>
+                  <a:schemeClr val="lt1"/>
+                </a:solidFill>
+              </a:rPr>
+              <a:t>설정에 들어가서 </a:t>
+            </a:r>
+          </a:p>
+          <a:p>
+            <a:pPr algn="ctr">
+              <a:defRPr/>
+            </a:pPr>
+            <a:r>
+              <a:rPr lang="ko-KR" altLang="en-US" sz="1000" dirty="0">
+                <a:solidFill>
+                  <a:schemeClr val="lt1"/>
+                </a:solidFill>
+              </a:rPr>
+              <a:t>PASS_WARN_AGE 값을 낮게 설정</a:t>
+            </a:r>
+            <a:endParaRPr lang="en-US" altLang="ko-KR" sz="1000" dirty="0" smtClean="0">
+              <a:solidFill>
+                <a:schemeClr val="bg1"/>
+              </a:solidFill>
+            </a:endParaRPr>
+          </a:p>
+        </p:txBody>
+      </p:sp>
+      <p:sp>
+        <p:nvSpPr>
+          <p:cNvPr id="18" name="직사각형 17"/>
+          <p:cNvSpPr/>
+          <p:nvPr/>
+        </p:nvSpPr>
+        <p:spPr>
+          <a:xfrm>
+            <a:off x="6643397" y="1115710"/>
+            <a:ext cx="4320000" cy="2187328"/>
+          </a:xfrm>
+          <a:prstGeom prst="rect">
+            <a:avLst/>
+          </a:prstGeom>
+          <a:solidFill>
+            <a:srgbClr val="3049EB"/>
+          </a:solidFill>
+          <a:ln>
+            <a:noFill/>
+          </a:ln>
+        </p:spPr>
+        <p:style>
+          <a:lnRef idx="2">
+            <a:schemeClr val="accent1">
+              <a:shade val="50000"/>
+            </a:schemeClr>
+          </a:lnRef>
+          <a:fillRef idx="1">
+            <a:schemeClr val="accent1"/>
+          </a:fillRef>
+          <a:effectRef idx="0">
+            <a:schemeClr val="accent1"/>
+          </a:effectRef>
+          <a:fontRef idx="minor">
+            <a:schemeClr val="lt1"/>
+          </a:fontRef>
+        </p:style>
+        <p:txBody>
+          <a:bodyPr rtlCol="0" anchor="ctr"/>
+          <a:lstStyle/>
+          <a:p>
+            <a:pPr algn="ctr"/>
+            <a:endParaRPr lang="ko-KR" altLang="en-US" dirty="0"/>
+          </a:p>
+        </p:txBody>
+      </p:sp>
+      <p:sp>
+        <p:nvSpPr>
+          <p:cNvPr id="19" name="직사각형 18"/>
+          <p:cNvSpPr/>
+          <p:nvPr/>
+        </p:nvSpPr>
+        <p:spPr>
+          <a:xfrm>
+            <a:off x="6643397" y="1295709"/>
+            <a:ext cx="4320000" cy="2007329"/>
+          </a:xfrm>
+          <a:prstGeom prst="rect">
+            <a:avLst/>
+          </a:prstGeom>
+          <a:solidFill>
+            <a:srgbClr val="132584"/>
+          </a:solidFill>
+          <a:ln>
+            <a:noFill/>
+          </a:ln>
+        </p:spPr>
+        <p:style>
+          <a:lnRef idx="2">
+            <a:schemeClr val="accent1">
+              <a:shade val="50000"/>
+            </a:schemeClr>
+          </a:lnRef>
+          <a:fillRef idx="1">
+            <a:schemeClr val="accent1"/>
+          </a:fillRef>
+          <a:effectRef idx="0">
+            <a:schemeClr val="accent1"/>
+          </a:effectRef>
+          <a:fontRef idx="minor">
+            <a:schemeClr val="lt1"/>
+          </a:fontRef>
+        </p:style>
+        <p:txBody>
+          <a:bodyPr rtlCol="0" anchor="ctr"/>
+          <a:lstStyle/>
+          <a:p>
+            <a:pPr algn="ctr"/>
+            <a:endParaRPr lang="ko-KR" altLang="en-US" dirty="0"/>
+          </a:p>
+        </p:txBody>
+      </p:sp>
+      <p:sp>
+        <p:nvSpPr>
+          <p:cNvPr id="21" name="실행 단추: 사용자 지정 20">
+            <a:hlinkClick r:id="" action="ppaction://noaction" highlightClick="1"/>
+          </p:cNvPr>
+          <p:cNvSpPr/>
+          <p:nvPr/>
+        </p:nvSpPr>
+        <p:spPr>
+          <a:xfrm>
+            <a:off x="10780255" y="1110832"/>
+            <a:ext cx="177209" cy="180000"/>
+          </a:xfrm>
+          <a:prstGeom prst="actionButtonBlank">
+            <a:avLst/>
+          </a:prstGeom>
+          <a:solidFill>
+            <a:srgbClr val="FF0000"/>
+          </a:solidFill>
+        </p:spPr>
+        <p:style>
+          <a:lnRef idx="2">
+            <a:schemeClr val="accent1">
+              <a:shade val="50000"/>
+            </a:schemeClr>
+          </a:lnRef>
+          <a:fillRef idx="1">
+            <a:schemeClr val="accent1"/>
+          </a:fillRef>
+          <a:effectRef idx="0">
+            <a:schemeClr val="accent1"/>
+          </a:effectRef>
+          <a:fontRef idx="minor">
+            <a:schemeClr val="lt1"/>
+          </a:fontRef>
+        </p:style>
+        <p:txBody>
+          <a:bodyPr rtlCol="0" anchor="ctr"/>
+          <a:lstStyle/>
+          <a:p>
+            <a:pPr algn="ctr"/>
+            <a:endParaRPr lang="ko-KR" altLang="en-US"/>
+          </a:p>
+        </p:txBody>
+      </p:sp>
+      <p:sp>
+        <p:nvSpPr>
+          <p:cNvPr id="20" name="곱셈 기호 19"/>
+          <p:cNvSpPr/>
+          <p:nvPr/>
+        </p:nvSpPr>
+        <p:spPr>
+          <a:xfrm>
+            <a:off x="10774322" y="1115710"/>
+            <a:ext cx="180000" cy="180000"/>
+          </a:xfrm>
+          <a:prstGeom prst="mathMultiply">
+            <a:avLst/>
+          </a:prstGeom>
+          <a:solidFill>
+            <a:schemeClr val="bg1"/>
+          </a:solidFill>
+          <a:ln>
+            <a:solidFill>
+              <a:schemeClr val="bg1"/>
+            </a:solidFill>
+          </a:ln>
+        </p:spPr>
+        <p:style>
+          <a:lnRef idx="2">
+            <a:schemeClr val="accent1">
+              <a:shade val="50000"/>
+            </a:schemeClr>
+          </a:lnRef>
+          <a:fillRef idx="1">
+            <a:schemeClr val="accent1"/>
+          </a:fillRef>
+          <a:effectRef idx="0">
+            <a:schemeClr val="accent1"/>
+          </a:effectRef>
+          <a:fontRef idx="minor">
+            <a:schemeClr val="lt1"/>
+          </a:fontRef>
+        </p:style>
+        <p:txBody>
+          <a:bodyPr rtlCol="0" anchor="ctr"/>
+          <a:lstStyle/>
+          <a:p>
+            <a:pPr algn="ctr"/>
+            <a:endParaRPr lang="ko-KR" altLang="en-US"/>
+          </a:p>
+        </p:txBody>
+      </p:sp>
+      <p:sp>
+        <p:nvSpPr>
+          <p:cNvPr id="2" name="갈매기형 수장 1"/>
+          <p:cNvSpPr/>
+          <p:nvPr/>
+        </p:nvSpPr>
+        <p:spPr>
+          <a:xfrm>
+            <a:off x="6027575" y="2821885"/>
+            <a:ext cx="466725" cy="876300"/>
+          </a:xfrm>
+          <a:prstGeom prst="chevron">
+            <a:avLst/>
+          </a:prstGeom>
+          <a:solidFill>
+            <a:srgbClr val="3049EB"/>
+          </a:solidFill>
+        </p:spPr>
+        <p:style>
+          <a:lnRef idx="2">
+            <a:schemeClr val="accent1">
+              <a:shade val="50000"/>
+            </a:schemeClr>
+          </a:lnRef>
+          <a:fillRef idx="1">
+            <a:schemeClr val="accent1"/>
+          </a:fillRef>
+          <a:effectRef idx="0">
+            <a:schemeClr val="accent1"/>
+          </a:effectRef>
+          <a:fontRef idx="minor">
+            <a:schemeClr val="lt1"/>
+          </a:fontRef>
+        </p:style>
+        <p:txBody>
+          <a:bodyPr rtlCol="0" anchor="ctr"/>
+          <a:lstStyle/>
+          <a:p>
+            <a:pPr algn="ctr"/>
+            <a:endParaRPr lang="ko-KR" altLang="en-US">
+              <a:solidFill>
+                <a:schemeClr val="tx1"/>
+              </a:solidFill>
+            </a:endParaRPr>
+          </a:p>
+        </p:txBody>
+      </p:sp>
+      <p:sp>
+        <p:nvSpPr>
+          <p:cNvPr id="27" name="갈매기형 수장 26"/>
+          <p:cNvSpPr/>
+          <p:nvPr/>
+        </p:nvSpPr>
+        <p:spPr>
+          <a:xfrm>
+            <a:off x="5580677" y="2821885"/>
+            <a:ext cx="466725" cy="876300"/>
+          </a:xfrm>
+          <a:prstGeom prst="chevron">
+            <a:avLst/>
+          </a:prstGeom>
+          <a:solidFill>
+            <a:srgbClr val="3751EB"/>
+          </a:solidFill>
+        </p:spPr>
+        <p:style>
+          <a:lnRef idx="2">
+            <a:schemeClr val="accent1">
+              <a:shade val="50000"/>
+            </a:schemeClr>
+          </a:lnRef>
+          <a:fillRef idx="1">
+            <a:schemeClr val="accent1"/>
+          </a:fillRef>
+          <a:effectRef idx="0">
+            <a:schemeClr val="accent1"/>
+          </a:effectRef>
+          <a:fontRef idx="minor">
+            <a:schemeClr val="lt1"/>
+          </a:fontRef>
+        </p:style>
+        <p:txBody>
+          <a:bodyPr rtlCol="0" anchor="ctr"/>
+          <a:lstStyle/>
+          <a:p>
+            <a:pPr algn="ctr"/>
+            <a:endParaRPr lang="ko-KR" altLang="en-US">
+              <a:solidFill>
+                <a:schemeClr val="tx1"/>
+              </a:solidFill>
+            </a:endParaRPr>
+          </a:p>
+        </p:txBody>
+      </p:sp>
+      <p:sp>
+        <p:nvSpPr>
+          <p:cNvPr id="6" name="직사각형 5"/>
+          <p:cNvSpPr/>
+          <p:nvPr/>
+        </p:nvSpPr>
+        <p:spPr>
+          <a:xfrm>
+            <a:off x="7029450" y="2701925"/>
+            <a:ext cx="2540000" cy="161925"/>
+          </a:xfrm>
+          <a:prstGeom prst="rect">
+            <a:avLst/>
+          </a:prstGeom>
+          <a:noFill/>
+          <a:ln>
+            <a:solidFill>
+              <a:srgbClr val="FF0000"/>
+            </a:solidFill>
+          </a:ln>
+        </p:spPr>
+        <p:style>
+          <a:lnRef idx="2">
+            <a:schemeClr val="accent1">
+              <a:shade val="50000"/>
+            </a:schemeClr>
+          </a:lnRef>
+          <a:fillRef idx="1">
+            <a:schemeClr val="accent1"/>
+          </a:fillRef>
+          <a:effectRef idx="0">
+            <a:schemeClr val="accent1"/>
+          </a:effectRef>
+          <a:fontRef idx="minor">
+            <a:schemeClr val="lt1"/>
+          </a:fontRef>
+        </p:style>
+        <p:txBody>
+          <a:bodyPr rtlCol="0" anchor="ctr"/>
+          <a:lstStyle/>
+          <a:p>
+            <a:pPr algn="ctr"/>
+            <a:endParaRPr lang="ko-KR" altLang="en-US"/>
+          </a:p>
+        </p:txBody>
+      </p:sp>
+      <p:sp>
+        <p:nvSpPr>
+          <p:cNvPr id="30" name="직사각형 29"/>
+          <p:cNvSpPr/>
+          <p:nvPr/>
+        </p:nvSpPr>
+        <p:spPr>
+          <a:xfrm>
+            <a:off x="6643933" y="4546074"/>
+            <a:ext cx="4319464" cy="1381720"/>
+          </a:xfrm>
+          <a:prstGeom prst="rect">
+            <a:avLst/>
+          </a:prstGeom>
+          <a:solidFill>
+            <a:srgbClr val="3049EB"/>
+          </a:solidFill>
+          <a:ln>
+            <a:noFill/>
+          </a:ln>
+          <a:effectLst>
+            <a:outerShdw blurRad="50800" dist="38100" dir="2700000" sx="101000" sy="101000" algn="tl" rotWithShape="0">
+              <a:prstClr val="black">
+                <a:alpha val="99000"/>
+              </a:prstClr>
+            </a:outerShdw>
+          </a:effectLst>
+        </p:spPr>
+        <p:style>
+          <a:lnRef idx="2">
+            <a:schemeClr val="accent1">
+              <a:shade val="50000"/>
+            </a:schemeClr>
+          </a:lnRef>
+          <a:fillRef idx="1">
+            <a:schemeClr val="accent1"/>
+          </a:fillRef>
+          <a:effectRef idx="0">
+            <a:schemeClr val="accent1"/>
+          </a:effectRef>
+          <a:fontRef idx="minor">
+            <a:schemeClr val="lt1"/>
+          </a:fontRef>
+        </p:style>
+        <p:txBody>
+          <a:bodyPr rtlCol="0" anchor="ctr"/>
+          <a:lstStyle/>
+          <a:p>
+            <a:pPr algn="ctr"/>
+            <a:r>
+              <a:rPr lang="ko-KR" altLang="en-US" sz="1500" dirty="0" err="1"/>
+              <a:t>Wazuh의</a:t>
+            </a:r>
+            <a:r>
+              <a:rPr lang="ko-KR" altLang="en-US" sz="1500" dirty="0"/>
+              <a:t> SCA(보안 구성 감사: </a:t>
+            </a:r>
+            <a:r>
+              <a:rPr lang="ko-KR" altLang="en-US" sz="1500" dirty="0" err="1"/>
+              <a:t>Security</a:t>
+            </a:r>
+            <a:r>
+              <a:rPr lang="ko-KR" altLang="en-US" sz="1500" dirty="0"/>
+              <a:t> </a:t>
+            </a:r>
+            <a:r>
+              <a:rPr lang="ko-KR" altLang="en-US" sz="1500" dirty="0" err="1"/>
+              <a:t>Configuration</a:t>
+            </a:r>
+            <a:r>
+              <a:rPr lang="ko-KR" altLang="en-US" sz="1500" dirty="0"/>
+              <a:t> </a:t>
+            </a:r>
+            <a:r>
+              <a:rPr lang="ko-KR" altLang="en-US" sz="1500" dirty="0" err="1"/>
+              <a:t>Assessment</a:t>
+            </a:r>
+            <a:r>
+              <a:rPr lang="ko-KR" altLang="en-US" sz="1500" dirty="0"/>
+              <a:t>) 기능이 /</a:t>
+            </a:r>
+            <a:r>
+              <a:rPr lang="ko-KR" altLang="en-US" sz="1500" dirty="0" err="1"/>
+              <a:t>etc</a:t>
+            </a:r>
+            <a:r>
+              <a:rPr lang="ko-KR" altLang="en-US" sz="1500" dirty="0"/>
+              <a:t>/</a:t>
+            </a:r>
+            <a:r>
+              <a:rPr lang="ko-KR" altLang="en-US" sz="1500" dirty="0" err="1"/>
+              <a:t>login.defs</a:t>
+            </a:r>
+            <a:r>
+              <a:rPr lang="ko-KR" altLang="en-US" sz="1500" dirty="0"/>
+              <a:t> 파일을 분석해서 보안 규정 위반을 탐지한 결과</a:t>
+            </a:r>
+          </a:p>
+        </p:txBody>
+      </p:sp>
+      <p:pic>
+        <p:nvPicPr>
+          <p:cNvPr id="22" name="그림 21"/>
+          <p:cNvPicPr>
+            <a:picLocks noChangeAspect="1"/>
+          </p:cNvPicPr>
+          <p:nvPr/>
+        </p:nvPicPr>
+        <p:blipFill rotWithShape="1">
+          <a:blip r:embed="rId2"/>
+          <a:stretch>
+            <a:fillRect/>
+          </a:stretch>
+        </p:blipFill>
+        <p:spPr>
+          <a:xfrm>
+            <a:off x="1857270" y="2821885"/>
+            <a:ext cx="1962150" cy="666750"/>
+          </a:xfrm>
+          <a:prstGeom prst="rect">
+            <a:avLst/>
+          </a:prstGeom>
+        </p:spPr>
+      </p:pic>
+      <p:pic>
+        <p:nvPicPr>
+          <p:cNvPr id="23" name="그림 22"/>
+          <p:cNvPicPr>
+            <a:picLocks noChangeAspect="1"/>
+          </p:cNvPicPr>
+          <p:nvPr/>
+        </p:nvPicPr>
+        <p:blipFill rotWithShape="1">
+          <a:blip r:embed="rId3"/>
+          <a:stretch>
+            <a:fillRect/>
+          </a:stretch>
+        </p:blipFill>
+        <p:spPr>
+          <a:xfrm>
+            <a:off x="6643397" y="1304757"/>
+            <a:ext cx="4310926" cy="2929219"/>
+          </a:xfrm>
+          <a:prstGeom prst="rect">
+            <a:avLst/>
+          </a:prstGeom>
+        </p:spPr>
+      </p:pic>
+    </p:spTree>
+    <p:extLst>
+      <p:ext uri="{BB962C8B-B14F-4D97-AF65-F5344CB8AC3E}">
+        <p14:creationId xmlns:p14="http://schemas.microsoft.com/office/powerpoint/2010/main" val="4107541862"/>
+      </p:ext>
+    </p:extLst>
+  </p:cSld>
+  <p:clrMapOvr>
+    <a:masterClrMapping/>
+  </p:clrMapOvr>
+  <p:timing>
+    <p:tnLst>
+      <p:par>
+        <p:cTn id="1" dur="indefinite" restart="never" nodeType="tmRoot"/>
+      </p:par>
+    </p:tnLst>
+  </p:timing>
+</p:sld>
+</file>
+
+<file path=ppt/slides/slide14.xml><?xml version="1.0" encoding="utf-8"?>
+<p:sld xmlns:a="http://schemas.openxmlformats.org/drawingml/2006/main" xmlns:r="http://schemas.openxmlformats.org/officeDocument/2006/relationships" xmlns:p="http://schemas.openxmlformats.org/presentationml/2006/main">
+  <p:cSld>
+    <p:spTree>
+      <p:nvGrpSpPr>
+        <p:cNvPr id="1" name=""/>
+        <p:cNvGrpSpPr/>
+        <p:nvPr/>
+      </p:nvGrpSpPr>
+      <p:grpSpPr>
+        <a:xfrm>
+          <a:off x="0" y="0"/>
+          <a:ext cx="0" cy="0"/>
+          <a:chOff x="0" y="0"/>
+          <a:chExt cx="0" cy="0"/>
+        </a:xfrm>
+      </p:grpSpPr>
+      <p:sp>
+        <p:nvSpPr>
+          <p:cNvPr id="4" name="직사각형 3"/>
+          <p:cNvSpPr/>
+          <p:nvPr/>
+        </p:nvSpPr>
+        <p:spPr>
+          <a:xfrm>
+            <a:off x="0" y="0"/>
+            <a:ext cx="12192000" cy="6520069"/>
+          </a:xfrm>
+          <a:prstGeom prst="rect">
+            <a:avLst/>
+          </a:prstGeom>
+          <a:solidFill>
+            <a:srgbClr val="3049EB">
+              <a:alpha val="60000"/>
+            </a:srgbClr>
+          </a:solidFill>
+        </p:spPr>
+        <p:style>
+          <a:lnRef idx="2">
+            <a:schemeClr val="accent1">
+              <a:shade val="50000"/>
+            </a:schemeClr>
+          </a:lnRef>
+          <a:fillRef idx="1">
+            <a:schemeClr val="accent1"/>
+          </a:fillRef>
+          <a:effectRef idx="0">
+            <a:schemeClr val="accent1"/>
+          </a:effectRef>
+          <a:fontRef idx="minor">
+            <a:schemeClr val="lt1"/>
+          </a:fontRef>
+        </p:style>
+        <p:txBody>
+          <a:bodyPr rtlCol="0" anchor="ctr"/>
+          <a:lstStyle/>
+          <a:p>
+            <a:pPr algn="ctr"/>
+            <a:endParaRPr lang="ko-KR" altLang="en-US" dirty="0"/>
+          </a:p>
+        </p:txBody>
+      </p:sp>
+      <p:sp>
+        <p:nvSpPr>
+          <p:cNvPr id="5" name="직사각형 4"/>
+          <p:cNvSpPr/>
+          <p:nvPr/>
+        </p:nvSpPr>
+        <p:spPr>
+          <a:xfrm>
+            <a:off x="0" y="6520069"/>
+            <a:ext cx="12192000" cy="337932"/>
+          </a:xfrm>
+          <a:prstGeom prst="rect">
+            <a:avLst/>
+          </a:prstGeom>
+          <a:solidFill>
+            <a:srgbClr val="132584"/>
+          </a:solidFill>
+        </p:spPr>
+        <p:style>
+          <a:lnRef idx="2">
+            <a:schemeClr val="accent1">
+              <a:shade val="50000"/>
+            </a:schemeClr>
+          </a:lnRef>
+          <a:fillRef idx="1">
+            <a:schemeClr val="accent1"/>
+          </a:fillRef>
+          <a:effectRef idx="0">
+            <a:schemeClr val="accent1"/>
+          </a:effectRef>
+          <a:fontRef idx="minor">
+            <a:schemeClr val="lt1"/>
+          </a:fontRef>
+        </p:style>
+        <p:txBody>
+          <a:bodyPr rtlCol="0" anchor="ctr"/>
+          <a:lstStyle/>
+          <a:p>
+            <a:pPr algn="ctr"/>
+            <a:endParaRPr lang="ko-KR" altLang="en-US"/>
+          </a:p>
+        </p:txBody>
+      </p:sp>
+      <p:sp>
+        <p:nvSpPr>
+          <p:cNvPr id="12" name="TextBox 11"/>
+          <p:cNvSpPr txBox="1"/>
+          <p:nvPr/>
+        </p:nvSpPr>
+        <p:spPr>
+          <a:xfrm>
+            <a:off x="821095" y="144559"/>
+            <a:ext cx="11010121" cy="553998"/>
+          </a:xfrm>
+          <a:prstGeom prst="rect">
+            <a:avLst/>
+          </a:prstGeom>
+          <a:noFill/>
+        </p:spPr>
+        <p:txBody>
+          <a:bodyPr wrap="square" rtlCol="0" anchor="b" anchorCtr="0">
+            <a:spAutoFit/>
+          </a:bodyPr>
+          <a:lstStyle/>
+          <a:p>
+            <a:r>
+              <a:rPr lang="ko-KR" altLang="en-US" sz="3000" dirty="0">
+                <a:solidFill>
+                  <a:schemeClr val="lt1"/>
+                </a:solidFill>
+                <a:effectLst>
+                  <a:outerShdw blurRad="76200" dist="76200" dir="2700000" algn="ctr" rotWithShape="0">
+                    <a:srgbClr val="000000">
+                      <a:alpha val="50000"/>
+                    </a:srgbClr>
+                  </a:outerShdw>
+                </a:effectLst>
+                <a:latin typeface="Arial Black"/>
+              </a:rPr>
+              <a:t>⚠</a:t>
+            </a:r>
+            <a:r>
+              <a:rPr lang="ko-KR" altLang="en-US" sz="3000" dirty="0" err="1">
+                <a:solidFill>
+                  <a:schemeClr val="lt1"/>
+                </a:solidFill>
+                <a:effectLst>
+                  <a:outerShdw blurRad="76200" dist="76200" dir="2700000" algn="ctr" rotWithShape="0">
+                    <a:srgbClr val="000000">
+                      <a:alpha val="50000"/>
+                    </a:srgbClr>
+                  </a:outerShdw>
+                </a:effectLst>
+                <a:latin typeface="Arial Black"/>
+              </a:rPr>
+              <a:t>Nmap</a:t>
+            </a:r>
+            <a:r>
+              <a:rPr lang="ko-KR" altLang="en-US" sz="3000" dirty="0">
+                <a:solidFill>
+                  <a:schemeClr val="lt1"/>
+                </a:solidFill>
+                <a:effectLst>
+                  <a:outerShdw blurRad="76200" dist="76200" dir="2700000" algn="ctr" rotWithShape="0">
+                    <a:srgbClr val="000000">
+                      <a:alpha val="50000"/>
+                    </a:srgbClr>
+                  </a:outerShdw>
+                </a:effectLst>
+                <a:latin typeface="Arial Black"/>
+              </a:rPr>
+              <a:t> 포트 스캔 탐지 실습</a:t>
+            </a:r>
+            <a:endParaRPr lang="ko-KR" altLang="en-US" sz="3000" dirty="0">
+              <a:solidFill>
+                <a:schemeClr val="bg1"/>
+              </a:solidFill>
+              <a:latin typeface="HY헤드라인M" panose="02030600000101010101" pitchFamily="18" charset="-127"/>
+              <a:ea typeface="HY헤드라인M" panose="02030600000101010101" pitchFamily="18" charset="-127"/>
+            </a:endParaRPr>
+          </a:p>
+        </p:txBody>
+      </p:sp>
+      <p:cxnSp>
+        <p:nvCxnSpPr>
+          <p:cNvPr id="15" name="직선 연결선 14"/>
+          <p:cNvCxnSpPr/>
+          <p:nvPr/>
+        </p:nvCxnSpPr>
+        <p:spPr>
+          <a:xfrm>
+            <a:off x="406023" y="789091"/>
+            <a:ext cx="11305309" cy="49876"/>
+          </a:xfrm>
+          <a:prstGeom prst="line">
+            <a:avLst/>
+          </a:prstGeom>
+          <a:ln>
+            <a:solidFill>
+              <a:srgbClr val="3049EB"/>
+            </a:solidFill>
+          </a:ln>
+        </p:spPr>
+        <p:style>
+          <a:lnRef idx="1">
+            <a:schemeClr val="accent1"/>
+          </a:lnRef>
+          <a:fillRef idx="0">
+            <a:schemeClr val="accent1"/>
+          </a:fillRef>
+          <a:effectRef idx="0">
+            <a:schemeClr val="accent1"/>
+          </a:effectRef>
+          <a:fontRef idx="minor">
+            <a:schemeClr val="tx1"/>
+          </a:fontRef>
+        </p:style>
+      </p:cxnSp>
+      <p:sp>
+        <p:nvSpPr>
+          <p:cNvPr id="3" name="순서도: 수동 입력 2"/>
+          <p:cNvSpPr/>
+          <p:nvPr/>
+        </p:nvSpPr>
+        <p:spPr>
+          <a:xfrm>
+            <a:off x="406023" y="-276743"/>
+            <a:ext cx="142617" cy="1032862"/>
+          </a:xfrm>
+          <a:custGeom>
+            <a:avLst/>
+            <a:gdLst>
+              <a:gd name="connsiteX0" fmla="*/ 0 w 10000"/>
+              <a:gd name="connsiteY0" fmla="*/ 2000 h 10000"/>
+              <a:gd name="connsiteX1" fmla="*/ 10000 w 10000"/>
+              <a:gd name="connsiteY1" fmla="*/ 0 h 10000"/>
+              <a:gd name="connsiteX2" fmla="*/ 10000 w 10000"/>
+              <a:gd name="connsiteY2" fmla="*/ 10000 h 10000"/>
+              <a:gd name="connsiteX3" fmla="*/ 0 w 10000"/>
+              <a:gd name="connsiteY3" fmla="*/ 10000 h 10000"/>
+              <a:gd name="connsiteX4" fmla="*/ 0 w 10000"/>
+              <a:gd name="connsiteY4" fmla="*/ 2000 h 10000"/>
+              <a:gd name="connsiteX0" fmla="*/ 1309 w 10000"/>
+              <a:gd name="connsiteY0" fmla="*/ 0 h 10208"/>
+              <a:gd name="connsiteX1" fmla="*/ 10000 w 10000"/>
+              <a:gd name="connsiteY1" fmla="*/ 208 h 10208"/>
+              <a:gd name="connsiteX2" fmla="*/ 10000 w 10000"/>
+              <a:gd name="connsiteY2" fmla="*/ 10208 h 10208"/>
+              <a:gd name="connsiteX3" fmla="*/ 0 w 10000"/>
+              <a:gd name="connsiteY3" fmla="*/ 10208 h 10208"/>
+              <a:gd name="connsiteX4" fmla="*/ 1309 w 10000"/>
+              <a:gd name="connsiteY4" fmla="*/ 0 h 10208"/>
+              <a:gd name="connsiteX0" fmla="*/ 1309 w 10000"/>
+              <a:gd name="connsiteY0" fmla="*/ 0 h 10208"/>
+              <a:gd name="connsiteX1" fmla="*/ 10000 w 10000"/>
+              <a:gd name="connsiteY1" fmla="*/ 208 h 10208"/>
+              <a:gd name="connsiteX2" fmla="*/ 10000 w 10000"/>
+              <a:gd name="connsiteY2" fmla="*/ 10208 h 10208"/>
+              <a:gd name="connsiteX3" fmla="*/ 0 w 10000"/>
+              <a:gd name="connsiteY3" fmla="*/ 8100 h 10208"/>
+              <a:gd name="connsiteX4" fmla="*/ 1309 w 10000"/>
+              <a:gd name="connsiteY4" fmla="*/ 0 h 10208"/>
+              <a:gd name="connsiteX0" fmla="*/ 0 w 10654"/>
+              <a:gd name="connsiteY0" fmla="*/ 695 h 10000"/>
+              <a:gd name="connsiteX1" fmla="*/ 10654 w 10654"/>
+              <a:gd name="connsiteY1" fmla="*/ 0 h 10000"/>
+              <a:gd name="connsiteX2" fmla="*/ 10654 w 10654"/>
+              <a:gd name="connsiteY2" fmla="*/ 10000 h 10000"/>
+              <a:gd name="connsiteX3" fmla="*/ 654 w 10654"/>
+              <a:gd name="connsiteY3" fmla="*/ 7892 h 10000"/>
+              <a:gd name="connsiteX4" fmla="*/ 0 w 10654"/>
+              <a:gd name="connsiteY4" fmla="*/ 695 h 10000"/>
+              <a:gd name="connsiteX0" fmla="*/ 0 w 10654"/>
+              <a:gd name="connsiteY0" fmla="*/ 0 h 11112"/>
+              <a:gd name="connsiteX1" fmla="*/ 10654 w 10654"/>
+              <a:gd name="connsiteY1" fmla="*/ 1112 h 11112"/>
+              <a:gd name="connsiteX2" fmla="*/ 10654 w 10654"/>
+              <a:gd name="connsiteY2" fmla="*/ 11112 h 11112"/>
+              <a:gd name="connsiteX3" fmla="*/ 654 w 10654"/>
+              <a:gd name="connsiteY3" fmla="*/ 9004 h 11112"/>
+              <a:gd name="connsiteX4" fmla="*/ 0 w 10654"/>
+              <a:gd name="connsiteY4" fmla="*/ 0 h 11112"/>
+              <a:gd name="connsiteX0" fmla="*/ 348 w 10000"/>
+              <a:gd name="connsiteY0" fmla="*/ 0 h 11112"/>
+              <a:gd name="connsiteX1" fmla="*/ 10000 w 10000"/>
+              <a:gd name="connsiteY1" fmla="*/ 1112 h 11112"/>
+              <a:gd name="connsiteX2" fmla="*/ 10000 w 10000"/>
+              <a:gd name="connsiteY2" fmla="*/ 11112 h 11112"/>
+              <a:gd name="connsiteX3" fmla="*/ 0 w 10000"/>
+              <a:gd name="connsiteY3" fmla="*/ 9004 h 11112"/>
+              <a:gd name="connsiteX4" fmla="*/ 348 w 10000"/>
+              <a:gd name="connsiteY4" fmla="*/ 0 h 11112"/>
+            </a:gdLst>
+            <a:ahLst/>
+            <a:cxnLst>
+              <a:cxn ang="0">
+                <a:pos x="connsiteX0" y="connsiteY0"/>
+              </a:cxn>
+              <a:cxn ang="0">
+                <a:pos x="connsiteX1" y="connsiteY1"/>
+              </a:cxn>
+              <a:cxn ang="0">
+                <a:pos x="connsiteX2" y="connsiteY2"/>
+              </a:cxn>
+              <a:cxn ang="0">
+                <a:pos x="connsiteX3" y="connsiteY3"/>
+              </a:cxn>
+              <a:cxn ang="0">
+                <a:pos x="connsiteX4" y="connsiteY4"/>
+              </a:cxn>
+            </a:cxnLst>
+            <a:rect l="l" t="t" r="r" b="b"/>
+            <a:pathLst>
+              <a:path w="10000" h="11112">
+                <a:moveTo>
+                  <a:pt x="348" y="0"/>
+                </a:moveTo>
+                <a:lnTo>
+                  <a:pt x="10000" y="1112"/>
+                </a:lnTo>
+                <a:lnTo>
+                  <a:pt x="10000" y="11112"/>
+                </a:lnTo>
+                <a:lnTo>
+                  <a:pt x="0" y="9004"/>
+                </a:lnTo>
+                <a:lnTo>
+                  <a:pt x="348" y="0"/>
+                </a:lnTo>
+                <a:close/>
+              </a:path>
+            </a:pathLst>
+          </a:custGeom>
+          <a:solidFill>
+            <a:schemeClr val="bg1"/>
+          </a:solidFill>
+          <a:ln>
+            <a:solidFill>
+              <a:schemeClr val="bg1"/>
+            </a:solidFill>
+          </a:ln>
+        </p:spPr>
+        <p:style>
+          <a:lnRef idx="2">
+            <a:schemeClr val="accent1">
+              <a:shade val="50000"/>
+            </a:schemeClr>
+          </a:lnRef>
+          <a:fillRef idx="1">
+            <a:schemeClr val="accent1"/>
+          </a:fillRef>
+          <a:effectRef idx="0">
+            <a:schemeClr val="accent1"/>
+          </a:effectRef>
+          <a:fontRef idx="minor">
+            <a:schemeClr val="lt1"/>
+          </a:fontRef>
+        </p:style>
+        <p:txBody>
+          <a:bodyPr rtlCol="0" anchor="ctr"/>
+          <a:lstStyle/>
+          <a:p>
+            <a:pPr algn="ctr"/>
+            <a:endParaRPr lang="ko-KR" altLang="en-US"/>
+          </a:p>
+        </p:txBody>
+      </p:sp>
+      <p:sp>
+        <p:nvSpPr>
+          <p:cNvPr id="10" name="순서도: 수동 입력 2"/>
+          <p:cNvSpPr/>
+          <p:nvPr/>
+        </p:nvSpPr>
+        <p:spPr>
+          <a:xfrm>
+            <a:off x="198487" y="-516431"/>
+            <a:ext cx="142617" cy="1032862"/>
+          </a:xfrm>
+          <a:custGeom>
+            <a:avLst/>
+            <a:gdLst>
+              <a:gd name="connsiteX0" fmla="*/ 0 w 10000"/>
+              <a:gd name="connsiteY0" fmla="*/ 2000 h 10000"/>
+              <a:gd name="connsiteX1" fmla="*/ 10000 w 10000"/>
+              <a:gd name="connsiteY1" fmla="*/ 0 h 10000"/>
+              <a:gd name="connsiteX2" fmla="*/ 10000 w 10000"/>
+              <a:gd name="connsiteY2" fmla="*/ 10000 h 10000"/>
+              <a:gd name="connsiteX3" fmla="*/ 0 w 10000"/>
+              <a:gd name="connsiteY3" fmla="*/ 10000 h 10000"/>
+              <a:gd name="connsiteX4" fmla="*/ 0 w 10000"/>
+              <a:gd name="connsiteY4" fmla="*/ 2000 h 10000"/>
+              <a:gd name="connsiteX0" fmla="*/ 1309 w 10000"/>
+              <a:gd name="connsiteY0" fmla="*/ 0 h 10208"/>
+              <a:gd name="connsiteX1" fmla="*/ 10000 w 10000"/>
+              <a:gd name="connsiteY1" fmla="*/ 208 h 10208"/>
+              <a:gd name="connsiteX2" fmla="*/ 10000 w 10000"/>
+              <a:gd name="connsiteY2" fmla="*/ 10208 h 10208"/>
+              <a:gd name="connsiteX3" fmla="*/ 0 w 10000"/>
+              <a:gd name="connsiteY3" fmla="*/ 10208 h 10208"/>
+              <a:gd name="connsiteX4" fmla="*/ 1309 w 10000"/>
+              <a:gd name="connsiteY4" fmla="*/ 0 h 10208"/>
+              <a:gd name="connsiteX0" fmla="*/ 1309 w 10000"/>
+              <a:gd name="connsiteY0" fmla="*/ 0 h 10208"/>
+              <a:gd name="connsiteX1" fmla="*/ 10000 w 10000"/>
+              <a:gd name="connsiteY1" fmla="*/ 208 h 10208"/>
+              <a:gd name="connsiteX2" fmla="*/ 10000 w 10000"/>
+              <a:gd name="connsiteY2" fmla="*/ 10208 h 10208"/>
+              <a:gd name="connsiteX3" fmla="*/ 0 w 10000"/>
+              <a:gd name="connsiteY3" fmla="*/ 8100 h 10208"/>
+              <a:gd name="connsiteX4" fmla="*/ 1309 w 10000"/>
+              <a:gd name="connsiteY4" fmla="*/ 0 h 10208"/>
+              <a:gd name="connsiteX0" fmla="*/ 0 w 10654"/>
+              <a:gd name="connsiteY0" fmla="*/ 695 h 10000"/>
+              <a:gd name="connsiteX1" fmla="*/ 10654 w 10654"/>
+              <a:gd name="connsiteY1" fmla="*/ 0 h 10000"/>
+              <a:gd name="connsiteX2" fmla="*/ 10654 w 10654"/>
+              <a:gd name="connsiteY2" fmla="*/ 10000 h 10000"/>
+              <a:gd name="connsiteX3" fmla="*/ 654 w 10654"/>
+              <a:gd name="connsiteY3" fmla="*/ 7892 h 10000"/>
+              <a:gd name="connsiteX4" fmla="*/ 0 w 10654"/>
+              <a:gd name="connsiteY4" fmla="*/ 695 h 10000"/>
+              <a:gd name="connsiteX0" fmla="*/ 0 w 10654"/>
+              <a:gd name="connsiteY0" fmla="*/ 0 h 11112"/>
+              <a:gd name="connsiteX1" fmla="*/ 10654 w 10654"/>
+              <a:gd name="connsiteY1" fmla="*/ 1112 h 11112"/>
+              <a:gd name="connsiteX2" fmla="*/ 10654 w 10654"/>
+              <a:gd name="connsiteY2" fmla="*/ 11112 h 11112"/>
+              <a:gd name="connsiteX3" fmla="*/ 654 w 10654"/>
+              <a:gd name="connsiteY3" fmla="*/ 9004 h 11112"/>
+              <a:gd name="connsiteX4" fmla="*/ 0 w 10654"/>
+              <a:gd name="connsiteY4" fmla="*/ 0 h 11112"/>
+              <a:gd name="connsiteX0" fmla="*/ 348 w 10000"/>
+              <a:gd name="connsiteY0" fmla="*/ 0 h 11112"/>
+              <a:gd name="connsiteX1" fmla="*/ 10000 w 10000"/>
+              <a:gd name="connsiteY1" fmla="*/ 1112 h 11112"/>
+              <a:gd name="connsiteX2" fmla="*/ 10000 w 10000"/>
+              <a:gd name="connsiteY2" fmla="*/ 11112 h 11112"/>
+              <a:gd name="connsiteX3" fmla="*/ 0 w 10000"/>
+              <a:gd name="connsiteY3" fmla="*/ 9004 h 11112"/>
+              <a:gd name="connsiteX4" fmla="*/ 348 w 10000"/>
+              <a:gd name="connsiteY4" fmla="*/ 0 h 11112"/>
+            </a:gdLst>
+            <a:ahLst/>
+            <a:cxnLst>
+              <a:cxn ang="0">
+                <a:pos x="connsiteX0" y="connsiteY0"/>
+              </a:cxn>
+              <a:cxn ang="0">
+                <a:pos x="connsiteX1" y="connsiteY1"/>
+              </a:cxn>
+              <a:cxn ang="0">
+                <a:pos x="connsiteX2" y="connsiteY2"/>
+              </a:cxn>
+              <a:cxn ang="0">
+                <a:pos x="connsiteX3" y="connsiteY3"/>
+              </a:cxn>
+              <a:cxn ang="0">
+                <a:pos x="connsiteX4" y="connsiteY4"/>
+              </a:cxn>
+            </a:cxnLst>
+            <a:rect l="l" t="t" r="r" b="b"/>
+            <a:pathLst>
+              <a:path w="10000" h="11112">
+                <a:moveTo>
+                  <a:pt x="348" y="0"/>
+                </a:moveTo>
+                <a:lnTo>
+                  <a:pt x="10000" y="1112"/>
+                </a:lnTo>
+                <a:lnTo>
+                  <a:pt x="10000" y="11112"/>
+                </a:lnTo>
+                <a:lnTo>
+                  <a:pt x="0" y="9004"/>
+                </a:lnTo>
+                <a:lnTo>
+                  <a:pt x="348" y="0"/>
+                </a:lnTo>
+                <a:close/>
+              </a:path>
+            </a:pathLst>
+          </a:custGeom>
+          <a:solidFill>
+            <a:schemeClr val="bg1"/>
+          </a:solidFill>
+          <a:ln>
+            <a:solidFill>
+              <a:schemeClr val="bg1"/>
+            </a:solidFill>
+          </a:ln>
+        </p:spPr>
+        <p:style>
+          <a:lnRef idx="2">
+            <a:schemeClr val="accent1">
+              <a:shade val="50000"/>
+            </a:schemeClr>
+          </a:lnRef>
+          <a:fillRef idx="1">
+            <a:schemeClr val="accent1"/>
+          </a:fillRef>
+          <a:effectRef idx="0">
+            <a:schemeClr val="accent1"/>
+          </a:effectRef>
+          <a:fontRef idx="minor">
+            <a:schemeClr val="lt1"/>
+          </a:fontRef>
+        </p:style>
+        <p:txBody>
+          <a:bodyPr rtlCol="0" anchor="ctr"/>
+          <a:lstStyle/>
+          <a:p>
+            <a:pPr algn="ctr"/>
+            <a:endParaRPr lang="ko-KR" altLang="en-US"/>
+          </a:p>
+        </p:txBody>
+      </p:sp>
+      <p:sp>
+        <p:nvSpPr>
+          <p:cNvPr id="11" name="직사각형 10"/>
+          <p:cNvSpPr/>
+          <p:nvPr/>
+        </p:nvSpPr>
+        <p:spPr>
+          <a:xfrm>
             <a:off x="548640" y="1110776"/>
             <a:ext cx="4709884" cy="3635688"/>
           </a:xfrm>
@@ -9267,7 +10368,6 @@
               <a:rPr lang="ko-KR" altLang="en-US" sz="1500" dirty="0"/>
               <a:t>: team4-virtual-machine에서 발생한 로그 기반 탐지</a:t>
             </a:r>
-            <a:endParaRPr lang="ko-KR" altLang="en-US" sz="1500" dirty="0"/>
           </a:p>
         </p:txBody>
       </p:sp>
@@ -9675,7 +10775,7 @@
 </p:sld>
 </file>
 
-<file path=ppt/slides/slide14.xml><?xml version="1.0" encoding="utf-8"?>
+<file path=ppt/slides/slide15.xml><?xml version="1.0" encoding="utf-8"?>
 <p:sld xmlns:a="http://schemas.openxmlformats.org/drawingml/2006/main" xmlns:r="http://schemas.openxmlformats.org/officeDocument/2006/relationships" xmlns:p="http://schemas.openxmlformats.org/presentationml/2006/main">
   <p:cSld>
     <p:spTree>
@@ -19478,7 +20578,7 @@
                 <a:latin typeface="HY헤드라인M" panose="02030600000101010101" pitchFamily="18" charset="-127"/>
                 <a:ea typeface="HY헤드라인M" panose="02030600000101010101" pitchFamily="18" charset="-127"/>
               </a:rPr>
-              <a:t>Sniffing</a:t>
+              <a:t>Snuffing &amp; MITM</a:t>
             </a:r>
             <a:endParaRPr lang="ko-KR" altLang="en-US" sz="3000" dirty="0">
               <a:solidFill>
@@ -19825,14 +20925,2232 @@
       </p:sp>
       <p:sp>
         <p:nvSpPr>
-          <p:cNvPr id="11" name="직사각형 10"/>
+          <p:cNvPr id="20" name="직사각형 19"/>
           <p:cNvSpPr/>
           <p:nvPr/>
         </p:nvSpPr>
         <p:spPr>
           <a:xfrm>
-            <a:off x="548640" y="1743231"/>
-            <a:ext cx="4655975" cy="3604979"/>
+            <a:off x="6754857" y="2668715"/>
+            <a:ext cx="4320000" cy="1617228"/>
+          </a:xfrm>
+          <a:prstGeom prst="rect">
+            <a:avLst/>
+          </a:prstGeom>
+          <a:solidFill>
+            <a:srgbClr val="3049EB"/>
+          </a:solidFill>
+          <a:ln>
+            <a:noFill/>
+          </a:ln>
+        </p:spPr>
+        <p:style>
+          <a:lnRef idx="2">
+            <a:schemeClr val="accent1">
+              <a:shade val="50000"/>
+            </a:schemeClr>
+          </a:lnRef>
+          <a:fillRef idx="1">
+            <a:schemeClr val="accent1"/>
+          </a:fillRef>
+          <a:effectRef idx="0">
+            <a:schemeClr val="accent1"/>
+          </a:effectRef>
+          <a:fontRef idx="minor">
+            <a:schemeClr val="lt1"/>
+          </a:fontRef>
+        </p:style>
+        <p:txBody>
+          <a:bodyPr rtlCol="0" anchor="ctr"/>
+          <a:lstStyle/>
+          <a:p>
+            <a:pPr algn="ctr"/>
+            <a:endParaRPr lang="ko-KR" altLang="en-US" dirty="0"/>
+          </a:p>
+        </p:txBody>
+      </p:sp>
+      <p:sp>
+        <p:nvSpPr>
+          <p:cNvPr id="21" name="직사각형 20"/>
+          <p:cNvSpPr/>
+          <p:nvPr/>
+        </p:nvSpPr>
+        <p:spPr>
+          <a:xfrm>
+            <a:off x="6749976" y="2843605"/>
+            <a:ext cx="4320000" cy="1993578"/>
+          </a:xfrm>
+          <a:prstGeom prst="rect">
+            <a:avLst/>
+          </a:prstGeom>
+          <a:solidFill>
+            <a:srgbClr val="132584"/>
+          </a:solidFill>
+          <a:ln>
+            <a:noFill/>
+          </a:ln>
+        </p:spPr>
+        <p:style>
+          <a:lnRef idx="2">
+            <a:schemeClr val="accent1">
+              <a:shade val="50000"/>
+            </a:schemeClr>
+          </a:lnRef>
+          <a:fillRef idx="1">
+            <a:schemeClr val="accent1"/>
+          </a:fillRef>
+          <a:effectRef idx="0">
+            <a:schemeClr val="accent1"/>
+          </a:effectRef>
+          <a:fontRef idx="minor">
+            <a:schemeClr val="lt1"/>
+          </a:fontRef>
+        </p:style>
+        <p:txBody>
+          <a:bodyPr rtlCol="0" anchor="ctr"/>
+          <a:lstStyle/>
+          <a:p>
+            <a:pPr algn="ctr"/>
+            <a:endParaRPr lang="ko-KR" altLang="en-US" dirty="0"/>
+          </a:p>
+        </p:txBody>
+      </p:sp>
+      <p:sp>
+        <p:nvSpPr>
+          <p:cNvPr id="23" name="실행 단추: 사용자 지정 22">
+            <a:hlinkClick r:id="" action="ppaction://noaction" highlightClick="1"/>
+          </p:cNvPr>
+          <p:cNvSpPr/>
+          <p:nvPr/>
+        </p:nvSpPr>
+        <p:spPr>
+          <a:xfrm>
+            <a:off x="10905341" y="4405339"/>
+            <a:ext cx="177209" cy="180000"/>
+          </a:xfrm>
+          <a:prstGeom prst="actionButtonBlank">
+            <a:avLst/>
+          </a:prstGeom>
+          <a:solidFill>
+            <a:srgbClr val="FF0000"/>
+          </a:solidFill>
+        </p:spPr>
+        <p:style>
+          <a:lnRef idx="2">
+            <a:schemeClr val="accent1">
+              <a:shade val="50000"/>
+            </a:schemeClr>
+          </a:lnRef>
+          <a:fillRef idx="1">
+            <a:schemeClr val="accent1"/>
+          </a:fillRef>
+          <a:effectRef idx="0">
+            <a:schemeClr val="accent1"/>
+          </a:effectRef>
+          <a:fontRef idx="minor">
+            <a:schemeClr val="lt1"/>
+          </a:fontRef>
+        </p:style>
+        <p:txBody>
+          <a:bodyPr rtlCol="0" anchor="ctr"/>
+          <a:lstStyle/>
+          <a:p>
+            <a:pPr algn="ctr"/>
+            <a:endParaRPr lang="ko-KR" altLang="en-US"/>
+          </a:p>
+        </p:txBody>
+      </p:sp>
+      <p:sp>
+        <p:nvSpPr>
+          <p:cNvPr id="22" name="곱셈 기호 21"/>
+          <p:cNvSpPr/>
+          <p:nvPr/>
+        </p:nvSpPr>
+        <p:spPr>
+          <a:xfrm>
+            <a:off x="10892081" y="2653964"/>
+            <a:ext cx="180000" cy="180000"/>
+          </a:xfrm>
+          <a:prstGeom prst="mathMultiply">
+            <a:avLst/>
+          </a:prstGeom>
+          <a:solidFill>
+            <a:schemeClr val="bg1"/>
+          </a:solidFill>
+          <a:ln>
+            <a:solidFill>
+              <a:schemeClr val="bg1"/>
+            </a:solidFill>
+          </a:ln>
+        </p:spPr>
+        <p:style>
+          <a:lnRef idx="2">
+            <a:schemeClr val="accent1">
+              <a:shade val="50000"/>
+            </a:schemeClr>
+          </a:lnRef>
+          <a:fillRef idx="1">
+            <a:schemeClr val="accent1"/>
+          </a:fillRef>
+          <a:effectRef idx="0">
+            <a:schemeClr val="accent1"/>
+          </a:effectRef>
+          <a:fontRef idx="minor">
+            <a:schemeClr val="lt1"/>
+          </a:fontRef>
+        </p:style>
+        <p:txBody>
+          <a:bodyPr rtlCol="0" anchor="ctr"/>
+          <a:lstStyle/>
+          <a:p>
+            <a:pPr algn="ctr"/>
+            <a:endParaRPr lang="ko-KR" altLang="en-US"/>
+          </a:p>
+        </p:txBody>
+      </p:sp>
+      <p:pic>
+        <p:nvPicPr>
+          <p:cNvPr id="8" name="그림 7"/>
+          <p:cNvPicPr>
+            <a:picLocks noChangeAspect="1"/>
+          </p:cNvPicPr>
+          <p:nvPr/>
+        </p:nvPicPr>
+        <p:blipFill>
+          <a:blip r:embed="rId2"/>
+          <a:stretch>
+            <a:fillRect/>
+          </a:stretch>
+        </p:blipFill>
+        <p:spPr>
+          <a:xfrm>
+            <a:off x="6749976" y="2838336"/>
+            <a:ext cx="2353003" cy="562053"/>
+          </a:xfrm>
+          <a:prstGeom prst="rect">
+            <a:avLst/>
+          </a:prstGeom>
+        </p:spPr>
+      </p:pic>
+      <p:pic>
+        <p:nvPicPr>
+          <p:cNvPr id="13" name="그림 12"/>
+          <p:cNvPicPr>
+            <a:picLocks noChangeAspect="1"/>
+          </p:cNvPicPr>
+          <p:nvPr/>
+        </p:nvPicPr>
+        <p:blipFill>
+          <a:blip r:embed="rId3"/>
+          <a:stretch>
+            <a:fillRect/>
+          </a:stretch>
+        </p:blipFill>
+        <p:spPr>
+          <a:xfrm>
+            <a:off x="6742648" y="3647789"/>
+            <a:ext cx="4327328" cy="251670"/>
+          </a:xfrm>
+          <a:prstGeom prst="rect">
+            <a:avLst/>
+          </a:prstGeom>
+        </p:spPr>
+      </p:pic>
+      <p:pic>
+        <p:nvPicPr>
+          <p:cNvPr id="7" name="그림 6"/>
+          <p:cNvPicPr>
+            <a:picLocks noChangeAspect="1"/>
+          </p:cNvPicPr>
+          <p:nvPr/>
+        </p:nvPicPr>
+        <p:blipFill>
+          <a:blip r:embed="rId4"/>
+          <a:stretch>
+            <a:fillRect/>
+          </a:stretch>
+        </p:blipFill>
+        <p:spPr>
+          <a:xfrm>
+            <a:off x="6742648" y="4129086"/>
+            <a:ext cx="4327328" cy="468737"/>
+          </a:xfrm>
+          <a:prstGeom prst="rect">
+            <a:avLst/>
+          </a:prstGeom>
+        </p:spPr>
+      </p:pic>
+      <p:sp>
+        <p:nvSpPr>
+          <p:cNvPr id="25" name="직사각형 24"/>
+          <p:cNvSpPr/>
+          <p:nvPr/>
+        </p:nvSpPr>
+        <p:spPr>
+          <a:xfrm>
+            <a:off x="955184" y="2859338"/>
+            <a:ext cx="4320000" cy="1617228"/>
+          </a:xfrm>
+          <a:prstGeom prst="rect">
+            <a:avLst/>
+          </a:prstGeom>
+          <a:solidFill>
+            <a:srgbClr val="3049EB"/>
+          </a:solidFill>
+          <a:ln>
+            <a:noFill/>
+          </a:ln>
+        </p:spPr>
+        <p:style>
+          <a:lnRef idx="2">
+            <a:schemeClr val="accent1">
+              <a:shade val="50000"/>
+            </a:schemeClr>
+          </a:lnRef>
+          <a:fillRef idx="1">
+            <a:schemeClr val="accent1"/>
+          </a:fillRef>
+          <a:effectRef idx="0">
+            <a:schemeClr val="accent1"/>
+          </a:effectRef>
+          <a:fontRef idx="minor">
+            <a:schemeClr val="lt1"/>
+          </a:fontRef>
+        </p:style>
+        <p:txBody>
+          <a:bodyPr rtlCol="0" anchor="ctr"/>
+          <a:lstStyle/>
+          <a:p>
+            <a:pPr algn="ctr"/>
+            <a:endParaRPr lang="ko-KR" altLang="en-US" dirty="0"/>
+          </a:p>
+        </p:txBody>
+      </p:sp>
+      <p:sp>
+        <p:nvSpPr>
+          <p:cNvPr id="26" name="직사각형 25"/>
+          <p:cNvSpPr/>
+          <p:nvPr/>
+        </p:nvSpPr>
+        <p:spPr>
+          <a:xfrm>
+            <a:off x="955184" y="3039337"/>
+            <a:ext cx="4320000" cy="1455759"/>
+          </a:xfrm>
+          <a:prstGeom prst="rect">
+            <a:avLst/>
+          </a:prstGeom>
+          <a:solidFill>
+            <a:srgbClr val="132584"/>
+          </a:solidFill>
+          <a:ln>
+            <a:noFill/>
+          </a:ln>
+        </p:spPr>
+        <p:style>
+          <a:lnRef idx="2">
+            <a:schemeClr val="accent1">
+              <a:shade val="50000"/>
+            </a:schemeClr>
+          </a:lnRef>
+          <a:fillRef idx="1">
+            <a:schemeClr val="accent1"/>
+          </a:fillRef>
+          <a:effectRef idx="0">
+            <a:schemeClr val="accent1"/>
+          </a:effectRef>
+          <a:fontRef idx="minor">
+            <a:schemeClr val="lt1"/>
+          </a:fontRef>
+        </p:style>
+        <p:txBody>
+          <a:bodyPr rtlCol="0" anchor="ctr"/>
+          <a:lstStyle/>
+          <a:p>
+            <a:pPr algn="ctr"/>
+            <a:endParaRPr lang="ko-KR" altLang="en-US" dirty="0"/>
+          </a:p>
+        </p:txBody>
+      </p:sp>
+      <p:sp>
+        <p:nvSpPr>
+          <p:cNvPr id="28" name="실행 단추: 사용자 지정 27">
+            <a:hlinkClick r:id="" action="ppaction://noaction" highlightClick="1"/>
+          </p:cNvPr>
+          <p:cNvSpPr/>
+          <p:nvPr/>
+        </p:nvSpPr>
+        <p:spPr>
+          <a:xfrm>
+            <a:off x="5092752" y="2854727"/>
+            <a:ext cx="177209" cy="180000"/>
+          </a:xfrm>
+          <a:prstGeom prst="actionButtonBlank">
+            <a:avLst/>
+          </a:prstGeom>
+          <a:solidFill>
+            <a:srgbClr val="FF0000"/>
+          </a:solidFill>
+        </p:spPr>
+        <p:style>
+          <a:lnRef idx="2">
+            <a:schemeClr val="accent1">
+              <a:shade val="50000"/>
+            </a:schemeClr>
+          </a:lnRef>
+          <a:fillRef idx="1">
+            <a:schemeClr val="accent1"/>
+          </a:fillRef>
+          <a:effectRef idx="0">
+            <a:schemeClr val="accent1"/>
+          </a:effectRef>
+          <a:fontRef idx="minor">
+            <a:schemeClr val="lt1"/>
+          </a:fontRef>
+        </p:style>
+        <p:txBody>
+          <a:bodyPr rtlCol="0" anchor="ctr"/>
+          <a:lstStyle/>
+          <a:p>
+            <a:pPr algn="ctr"/>
+            <a:endParaRPr lang="ko-KR" altLang="en-US"/>
+          </a:p>
+        </p:txBody>
+      </p:sp>
+      <p:sp>
+        <p:nvSpPr>
+          <p:cNvPr id="27" name="곱셈 기호 26"/>
+          <p:cNvSpPr/>
+          <p:nvPr/>
+        </p:nvSpPr>
+        <p:spPr>
+          <a:xfrm>
+            <a:off x="5092573" y="2860414"/>
+            <a:ext cx="180000" cy="180000"/>
+          </a:xfrm>
+          <a:prstGeom prst="mathMultiply">
+            <a:avLst/>
+          </a:prstGeom>
+          <a:solidFill>
+            <a:schemeClr val="bg1"/>
+          </a:solidFill>
+          <a:ln>
+            <a:solidFill>
+              <a:schemeClr val="bg1"/>
+            </a:solidFill>
+          </a:ln>
+        </p:spPr>
+        <p:style>
+          <a:lnRef idx="2">
+            <a:schemeClr val="accent1">
+              <a:shade val="50000"/>
+            </a:schemeClr>
+          </a:lnRef>
+          <a:fillRef idx="1">
+            <a:schemeClr val="accent1"/>
+          </a:fillRef>
+          <a:effectRef idx="0">
+            <a:schemeClr val="accent1"/>
+          </a:effectRef>
+          <a:fontRef idx="minor">
+            <a:schemeClr val="lt1"/>
+          </a:fontRef>
+        </p:style>
+        <p:txBody>
+          <a:bodyPr rtlCol="0" anchor="ctr"/>
+          <a:lstStyle/>
+          <a:p>
+            <a:pPr algn="ctr"/>
+            <a:endParaRPr lang="ko-KR" altLang="en-US"/>
+          </a:p>
+        </p:txBody>
+      </p:sp>
+      <p:pic>
+        <p:nvPicPr>
+          <p:cNvPr id="2" name="그림 1"/>
+          <p:cNvPicPr>
+            <a:picLocks noChangeAspect="1"/>
+          </p:cNvPicPr>
+          <p:nvPr/>
+        </p:nvPicPr>
+        <p:blipFill>
+          <a:blip r:embed="rId5"/>
+          <a:stretch>
+            <a:fillRect/>
+          </a:stretch>
+        </p:blipFill>
+        <p:spPr>
+          <a:xfrm>
+            <a:off x="960407" y="3053189"/>
+            <a:ext cx="4314777" cy="575954"/>
+          </a:xfrm>
+          <a:prstGeom prst="rect">
+            <a:avLst/>
+          </a:prstGeom>
+        </p:spPr>
+      </p:pic>
+      <p:pic>
+        <p:nvPicPr>
+          <p:cNvPr id="9" name="그림 8"/>
+          <p:cNvPicPr>
+            <a:picLocks noChangeAspect="1"/>
+          </p:cNvPicPr>
+          <p:nvPr/>
+        </p:nvPicPr>
+        <p:blipFill>
+          <a:blip r:embed="rId6"/>
+          <a:stretch>
+            <a:fillRect/>
+          </a:stretch>
+        </p:blipFill>
+        <p:spPr>
+          <a:xfrm>
+            <a:off x="950468" y="3876260"/>
+            <a:ext cx="4314777" cy="376893"/>
+          </a:xfrm>
+          <a:prstGeom prst="rect">
+            <a:avLst/>
+          </a:prstGeom>
+        </p:spPr>
+      </p:pic>
+      <p:sp>
+        <p:nvSpPr>
+          <p:cNvPr id="34" name="TextBox 33"/>
+          <p:cNvSpPr txBox="1"/>
+          <p:nvPr/>
+        </p:nvSpPr>
+        <p:spPr>
+          <a:xfrm>
+            <a:off x="957797" y="3630039"/>
+            <a:ext cx="4314776" cy="246221"/>
+          </a:xfrm>
+          <a:prstGeom prst="rect">
+            <a:avLst/>
+          </a:prstGeom>
+          <a:solidFill>
+            <a:srgbClr val="132584">
+              <a:alpha val="20000"/>
+            </a:srgbClr>
+          </a:solidFill>
+        </p:spPr>
+        <p:txBody>
+          <a:bodyPr wrap="square" rtlCol="0">
+            <a:spAutoFit/>
+          </a:bodyPr>
+          <a:lstStyle/>
+          <a:p>
+            <a:r>
+              <a:rPr lang="ko-KR" altLang="en-US" sz="1000" dirty="0" smtClean="0">
+                <a:solidFill>
+                  <a:schemeClr val="bg1"/>
+                </a:solidFill>
+              </a:rPr>
+              <a:t>게이트웨이 </a:t>
+            </a:r>
+            <a:r>
+              <a:rPr lang="en-US" altLang="ko-KR" sz="1000" dirty="0" smtClean="0">
+                <a:solidFill>
+                  <a:schemeClr val="bg1"/>
+                </a:solidFill>
+              </a:rPr>
+              <a:t>mac </a:t>
+            </a:r>
+            <a:r>
+              <a:rPr lang="ko-KR" altLang="en-US" sz="1000" dirty="0" smtClean="0">
+                <a:solidFill>
+                  <a:schemeClr val="bg1"/>
+                </a:solidFill>
+              </a:rPr>
+              <a:t>주소가 </a:t>
+            </a:r>
+            <a:r>
+              <a:rPr lang="en-US" altLang="ko-KR" sz="1000" dirty="0" smtClean="0">
+                <a:solidFill>
+                  <a:schemeClr val="bg1"/>
+                </a:solidFill>
+              </a:rPr>
+              <a:t>kali mac </a:t>
+            </a:r>
+            <a:r>
+              <a:rPr lang="ko-KR" altLang="en-US" sz="1000" dirty="0" smtClean="0">
+                <a:solidFill>
+                  <a:schemeClr val="bg1"/>
+                </a:solidFill>
+              </a:rPr>
+              <a:t>주소로 변경된 것이 보인다</a:t>
+            </a:r>
+            <a:r>
+              <a:rPr lang="en-US" altLang="ko-KR" sz="1000" dirty="0" smtClean="0">
+                <a:solidFill>
+                  <a:schemeClr val="bg1"/>
+                </a:solidFill>
+              </a:rPr>
+              <a:t>.</a:t>
+            </a:r>
+            <a:endParaRPr lang="en-US" altLang="ko-KR" sz="1000" dirty="0" smtClean="0">
+              <a:solidFill>
+                <a:schemeClr val="bg1"/>
+              </a:solidFill>
+            </a:endParaRPr>
+          </a:p>
+        </p:txBody>
+      </p:sp>
+      <p:sp>
+        <p:nvSpPr>
+          <p:cNvPr id="35" name="TextBox 34"/>
+          <p:cNvSpPr txBox="1"/>
+          <p:nvPr/>
+        </p:nvSpPr>
+        <p:spPr>
+          <a:xfrm>
+            <a:off x="945931" y="4246898"/>
+            <a:ext cx="4314776" cy="246221"/>
+          </a:xfrm>
+          <a:prstGeom prst="rect">
+            <a:avLst/>
+          </a:prstGeom>
+          <a:solidFill>
+            <a:srgbClr val="132584">
+              <a:alpha val="20000"/>
+            </a:srgbClr>
+          </a:solidFill>
+        </p:spPr>
+        <p:txBody>
+          <a:bodyPr wrap="square" rtlCol="0">
+            <a:spAutoFit/>
+          </a:bodyPr>
+          <a:lstStyle/>
+          <a:p>
+            <a:r>
+              <a:rPr lang="en-US" altLang="ko-KR" sz="1000" dirty="0" smtClean="0">
+                <a:solidFill>
+                  <a:schemeClr val="bg1"/>
+                </a:solidFill>
+              </a:rPr>
+              <a:t>Google ping</a:t>
+            </a:r>
+            <a:r>
+              <a:rPr lang="ko-KR" altLang="en-US" sz="1000" dirty="0" smtClean="0">
+                <a:solidFill>
+                  <a:schemeClr val="bg1"/>
+                </a:solidFill>
+              </a:rPr>
+              <a:t>을 쏘면 </a:t>
+            </a:r>
+            <a:r>
+              <a:rPr lang="en-US" altLang="ko-KR" sz="1000" dirty="0" smtClean="0">
+                <a:solidFill>
+                  <a:schemeClr val="bg1"/>
+                </a:solidFill>
+              </a:rPr>
+              <a:t>kali(192.168.100.133</a:t>
+            </a:r>
+            <a:r>
+              <a:rPr lang="ko-KR" altLang="en-US" sz="1000" dirty="0" smtClean="0">
+                <a:solidFill>
+                  <a:schemeClr val="bg1"/>
+                </a:solidFill>
+              </a:rPr>
+              <a:t>을 지나가는게 보인다</a:t>
+            </a:r>
+            <a:r>
+              <a:rPr lang="en-US" altLang="ko-KR" sz="1000" dirty="0" smtClean="0">
+                <a:solidFill>
+                  <a:schemeClr val="bg1"/>
+                </a:solidFill>
+              </a:rPr>
+              <a:t>.</a:t>
+            </a:r>
+            <a:r>
+              <a:rPr lang="ko-KR" altLang="en-US" sz="1000" dirty="0" smtClean="0">
+                <a:solidFill>
+                  <a:schemeClr val="bg1"/>
+                </a:solidFill>
+              </a:rPr>
+              <a:t> </a:t>
+            </a:r>
+            <a:endParaRPr lang="en-US" altLang="ko-KR" sz="1000" dirty="0" smtClean="0">
+              <a:solidFill>
+                <a:schemeClr val="bg1"/>
+              </a:solidFill>
+            </a:endParaRPr>
+          </a:p>
+        </p:txBody>
+      </p:sp>
+      <p:sp>
+        <p:nvSpPr>
+          <p:cNvPr id="17" name="직사각형 16"/>
+          <p:cNvSpPr/>
+          <p:nvPr/>
+        </p:nvSpPr>
+        <p:spPr>
+          <a:xfrm>
+            <a:off x="1011990" y="3381983"/>
+            <a:ext cx="2660650" cy="197918"/>
+          </a:xfrm>
+          <a:prstGeom prst="rect">
+            <a:avLst/>
+          </a:prstGeom>
+          <a:noFill/>
+          <a:ln>
+            <a:solidFill>
+              <a:srgbClr val="FF0000"/>
+            </a:solidFill>
+          </a:ln>
+        </p:spPr>
+        <p:style>
+          <a:lnRef idx="2">
+            <a:schemeClr val="accent1">
+              <a:shade val="50000"/>
+            </a:schemeClr>
+          </a:lnRef>
+          <a:fillRef idx="1">
+            <a:schemeClr val="accent1"/>
+          </a:fillRef>
+          <a:effectRef idx="0">
+            <a:schemeClr val="accent1"/>
+          </a:effectRef>
+          <a:fontRef idx="minor">
+            <a:schemeClr val="lt1"/>
+          </a:fontRef>
+        </p:style>
+        <p:txBody>
+          <a:bodyPr rtlCol="0" anchor="ctr"/>
+          <a:lstStyle/>
+          <a:p>
+            <a:pPr algn="ctr"/>
+            <a:endParaRPr lang="ko-KR" altLang="en-US"/>
+          </a:p>
+        </p:txBody>
+      </p:sp>
+      <p:sp>
+        <p:nvSpPr>
+          <p:cNvPr id="18" name="직사각형 17"/>
+          <p:cNvSpPr/>
+          <p:nvPr/>
+        </p:nvSpPr>
+        <p:spPr>
+          <a:xfrm>
+            <a:off x="1250115" y="4119300"/>
+            <a:ext cx="917575" cy="127598"/>
+          </a:xfrm>
+          <a:prstGeom prst="rect">
+            <a:avLst/>
+          </a:prstGeom>
+          <a:noFill/>
+          <a:ln>
+            <a:solidFill>
+              <a:srgbClr val="FF0000"/>
+            </a:solidFill>
+          </a:ln>
+        </p:spPr>
+        <p:style>
+          <a:lnRef idx="2">
+            <a:schemeClr val="accent1">
+              <a:shade val="50000"/>
+            </a:schemeClr>
+          </a:lnRef>
+          <a:fillRef idx="1">
+            <a:schemeClr val="accent1"/>
+          </a:fillRef>
+          <a:effectRef idx="0">
+            <a:schemeClr val="accent1"/>
+          </a:effectRef>
+          <a:fontRef idx="minor">
+            <a:schemeClr val="lt1"/>
+          </a:fontRef>
+        </p:style>
+        <p:txBody>
+          <a:bodyPr rtlCol="0" anchor="ctr"/>
+          <a:lstStyle/>
+          <a:p>
+            <a:pPr algn="ctr"/>
+            <a:endParaRPr lang="ko-KR" altLang="en-US"/>
+          </a:p>
+        </p:txBody>
+      </p:sp>
+      <p:sp>
+        <p:nvSpPr>
+          <p:cNvPr id="36" name="TextBox 35"/>
+          <p:cNvSpPr txBox="1"/>
+          <p:nvPr/>
+        </p:nvSpPr>
+        <p:spPr>
+          <a:xfrm>
+            <a:off x="963454" y="2851105"/>
+            <a:ext cx="4128246" cy="215444"/>
+          </a:xfrm>
+          <a:prstGeom prst="rect">
+            <a:avLst/>
+          </a:prstGeom>
+          <a:solidFill>
+            <a:srgbClr val="132584">
+              <a:alpha val="20000"/>
+            </a:srgbClr>
+          </a:solidFill>
+        </p:spPr>
+        <p:txBody>
+          <a:bodyPr wrap="square" rtlCol="0">
+            <a:spAutoFit/>
+          </a:bodyPr>
+          <a:lstStyle/>
+          <a:p>
+            <a:r>
+              <a:rPr lang="en-US" altLang="ko-KR" sz="800" dirty="0" smtClean="0">
+                <a:solidFill>
+                  <a:schemeClr val="bg1"/>
+                </a:solidFill>
+              </a:rPr>
+              <a:t>Ubuntu2022.04(192.168.100.137)</a:t>
+            </a:r>
+            <a:endParaRPr lang="en-US" altLang="ko-KR" sz="800" dirty="0" smtClean="0">
+              <a:solidFill>
+                <a:schemeClr val="bg1"/>
+              </a:solidFill>
+            </a:endParaRPr>
+          </a:p>
+        </p:txBody>
+      </p:sp>
+      <p:sp>
+        <p:nvSpPr>
+          <p:cNvPr id="37" name="TextBox 36"/>
+          <p:cNvSpPr txBox="1"/>
+          <p:nvPr/>
+        </p:nvSpPr>
+        <p:spPr>
+          <a:xfrm>
+            <a:off x="6749976" y="2645075"/>
+            <a:ext cx="4101781" cy="215444"/>
+          </a:xfrm>
+          <a:prstGeom prst="rect">
+            <a:avLst/>
+          </a:prstGeom>
+          <a:solidFill>
+            <a:srgbClr val="132584">
+              <a:alpha val="20000"/>
+            </a:srgbClr>
+          </a:solidFill>
+        </p:spPr>
+        <p:txBody>
+          <a:bodyPr wrap="square" rtlCol="0">
+            <a:spAutoFit/>
+          </a:bodyPr>
+          <a:lstStyle/>
+          <a:p>
+            <a:r>
+              <a:rPr lang="en-US" altLang="ko-KR" sz="800" dirty="0" smtClean="0">
+                <a:solidFill>
+                  <a:schemeClr val="bg1"/>
+                </a:solidFill>
+              </a:rPr>
+              <a:t>Kali 2023.03(192.168.100.133)</a:t>
+            </a:r>
+            <a:endParaRPr lang="en-US" altLang="ko-KR" sz="800" dirty="0" smtClean="0">
+              <a:solidFill>
+                <a:schemeClr val="bg1"/>
+              </a:solidFill>
+            </a:endParaRPr>
+          </a:p>
+        </p:txBody>
+      </p:sp>
+      <p:sp>
+        <p:nvSpPr>
+          <p:cNvPr id="38" name="TextBox 37"/>
+          <p:cNvSpPr txBox="1"/>
+          <p:nvPr/>
+        </p:nvSpPr>
+        <p:spPr>
+          <a:xfrm>
+            <a:off x="6748924" y="3399953"/>
+            <a:ext cx="4314776" cy="246221"/>
+          </a:xfrm>
+          <a:prstGeom prst="rect">
+            <a:avLst/>
+          </a:prstGeom>
+          <a:solidFill>
+            <a:srgbClr val="132584">
+              <a:alpha val="20000"/>
+            </a:srgbClr>
+          </a:solidFill>
+        </p:spPr>
+        <p:txBody>
+          <a:bodyPr wrap="square" rtlCol="0">
+            <a:spAutoFit/>
+          </a:bodyPr>
+          <a:lstStyle/>
+          <a:p>
+            <a:r>
+              <a:rPr lang="ko-KR" altLang="en-US" sz="1000" dirty="0" smtClean="0">
+                <a:solidFill>
+                  <a:schemeClr val="bg1"/>
+                </a:solidFill>
+              </a:rPr>
+              <a:t>모니터링 도구 </a:t>
+            </a:r>
+            <a:r>
+              <a:rPr lang="en-US" altLang="ko-KR" sz="1000" dirty="0" smtClean="0">
+                <a:solidFill>
+                  <a:schemeClr val="bg1"/>
+                </a:solidFill>
+              </a:rPr>
+              <a:t>(</a:t>
+            </a:r>
+            <a:r>
+              <a:rPr lang="ko-KR" altLang="en-US" sz="1000" dirty="0" err="1" smtClean="0">
+                <a:solidFill>
+                  <a:schemeClr val="bg1"/>
+                </a:solidFill>
+              </a:rPr>
+              <a:t>스푸핑</a:t>
+            </a:r>
+            <a:r>
+              <a:rPr lang="ko-KR" altLang="en-US" sz="1000" dirty="0" smtClean="0">
+                <a:solidFill>
+                  <a:schemeClr val="bg1"/>
+                </a:solidFill>
+              </a:rPr>
+              <a:t> 가능 </a:t>
+            </a:r>
+            <a:r>
+              <a:rPr lang="en-US" altLang="ko-KR" sz="1000" dirty="0" smtClean="0">
+                <a:solidFill>
+                  <a:schemeClr val="bg1"/>
+                </a:solidFill>
+              </a:rPr>
+              <a:t>) </a:t>
+            </a:r>
+            <a:r>
+              <a:rPr lang="en-US" altLang="ko-KR" sz="1000" dirty="0" err="1" smtClean="0">
+                <a:solidFill>
+                  <a:schemeClr val="bg1"/>
+                </a:solidFill>
+              </a:rPr>
+              <a:t>bettercap</a:t>
+            </a:r>
+            <a:r>
+              <a:rPr lang="en-US" altLang="ko-KR" sz="1000" dirty="0" smtClean="0">
+                <a:solidFill>
+                  <a:schemeClr val="bg1"/>
+                </a:solidFill>
+              </a:rPr>
+              <a:t> </a:t>
+            </a:r>
+            <a:r>
+              <a:rPr lang="ko-KR" altLang="en-US" sz="1000" dirty="0" smtClean="0">
+                <a:solidFill>
+                  <a:schemeClr val="bg1"/>
+                </a:solidFill>
+              </a:rPr>
+              <a:t>설치 </a:t>
+            </a:r>
+            <a:endParaRPr lang="en-US" altLang="ko-KR" sz="1000" dirty="0" smtClean="0">
+              <a:solidFill>
+                <a:schemeClr val="bg1"/>
+              </a:solidFill>
+            </a:endParaRPr>
+          </a:p>
+        </p:txBody>
+      </p:sp>
+      <p:sp>
+        <p:nvSpPr>
+          <p:cNvPr id="39" name="TextBox 38"/>
+          <p:cNvSpPr txBox="1"/>
+          <p:nvPr/>
+        </p:nvSpPr>
+        <p:spPr>
+          <a:xfrm>
+            <a:off x="6748924" y="3901074"/>
+            <a:ext cx="4314776" cy="246221"/>
+          </a:xfrm>
+          <a:prstGeom prst="rect">
+            <a:avLst/>
+          </a:prstGeom>
+          <a:solidFill>
+            <a:srgbClr val="132584">
+              <a:alpha val="20000"/>
+            </a:srgbClr>
+          </a:solidFill>
+        </p:spPr>
+        <p:txBody>
+          <a:bodyPr wrap="square" rtlCol="0">
+            <a:spAutoFit/>
+          </a:bodyPr>
+          <a:lstStyle/>
+          <a:p>
+            <a:r>
+              <a:rPr lang="ko-KR" altLang="en-US" sz="1000" dirty="0" smtClean="0">
+                <a:solidFill>
+                  <a:schemeClr val="bg1"/>
+                </a:solidFill>
+              </a:rPr>
+              <a:t>현재 </a:t>
+            </a:r>
+            <a:r>
+              <a:rPr lang="en-US" altLang="ko-KR" sz="1000" dirty="0" smtClean="0">
+                <a:solidFill>
+                  <a:schemeClr val="bg1"/>
+                </a:solidFill>
+              </a:rPr>
+              <a:t>192.168.100.137</a:t>
+            </a:r>
+            <a:r>
+              <a:rPr lang="ko-KR" altLang="en-US" sz="1000" dirty="0" smtClean="0">
+                <a:solidFill>
+                  <a:schemeClr val="bg1"/>
+                </a:solidFill>
+              </a:rPr>
+              <a:t>에서 </a:t>
+            </a:r>
+            <a:r>
+              <a:rPr lang="en-US" altLang="ko-KR" sz="1000" dirty="0" smtClean="0">
+                <a:solidFill>
+                  <a:schemeClr val="bg1"/>
+                </a:solidFill>
+              </a:rPr>
+              <a:t>UDP </a:t>
+            </a:r>
+            <a:r>
+              <a:rPr lang="ko-KR" altLang="en-US" sz="1000" dirty="0" err="1" smtClean="0">
+                <a:solidFill>
+                  <a:schemeClr val="bg1"/>
+                </a:solidFill>
+              </a:rPr>
+              <a:t>통신중인걸</a:t>
+            </a:r>
+            <a:r>
+              <a:rPr lang="ko-KR" altLang="en-US" sz="1000" dirty="0" smtClean="0">
+                <a:solidFill>
+                  <a:schemeClr val="bg1"/>
+                </a:solidFill>
+              </a:rPr>
+              <a:t> </a:t>
+            </a:r>
+            <a:r>
+              <a:rPr lang="ko-KR" altLang="en-US" sz="1000" dirty="0" err="1" smtClean="0">
+                <a:solidFill>
+                  <a:schemeClr val="bg1"/>
+                </a:solidFill>
+              </a:rPr>
+              <a:t>볼수</a:t>
+            </a:r>
+            <a:r>
+              <a:rPr lang="ko-KR" altLang="en-US" sz="1000" dirty="0" smtClean="0">
+                <a:solidFill>
+                  <a:schemeClr val="bg1"/>
+                </a:solidFill>
+              </a:rPr>
+              <a:t> 있다</a:t>
+            </a:r>
+            <a:r>
+              <a:rPr lang="en-US" altLang="ko-KR" sz="1000" dirty="0" smtClean="0">
+                <a:solidFill>
+                  <a:schemeClr val="bg1"/>
+                </a:solidFill>
+              </a:rPr>
+              <a:t>.</a:t>
+            </a:r>
+            <a:endParaRPr lang="en-US" altLang="ko-KR" sz="1000" dirty="0" smtClean="0">
+              <a:solidFill>
+                <a:schemeClr val="bg1"/>
+              </a:solidFill>
+            </a:endParaRPr>
+          </a:p>
+        </p:txBody>
+      </p:sp>
+      <p:sp>
+        <p:nvSpPr>
+          <p:cNvPr id="40" name="TextBox 39"/>
+          <p:cNvSpPr txBox="1"/>
+          <p:nvPr/>
+        </p:nvSpPr>
+        <p:spPr>
+          <a:xfrm>
+            <a:off x="6757469" y="4590961"/>
+            <a:ext cx="4314776" cy="246221"/>
+          </a:xfrm>
+          <a:prstGeom prst="rect">
+            <a:avLst/>
+          </a:prstGeom>
+          <a:solidFill>
+            <a:srgbClr val="132584">
+              <a:alpha val="20000"/>
+            </a:srgbClr>
+          </a:solidFill>
+        </p:spPr>
+        <p:txBody>
+          <a:bodyPr wrap="square" rtlCol="0">
+            <a:spAutoFit/>
+          </a:bodyPr>
+          <a:lstStyle/>
+          <a:p>
+            <a:r>
+              <a:rPr lang="en-US" altLang="ko-KR" sz="1000" dirty="0" smtClean="0">
+                <a:solidFill>
+                  <a:schemeClr val="bg1"/>
+                </a:solidFill>
+              </a:rPr>
+              <a:t>192.168.100.137</a:t>
+            </a:r>
+            <a:r>
+              <a:rPr lang="ko-KR" altLang="en-US" sz="1000" dirty="0" smtClean="0">
+                <a:solidFill>
+                  <a:schemeClr val="bg1"/>
+                </a:solidFill>
+              </a:rPr>
+              <a:t>을 타겟으로 잡아두고 핑 쏘는 것을 확인 가능</a:t>
+            </a:r>
+            <a:r>
+              <a:rPr lang="en-US" altLang="ko-KR" sz="1000" dirty="0" smtClean="0">
+                <a:solidFill>
+                  <a:schemeClr val="bg1"/>
+                </a:solidFill>
+              </a:rPr>
+              <a:t>.(MITM)</a:t>
+            </a:r>
+            <a:endParaRPr lang="en-US" altLang="ko-KR" sz="1000" dirty="0" smtClean="0">
+              <a:solidFill>
+                <a:schemeClr val="bg1"/>
+              </a:solidFill>
+            </a:endParaRPr>
+          </a:p>
+        </p:txBody>
+      </p:sp>
+      <p:sp>
+        <p:nvSpPr>
+          <p:cNvPr id="19" name="TextBox 18"/>
+          <p:cNvSpPr txBox="1"/>
+          <p:nvPr/>
+        </p:nvSpPr>
+        <p:spPr>
+          <a:xfrm>
+            <a:off x="963454" y="942392"/>
+            <a:ext cx="10018677" cy="1692771"/>
+          </a:xfrm>
+          <a:prstGeom prst="rect">
+            <a:avLst/>
+          </a:prstGeom>
+          <a:noFill/>
+        </p:spPr>
+        <p:txBody>
+          <a:bodyPr wrap="square" rtlCol="0">
+            <a:spAutoFit/>
+          </a:bodyPr>
+          <a:lstStyle/>
+          <a:p>
+            <a:r>
+              <a:rPr lang="ko-KR" altLang="en-US" sz="1300" dirty="0" err="1" smtClean="0">
+                <a:solidFill>
+                  <a:schemeClr val="bg1"/>
+                </a:solidFill>
+              </a:rPr>
+              <a:t>스푸핑</a:t>
+            </a:r>
+            <a:r>
+              <a:rPr lang="ko-KR" altLang="en-US" sz="1300" dirty="0" smtClean="0">
+                <a:solidFill>
+                  <a:schemeClr val="bg1"/>
+                </a:solidFill>
+              </a:rPr>
+              <a:t> </a:t>
+            </a:r>
+            <a:r>
+              <a:rPr lang="en-US" altLang="ko-KR" sz="1300" dirty="0">
+                <a:solidFill>
+                  <a:schemeClr val="bg1"/>
+                </a:solidFill>
+              </a:rPr>
+              <a:t>(Spoofing)</a:t>
+            </a:r>
+          </a:p>
+          <a:p>
+            <a:r>
+              <a:rPr lang="ko-KR" altLang="en-US" sz="1300" dirty="0" smtClean="0">
+                <a:solidFill>
+                  <a:schemeClr val="bg1"/>
+                </a:solidFill>
+              </a:rPr>
+              <a:t> </a:t>
+            </a:r>
+            <a:r>
+              <a:rPr lang="ko-KR" altLang="en-US" sz="1300" dirty="0">
+                <a:solidFill>
+                  <a:schemeClr val="bg1"/>
+                </a:solidFill>
+              </a:rPr>
+              <a:t>정의</a:t>
+            </a:r>
+          </a:p>
+          <a:p>
+            <a:r>
+              <a:rPr lang="ko-KR" altLang="en-US" sz="1300" dirty="0" err="1">
+                <a:solidFill>
+                  <a:schemeClr val="bg1"/>
+                </a:solidFill>
+              </a:rPr>
+              <a:t>스푸핑이란</a:t>
+            </a:r>
+            <a:r>
+              <a:rPr lang="ko-KR" altLang="en-US" sz="1300" dirty="0">
+                <a:solidFill>
+                  <a:schemeClr val="bg1"/>
+                </a:solidFill>
+              </a:rPr>
+              <a:t> 네트워크에서 자신의 신원을 속여 다른 컴퓨터를 속이거나 오해하게 만드는 행위를 말함</a:t>
+            </a:r>
+            <a:r>
+              <a:rPr lang="en-US" altLang="ko-KR" sz="1300" dirty="0" smtClean="0">
+                <a:solidFill>
+                  <a:schemeClr val="bg1"/>
+                </a:solidFill>
+              </a:rPr>
+              <a:t>.</a:t>
+            </a:r>
+          </a:p>
+          <a:p>
+            <a:endParaRPr lang="en-US" altLang="ko-KR" sz="1300" dirty="0">
+              <a:solidFill>
+                <a:schemeClr val="bg1"/>
+              </a:solidFill>
+            </a:endParaRPr>
+          </a:p>
+          <a:p>
+            <a:r>
+              <a:rPr lang="ko-KR" altLang="en-US" sz="1300" dirty="0" smtClean="0">
+                <a:solidFill>
+                  <a:schemeClr val="bg1"/>
+                </a:solidFill>
+              </a:rPr>
+              <a:t> </a:t>
+            </a:r>
+            <a:r>
+              <a:rPr lang="en-US" altLang="ko-KR" sz="1300" dirty="0">
+                <a:solidFill>
+                  <a:schemeClr val="bg1"/>
+                </a:solidFill>
+              </a:rPr>
+              <a:t>MITM (Man-in-the-Middle)</a:t>
+            </a:r>
+          </a:p>
+          <a:p>
+            <a:r>
+              <a:rPr lang="ko-KR" altLang="en-US" sz="1300" dirty="0" smtClean="0">
+                <a:solidFill>
+                  <a:schemeClr val="bg1"/>
+                </a:solidFill>
+              </a:rPr>
+              <a:t> </a:t>
+            </a:r>
+            <a:r>
+              <a:rPr lang="ko-KR" altLang="en-US" sz="1300" dirty="0">
+                <a:solidFill>
+                  <a:schemeClr val="bg1"/>
+                </a:solidFill>
+              </a:rPr>
+              <a:t>정의</a:t>
+            </a:r>
+          </a:p>
+          <a:p>
+            <a:r>
+              <a:rPr lang="ko-KR" altLang="en-US" sz="1300" dirty="0">
+                <a:solidFill>
+                  <a:schemeClr val="bg1"/>
+                </a:solidFill>
+              </a:rPr>
+              <a:t>**중간자 공격</a:t>
+            </a:r>
+            <a:r>
+              <a:rPr lang="en-US" altLang="ko-KR" sz="1300" dirty="0">
+                <a:solidFill>
+                  <a:schemeClr val="bg1"/>
+                </a:solidFill>
+              </a:rPr>
+              <a:t>(MITM)**</a:t>
+            </a:r>
+            <a:r>
+              <a:rPr lang="ko-KR" altLang="en-US" sz="1300" dirty="0">
+                <a:solidFill>
+                  <a:schemeClr val="bg1"/>
+                </a:solidFill>
+              </a:rPr>
+              <a:t>은 피해자와 서버 사이의 통신을 가로채는 공격</a:t>
+            </a:r>
+            <a:r>
+              <a:rPr lang="en-US" altLang="ko-KR" sz="1300" dirty="0">
+                <a:solidFill>
+                  <a:schemeClr val="bg1"/>
+                </a:solidFill>
+              </a:rPr>
+              <a:t>.</a:t>
+            </a:r>
+          </a:p>
+          <a:p>
+            <a:r>
+              <a:rPr lang="ko-KR" altLang="en-US" sz="1300" dirty="0">
+                <a:solidFill>
+                  <a:schemeClr val="bg1"/>
+                </a:solidFill>
+              </a:rPr>
+              <a:t>양쪽 모두 공격자가 중간에 있다는 사실을 모름</a:t>
+            </a:r>
+            <a:r>
+              <a:rPr lang="en-US" altLang="ko-KR" sz="1300" dirty="0" smtClean="0">
+                <a:solidFill>
+                  <a:schemeClr val="bg1"/>
+                </a:solidFill>
+              </a:rPr>
+              <a:t>.</a:t>
+            </a:r>
+            <a:endParaRPr lang="en-US" altLang="ko-KR" sz="1300" dirty="0">
+              <a:solidFill>
+                <a:schemeClr val="bg1"/>
+              </a:solidFill>
+            </a:endParaRPr>
+          </a:p>
+        </p:txBody>
+      </p:sp>
+      <p:sp>
+        <p:nvSpPr>
+          <p:cNvPr id="6" name="줄무늬가 있는 오른쪽 화살표 5"/>
+          <p:cNvSpPr/>
+          <p:nvPr/>
+        </p:nvSpPr>
+        <p:spPr>
+          <a:xfrm>
+            <a:off x="5523115" y="3393475"/>
+            <a:ext cx="951723" cy="719347"/>
+          </a:xfrm>
+          <a:prstGeom prst="stripedRightArrow">
+            <a:avLst/>
+          </a:prstGeom>
+          <a:solidFill>
+            <a:srgbClr val="FF0000"/>
+          </a:solidFill>
+        </p:spPr>
+        <p:style>
+          <a:lnRef idx="2">
+            <a:schemeClr val="accent1">
+              <a:shade val="50000"/>
+            </a:schemeClr>
+          </a:lnRef>
+          <a:fillRef idx="1">
+            <a:schemeClr val="accent1"/>
+          </a:fillRef>
+          <a:effectRef idx="0">
+            <a:schemeClr val="accent1"/>
+          </a:effectRef>
+          <a:fontRef idx="minor">
+            <a:schemeClr val="lt1"/>
+          </a:fontRef>
+        </p:style>
+        <p:txBody>
+          <a:bodyPr rtlCol="0" anchor="ctr"/>
+          <a:lstStyle/>
+          <a:p>
+            <a:pPr algn="ctr"/>
+            <a:endParaRPr lang="ko-KR" altLang="en-US"/>
+          </a:p>
+        </p:txBody>
+      </p:sp>
+      <p:sp>
+        <p:nvSpPr>
+          <p:cNvPr id="41" name="줄무늬가 있는 오른쪽 화살표 40"/>
+          <p:cNvSpPr/>
+          <p:nvPr/>
+        </p:nvSpPr>
+        <p:spPr>
+          <a:xfrm>
+            <a:off x="11155126" y="3381983"/>
+            <a:ext cx="951723" cy="719347"/>
+          </a:xfrm>
+          <a:prstGeom prst="stripedRightArrow">
+            <a:avLst/>
+          </a:prstGeom>
+          <a:solidFill>
+            <a:srgbClr val="FF0000"/>
+          </a:solidFill>
+        </p:spPr>
+        <p:style>
+          <a:lnRef idx="2">
+            <a:schemeClr val="accent1">
+              <a:shade val="50000"/>
+            </a:schemeClr>
+          </a:lnRef>
+          <a:fillRef idx="1">
+            <a:schemeClr val="accent1"/>
+          </a:fillRef>
+          <a:effectRef idx="0">
+            <a:schemeClr val="accent1"/>
+          </a:effectRef>
+          <a:fontRef idx="minor">
+            <a:schemeClr val="lt1"/>
+          </a:fontRef>
+        </p:style>
+        <p:txBody>
+          <a:bodyPr rtlCol="0" anchor="ctr"/>
+          <a:lstStyle/>
+          <a:p>
+            <a:pPr algn="ctr"/>
+            <a:endParaRPr lang="ko-KR" altLang="en-US"/>
+          </a:p>
+        </p:txBody>
+      </p:sp>
+      <p:sp>
+        <p:nvSpPr>
+          <p:cNvPr id="11" name="TextBox 10"/>
+          <p:cNvSpPr txBox="1"/>
+          <p:nvPr/>
+        </p:nvSpPr>
+        <p:spPr>
+          <a:xfrm>
+            <a:off x="11271758" y="3583872"/>
+            <a:ext cx="718458" cy="292388"/>
+          </a:xfrm>
+          <a:prstGeom prst="rect">
+            <a:avLst/>
+          </a:prstGeom>
+          <a:noFill/>
+        </p:spPr>
+        <p:txBody>
+          <a:bodyPr wrap="square" rtlCol="0">
+            <a:spAutoFit/>
+          </a:bodyPr>
+          <a:lstStyle/>
+          <a:p>
+            <a:r>
+              <a:rPr lang="en-US" altLang="ko-KR" sz="1300" dirty="0" smtClean="0">
+                <a:solidFill>
+                  <a:schemeClr val="bg1"/>
+                </a:solidFill>
+              </a:rPr>
+              <a:t>google</a:t>
+            </a:r>
+            <a:endParaRPr lang="ko-KR" altLang="en-US" sz="1300" dirty="0">
+              <a:solidFill>
+                <a:schemeClr val="bg1"/>
+              </a:solidFill>
+            </a:endParaRPr>
+          </a:p>
+        </p:txBody>
+      </p:sp>
+    </p:spTree>
+    <p:extLst>
+      <p:ext uri="{BB962C8B-B14F-4D97-AF65-F5344CB8AC3E}">
+        <p14:creationId xmlns:p14="http://schemas.microsoft.com/office/powerpoint/2010/main" val="3043019320"/>
+      </p:ext>
+    </p:extLst>
+  </p:cSld>
+  <p:clrMapOvr>
+    <a:masterClrMapping/>
+  </p:clrMapOvr>
+  <p:timing>
+    <p:tnLst>
+      <p:par>
+        <p:cTn id="1" dur="indefinite" restart="never" nodeType="tmRoot"/>
+      </p:par>
+    </p:tnLst>
+  </p:timing>
+</p:sld>
+</file>
+
+<file path=ppt/slides/slide7.xml><?xml version="1.0" encoding="utf-8"?>
+<p:sld xmlns:a="http://schemas.openxmlformats.org/drawingml/2006/main" xmlns:r="http://schemas.openxmlformats.org/officeDocument/2006/relationships" xmlns:p="http://schemas.openxmlformats.org/presentationml/2006/main">
+  <p:cSld>
+    <p:spTree>
+      <p:nvGrpSpPr>
+        <p:cNvPr id="1" name=""/>
+        <p:cNvGrpSpPr/>
+        <p:nvPr/>
+      </p:nvGrpSpPr>
+      <p:grpSpPr>
+        <a:xfrm>
+          <a:off x="0" y="0"/>
+          <a:ext cx="0" cy="0"/>
+          <a:chOff x="0" y="0"/>
+          <a:chExt cx="0" cy="0"/>
+        </a:xfrm>
+      </p:grpSpPr>
+      <p:sp>
+        <p:nvSpPr>
+          <p:cNvPr id="4" name="직사각형 3"/>
+          <p:cNvSpPr/>
+          <p:nvPr/>
+        </p:nvSpPr>
+        <p:spPr>
+          <a:xfrm>
+            <a:off x="-37323" y="5132"/>
+            <a:ext cx="12192000" cy="6520069"/>
+          </a:xfrm>
+          <a:prstGeom prst="rect">
+            <a:avLst/>
+          </a:prstGeom>
+          <a:solidFill>
+            <a:srgbClr val="3049EB">
+              <a:alpha val="60000"/>
+            </a:srgbClr>
+          </a:solidFill>
+        </p:spPr>
+        <p:style>
+          <a:lnRef idx="2">
+            <a:schemeClr val="accent1">
+              <a:shade val="50000"/>
+            </a:schemeClr>
+          </a:lnRef>
+          <a:fillRef idx="1">
+            <a:schemeClr val="accent1"/>
+          </a:fillRef>
+          <a:effectRef idx="0">
+            <a:schemeClr val="accent1"/>
+          </a:effectRef>
+          <a:fontRef idx="minor">
+            <a:schemeClr val="lt1"/>
+          </a:fontRef>
+        </p:style>
+        <p:txBody>
+          <a:bodyPr rtlCol="0" anchor="ctr"/>
+          <a:lstStyle/>
+          <a:p>
+            <a:pPr algn="ctr"/>
+            <a:endParaRPr lang="ko-KR" altLang="en-US" dirty="0"/>
+          </a:p>
+        </p:txBody>
+      </p:sp>
+      <p:sp>
+        <p:nvSpPr>
+          <p:cNvPr id="5" name="직사각형 4"/>
+          <p:cNvSpPr/>
+          <p:nvPr/>
+        </p:nvSpPr>
+        <p:spPr>
+          <a:xfrm>
+            <a:off x="0" y="6520069"/>
+            <a:ext cx="12192000" cy="337932"/>
+          </a:xfrm>
+          <a:prstGeom prst="rect">
+            <a:avLst/>
+          </a:prstGeom>
+          <a:solidFill>
+            <a:srgbClr val="132584"/>
+          </a:solidFill>
+        </p:spPr>
+        <p:style>
+          <a:lnRef idx="2">
+            <a:schemeClr val="accent1">
+              <a:shade val="50000"/>
+            </a:schemeClr>
+          </a:lnRef>
+          <a:fillRef idx="1">
+            <a:schemeClr val="accent1"/>
+          </a:fillRef>
+          <a:effectRef idx="0">
+            <a:schemeClr val="accent1"/>
+          </a:effectRef>
+          <a:fontRef idx="minor">
+            <a:schemeClr val="lt1"/>
+          </a:fontRef>
+        </p:style>
+        <p:txBody>
+          <a:bodyPr rtlCol="0" anchor="ctr"/>
+          <a:lstStyle/>
+          <a:p>
+            <a:pPr algn="ctr"/>
+            <a:endParaRPr lang="ko-KR" altLang="en-US"/>
+          </a:p>
+        </p:txBody>
+      </p:sp>
+      <p:sp>
+        <p:nvSpPr>
+          <p:cNvPr id="12" name="TextBox 11"/>
+          <p:cNvSpPr txBox="1"/>
+          <p:nvPr/>
+        </p:nvSpPr>
+        <p:spPr>
+          <a:xfrm>
+            <a:off x="821095" y="144559"/>
+            <a:ext cx="5060301" cy="553998"/>
+          </a:xfrm>
+          <a:prstGeom prst="rect">
+            <a:avLst/>
+          </a:prstGeom>
+          <a:noFill/>
+        </p:spPr>
+        <p:txBody>
+          <a:bodyPr wrap="square" rtlCol="0" anchor="b" anchorCtr="0">
+            <a:spAutoFit/>
+          </a:bodyPr>
+          <a:lstStyle/>
+          <a:p>
+            <a:r>
+              <a:rPr lang="en-US" altLang="ko-KR" sz="3000" dirty="0" smtClean="0">
+                <a:solidFill>
+                  <a:schemeClr val="bg1"/>
+                </a:solidFill>
+                <a:latin typeface="HY헤드라인M" panose="02030600000101010101" pitchFamily="18" charset="-127"/>
+                <a:ea typeface="HY헤드라인M" panose="02030600000101010101" pitchFamily="18" charset="-127"/>
+              </a:rPr>
+              <a:t>Snuffing &amp; MITM </a:t>
+            </a:r>
+            <a:r>
+              <a:rPr lang="ko-KR" altLang="en-US" sz="3000" dirty="0" smtClean="0">
+                <a:solidFill>
+                  <a:schemeClr val="bg1"/>
+                </a:solidFill>
+                <a:latin typeface="HY헤드라인M" panose="02030600000101010101" pitchFamily="18" charset="-127"/>
+                <a:ea typeface="HY헤드라인M" panose="02030600000101010101" pitchFamily="18" charset="-127"/>
+              </a:rPr>
+              <a:t>방지</a:t>
+            </a:r>
+            <a:endParaRPr lang="ko-KR" altLang="en-US" sz="3000" dirty="0">
+              <a:solidFill>
+                <a:schemeClr val="bg1"/>
+              </a:solidFill>
+              <a:latin typeface="HY헤드라인M" panose="02030600000101010101" pitchFamily="18" charset="-127"/>
+              <a:ea typeface="HY헤드라인M" panose="02030600000101010101" pitchFamily="18" charset="-127"/>
+            </a:endParaRPr>
+          </a:p>
+        </p:txBody>
+      </p:sp>
+      <p:cxnSp>
+        <p:nvCxnSpPr>
+          <p:cNvPr id="15" name="직선 연결선 14"/>
+          <p:cNvCxnSpPr/>
+          <p:nvPr/>
+        </p:nvCxnSpPr>
+        <p:spPr>
+          <a:xfrm>
+            <a:off x="406023" y="789091"/>
+            <a:ext cx="11305309" cy="49876"/>
+          </a:xfrm>
+          <a:prstGeom prst="line">
+            <a:avLst/>
+          </a:prstGeom>
+          <a:ln>
+            <a:solidFill>
+              <a:srgbClr val="3049EB"/>
+            </a:solidFill>
+          </a:ln>
+        </p:spPr>
+        <p:style>
+          <a:lnRef idx="1">
+            <a:schemeClr val="accent1"/>
+          </a:lnRef>
+          <a:fillRef idx="0">
+            <a:schemeClr val="accent1"/>
+          </a:fillRef>
+          <a:effectRef idx="0">
+            <a:schemeClr val="accent1"/>
+          </a:effectRef>
+          <a:fontRef idx="minor">
+            <a:schemeClr val="tx1"/>
+          </a:fontRef>
+        </p:style>
+      </p:cxnSp>
+      <p:sp>
+        <p:nvSpPr>
+          <p:cNvPr id="3" name="순서도: 수동 입력 2"/>
+          <p:cNvSpPr/>
+          <p:nvPr/>
+        </p:nvSpPr>
+        <p:spPr>
+          <a:xfrm>
+            <a:off x="406023" y="-276743"/>
+            <a:ext cx="142617" cy="1032862"/>
+          </a:xfrm>
+          <a:custGeom>
+            <a:avLst/>
+            <a:gdLst>
+              <a:gd name="connsiteX0" fmla="*/ 0 w 10000"/>
+              <a:gd name="connsiteY0" fmla="*/ 2000 h 10000"/>
+              <a:gd name="connsiteX1" fmla="*/ 10000 w 10000"/>
+              <a:gd name="connsiteY1" fmla="*/ 0 h 10000"/>
+              <a:gd name="connsiteX2" fmla="*/ 10000 w 10000"/>
+              <a:gd name="connsiteY2" fmla="*/ 10000 h 10000"/>
+              <a:gd name="connsiteX3" fmla="*/ 0 w 10000"/>
+              <a:gd name="connsiteY3" fmla="*/ 10000 h 10000"/>
+              <a:gd name="connsiteX4" fmla="*/ 0 w 10000"/>
+              <a:gd name="connsiteY4" fmla="*/ 2000 h 10000"/>
+              <a:gd name="connsiteX0" fmla="*/ 1309 w 10000"/>
+              <a:gd name="connsiteY0" fmla="*/ 0 h 10208"/>
+              <a:gd name="connsiteX1" fmla="*/ 10000 w 10000"/>
+              <a:gd name="connsiteY1" fmla="*/ 208 h 10208"/>
+              <a:gd name="connsiteX2" fmla="*/ 10000 w 10000"/>
+              <a:gd name="connsiteY2" fmla="*/ 10208 h 10208"/>
+              <a:gd name="connsiteX3" fmla="*/ 0 w 10000"/>
+              <a:gd name="connsiteY3" fmla="*/ 10208 h 10208"/>
+              <a:gd name="connsiteX4" fmla="*/ 1309 w 10000"/>
+              <a:gd name="connsiteY4" fmla="*/ 0 h 10208"/>
+              <a:gd name="connsiteX0" fmla="*/ 1309 w 10000"/>
+              <a:gd name="connsiteY0" fmla="*/ 0 h 10208"/>
+              <a:gd name="connsiteX1" fmla="*/ 10000 w 10000"/>
+              <a:gd name="connsiteY1" fmla="*/ 208 h 10208"/>
+              <a:gd name="connsiteX2" fmla="*/ 10000 w 10000"/>
+              <a:gd name="connsiteY2" fmla="*/ 10208 h 10208"/>
+              <a:gd name="connsiteX3" fmla="*/ 0 w 10000"/>
+              <a:gd name="connsiteY3" fmla="*/ 8100 h 10208"/>
+              <a:gd name="connsiteX4" fmla="*/ 1309 w 10000"/>
+              <a:gd name="connsiteY4" fmla="*/ 0 h 10208"/>
+              <a:gd name="connsiteX0" fmla="*/ 0 w 10654"/>
+              <a:gd name="connsiteY0" fmla="*/ 695 h 10000"/>
+              <a:gd name="connsiteX1" fmla="*/ 10654 w 10654"/>
+              <a:gd name="connsiteY1" fmla="*/ 0 h 10000"/>
+              <a:gd name="connsiteX2" fmla="*/ 10654 w 10654"/>
+              <a:gd name="connsiteY2" fmla="*/ 10000 h 10000"/>
+              <a:gd name="connsiteX3" fmla="*/ 654 w 10654"/>
+              <a:gd name="connsiteY3" fmla="*/ 7892 h 10000"/>
+              <a:gd name="connsiteX4" fmla="*/ 0 w 10654"/>
+              <a:gd name="connsiteY4" fmla="*/ 695 h 10000"/>
+              <a:gd name="connsiteX0" fmla="*/ 0 w 10654"/>
+              <a:gd name="connsiteY0" fmla="*/ 0 h 11112"/>
+              <a:gd name="connsiteX1" fmla="*/ 10654 w 10654"/>
+              <a:gd name="connsiteY1" fmla="*/ 1112 h 11112"/>
+              <a:gd name="connsiteX2" fmla="*/ 10654 w 10654"/>
+              <a:gd name="connsiteY2" fmla="*/ 11112 h 11112"/>
+              <a:gd name="connsiteX3" fmla="*/ 654 w 10654"/>
+              <a:gd name="connsiteY3" fmla="*/ 9004 h 11112"/>
+              <a:gd name="connsiteX4" fmla="*/ 0 w 10654"/>
+              <a:gd name="connsiteY4" fmla="*/ 0 h 11112"/>
+              <a:gd name="connsiteX0" fmla="*/ 348 w 10000"/>
+              <a:gd name="connsiteY0" fmla="*/ 0 h 11112"/>
+              <a:gd name="connsiteX1" fmla="*/ 10000 w 10000"/>
+              <a:gd name="connsiteY1" fmla="*/ 1112 h 11112"/>
+              <a:gd name="connsiteX2" fmla="*/ 10000 w 10000"/>
+              <a:gd name="connsiteY2" fmla="*/ 11112 h 11112"/>
+              <a:gd name="connsiteX3" fmla="*/ 0 w 10000"/>
+              <a:gd name="connsiteY3" fmla="*/ 9004 h 11112"/>
+              <a:gd name="connsiteX4" fmla="*/ 348 w 10000"/>
+              <a:gd name="connsiteY4" fmla="*/ 0 h 11112"/>
+            </a:gdLst>
+            <a:ahLst/>
+            <a:cxnLst>
+              <a:cxn ang="0">
+                <a:pos x="connsiteX0" y="connsiteY0"/>
+              </a:cxn>
+              <a:cxn ang="0">
+                <a:pos x="connsiteX1" y="connsiteY1"/>
+              </a:cxn>
+              <a:cxn ang="0">
+                <a:pos x="connsiteX2" y="connsiteY2"/>
+              </a:cxn>
+              <a:cxn ang="0">
+                <a:pos x="connsiteX3" y="connsiteY3"/>
+              </a:cxn>
+              <a:cxn ang="0">
+                <a:pos x="connsiteX4" y="connsiteY4"/>
+              </a:cxn>
+            </a:cxnLst>
+            <a:rect l="l" t="t" r="r" b="b"/>
+            <a:pathLst>
+              <a:path w="10000" h="11112">
+                <a:moveTo>
+                  <a:pt x="348" y="0"/>
+                </a:moveTo>
+                <a:lnTo>
+                  <a:pt x="10000" y="1112"/>
+                </a:lnTo>
+                <a:lnTo>
+                  <a:pt x="10000" y="11112"/>
+                </a:lnTo>
+                <a:lnTo>
+                  <a:pt x="0" y="9004"/>
+                </a:lnTo>
+                <a:lnTo>
+                  <a:pt x="348" y="0"/>
+                </a:lnTo>
+                <a:close/>
+              </a:path>
+            </a:pathLst>
+          </a:custGeom>
+          <a:solidFill>
+            <a:schemeClr val="bg1"/>
+          </a:solidFill>
+          <a:ln>
+            <a:solidFill>
+              <a:schemeClr val="bg1"/>
+            </a:solidFill>
+          </a:ln>
+        </p:spPr>
+        <p:style>
+          <a:lnRef idx="2">
+            <a:schemeClr val="accent1">
+              <a:shade val="50000"/>
+            </a:schemeClr>
+          </a:lnRef>
+          <a:fillRef idx="1">
+            <a:schemeClr val="accent1"/>
+          </a:fillRef>
+          <a:effectRef idx="0">
+            <a:schemeClr val="accent1"/>
+          </a:effectRef>
+          <a:fontRef idx="minor">
+            <a:schemeClr val="lt1"/>
+          </a:fontRef>
+        </p:style>
+        <p:txBody>
+          <a:bodyPr rtlCol="0" anchor="ctr"/>
+          <a:lstStyle/>
+          <a:p>
+            <a:pPr algn="ctr"/>
+            <a:endParaRPr lang="ko-KR" altLang="en-US"/>
+          </a:p>
+        </p:txBody>
+      </p:sp>
+      <p:sp>
+        <p:nvSpPr>
+          <p:cNvPr id="10" name="순서도: 수동 입력 2"/>
+          <p:cNvSpPr/>
+          <p:nvPr/>
+        </p:nvSpPr>
+        <p:spPr>
+          <a:xfrm>
+            <a:off x="198487" y="-516431"/>
+            <a:ext cx="142617" cy="1032862"/>
+          </a:xfrm>
+          <a:custGeom>
+            <a:avLst/>
+            <a:gdLst>
+              <a:gd name="connsiteX0" fmla="*/ 0 w 10000"/>
+              <a:gd name="connsiteY0" fmla="*/ 2000 h 10000"/>
+              <a:gd name="connsiteX1" fmla="*/ 10000 w 10000"/>
+              <a:gd name="connsiteY1" fmla="*/ 0 h 10000"/>
+              <a:gd name="connsiteX2" fmla="*/ 10000 w 10000"/>
+              <a:gd name="connsiteY2" fmla="*/ 10000 h 10000"/>
+              <a:gd name="connsiteX3" fmla="*/ 0 w 10000"/>
+              <a:gd name="connsiteY3" fmla="*/ 10000 h 10000"/>
+              <a:gd name="connsiteX4" fmla="*/ 0 w 10000"/>
+              <a:gd name="connsiteY4" fmla="*/ 2000 h 10000"/>
+              <a:gd name="connsiteX0" fmla="*/ 1309 w 10000"/>
+              <a:gd name="connsiteY0" fmla="*/ 0 h 10208"/>
+              <a:gd name="connsiteX1" fmla="*/ 10000 w 10000"/>
+              <a:gd name="connsiteY1" fmla="*/ 208 h 10208"/>
+              <a:gd name="connsiteX2" fmla="*/ 10000 w 10000"/>
+              <a:gd name="connsiteY2" fmla="*/ 10208 h 10208"/>
+              <a:gd name="connsiteX3" fmla="*/ 0 w 10000"/>
+              <a:gd name="connsiteY3" fmla="*/ 10208 h 10208"/>
+              <a:gd name="connsiteX4" fmla="*/ 1309 w 10000"/>
+              <a:gd name="connsiteY4" fmla="*/ 0 h 10208"/>
+              <a:gd name="connsiteX0" fmla="*/ 1309 w 10000"/>
+              <a:gd name="connsiteY0" fmla="*/ 0 h 10208"/>
+              <a:gd name="connsiteX1" fmla="*/ 10000 w 10000"/>
+              <a:gd name="connsiteY1" fmla="*/ 208 h 10208"/>
+              <a:gd name="connsiteX2" fmla="*/ 10000 w 10000"/>
+              <a:gd name="connsiteY2" fmla="*/ 10208 h 10208"/>
+              <a:gd name="connsiteX3" fmla="*/ 0 w 10000"/>
+              <a:gd name="connsiteY3" fmla="*/ 8100 h 10208"/>
+              <a:gd name="connsiteX4" fmla="*/ 1309 w 10000"/>
+              <a:gd name="connsiteY4" fmla="*/ 0 h 10208"/>
+              <a:gd name="connsiteX0" fmla="*/ 0 w 10654"/>
+              <a:gd name="connsiteY0" fmla="*/ 695 h 10000"/>
+              <a:gd name="connsiteX1" fmla="*/ 10654 w 10654"/>
+              <a:gd name="connsiteY1" fmla="*/ 0 h 10000"/>
+              <a:gd name="connsiteX2" fmla="*/ 10654 w 10654"/>
+              <a:gd name="connsiteY2" fmla="*/ 10000 h 10000"/>
+              <a:gd name="connsiteX3" fmla="*/ 654 w 10654"/>
+              <a:gd name="connsiteY3" fmla="*/ 7892 h 10000"/>
+              <a:gd name="connsiteX4" fmla="*/ 0 w 10654"/>
+              <a:gd name="connsiteY4" fmla="*/ 695 h 10000"/>
+              <a:gd name="connsiteX0" fmla="*/ 0 w 10654"/>
+              <a:gd name="connsiteY0" fmla="*/ 0 h 11112"/>
+              <a:gd name="connsiteX1" fmla="*/ 10654 w 10654"/>
+              <a:gd name="connsiteY1" fmla="*/ 1112 h 11112"/>
+              <a:gd name="connsiteX2" fmla="*/ 10654 w 10654"/>
+              <a:gd name="connsiteY2" fmla="*/ 11112 h 11112"/>
+              <a:gd name="connsiteX3" fmla="*/ 654 w 10654"/>
+              <a:gd name="connsiteY3" fmla="*/ 9004 h 11112"/>
+              <a:gd name="connsiteX4" fmla="*/ 0 w 10654"/>
+              <a:gd name="connsiteY4" fmla="*/ 0 h 11112"/>
+              <a:gd name="connsiteX0" fmla="*/ 348 w 10000"/>
+              <a:gd name="connsiteY0" fmla="*/ 0 h 11112"/>
+              <a:gd name="connsiteX1" fmla="*/ 10000 w 10000"/>
+              <a:gd name="connsiteY1" fmla="*/ 1112 h 11112"/>
+              <a:gd name="connsiteX2" fmla="*/ 10000 w 10000"/>
+              <a:gd name="connsiteY2" fmla="*/ 11112 h 11112"/>
+              <a:gd name="connsiteX3" fmla="*/ 0 w 10000"/>
+              <a:gd name="connsiteY3" fmla="*/ 9004 h 11112"/>
+              <a:gd name="connsiteX4" fmla="*/ 348 w 10000"/>
+              <a:gd name="connsiteY4" fmla="*/ 0 h 11112"/>
+            </a:gdLst>
+            <a:ahLst/>
+            <a:cxnLst>
+              <a:cxn ang="0">
+                <a:pos x="connsiteX0" y="connsiteY0"/>
+              </a:cxn>
+              <a:cxn ang="0">
+                <a:pos x="connsiteX1" y="connsiteY1"/>
+              </a:cxn>
+              <a:cxn ang="0">
+                <a:pos x="connsiteX2" y="connsiteY2"/>
+              </a:cxn>
+              <a:cxn ang="0">
+                <a:pos x="connsiteX3" y="connsiteY3"/>
+              </a:cxn>
+              <a:cxn ang="0">
+                <a:pos x="connsiteX4" y="connsiteY4"/>
+              </a:cxn>
+            </a:cxnLst>
+            <a:rect l="l" t="t" r="r" b="b"/>
+            <a:pathLst>
+              <a:path w="10000" h="11112">
+                <a:moveTo>
+                  <a:pt x="348" y="0"/>
+                </a:moveTo>
+                <a:lnTo>
+                  <a:pt x="10000" y="1112"/>
+                </a:lnTo>
+                <a:lnTo>
+                  <a:pt x="10000" y="11112"/>
+                </a:lnTo>
+                <a:lnTo>
+                  <a:pt x="0" y="9004"/>
+                </a:lnTo>
+                <a:lnTo>
+                  <a:pt x="348" y="0"/>
+                </a:lnTo>
+                <a:close/>
+              </a:path>
+            </a:pathLst>
+          </a:custGeom>
+          <a:solidFill>
+            <a:schemeClr val="bg1"/>
+          </a:solidFill>
+          <a:ln>
+            <a:solidFill>
+              <a:schemeClr val="bg1"/>
+            </a:solidFill>
+          </a:ln>
+        </p:spPr>
+        <p:style>
+          <a:lnRef idx="2">
+            <a:schemeClr val="accent1">
+              <a:shade val="50000"/>
+            </a:schemeClr>
+          </a:lnRef>
+          <a:fillRef idx="1">
+            <a:schemeClr val="accent1"/>
+          </a:fillRef>
+          <a:effectRef idx="0">
+            <a:schemeClr val="accent1"/>
+          </a:effectRef>
+          <a:fontRef idx="minor">
+            <a:schemeClr val="lt1"/>
+          </a:fontRef>
+        </p:style>
+        <p:txBody>
+          <a:bodyPr rtlCol="0" anchor="ctr"/>
+          <a:lstStyle/>
+          <a:p>
+            <a:pPr algn="ctr"/>
+            <a:endParaRPr lang="ko-KR" altLang="en-US"/>
+          </a:p>
+        </p:txBody>
+      </p:sp>
+      <p:sp>
+        <p:nvSpPr>
+          <p:cNvPr id="25" name="직사각형 24"/>
+          <p:cNvSpPr/>
+          <p:nvPr/>
+        </p:nvSpPr>
+        <p:spPr>
+          <a:xfrm>
+            <a:off x="607536" y="2253039"/>
+            <a:ext cx="4320000" cy="3161596"/>
+          </a:xfrm>
+          <a:prstGeom prst="rect">
+            <a:avLst/>
+          </a:prstGeom>
+          <a:solidFill>
+            <a:srgbClr val="3049EB"/>
+          </a:solidFill>
+          <a:ln>
+            <a:noFill/>
+          </a:ln>
+        </p:spPr>
+        <p:style>
+          <a:lnRef idx="2">
+            <a:schemeClr val="accent1">
+              <a:shade val="50000"/>
+            </a:schemeClr>
+          </a:lnRef>
+          <a:fillRef idx="1">
+            <a:schemeClr val="accent1"/>
+          </a:fillRef>
+          <a:effectRef idx="0">
+            <a:schemeClr val="accent1"/>
+          </a:effectRef>
+          <a:fontRef idx="minor">
+            <a:schemeClr val="lt1"/>
+          </a:fontRef>
+        </p:style>
+        <p:txBody>
+          <a:bodyPr rtlCol="0" anchor="ctr"/>
+          <a:lstStyle/>
+          <a:p>
+            <a:pPr algn="ctr"/>
+            <a:endParaRPr lang="ko-KR" altLang="en-US" dirty="0"/>
+          </a:p>
+        </p:txBody>
+      </p:sp>
+      <p:sp>
+        <p:nvSpPr>
+          <p:cNvPr id="26" name="직사각형 25"/>
+          <p:cNvSpPr/>
+          <p:nvPr/>
+        </p:nvSpPr>
+        <p:spPr>
+          <a:xfrm>
+            <a:off x="607536" y="2424265"/>
+            <a:ext cx="4320000" cy="2990370"/>
+          </a:xfrm>
+          <a:prstGeom prst="rect">
+            <a:avLst/>
+          </a:prstGeom>
+          <a:solidFill>
+            <a:srgbClr val="132584"/>
+          </a:solidFill>
+          <a:ln>
+            <a:noFill/>
+          </a:ln>
+        </p:spPr>
+        <p:style>
+          <a:lnRef idx="2">
+            <a:schemeClr val="accent1">
+              <a:shade val="50000"/>
+            </a:schemeClr>
+          </a:lnRef>
+          <a:fillRef idx="1">
+            <a:schemeClr val="accent1"/>
+          </a:fillRef>
+          <a:effectRef idx="0">
+            <a:schemeClr val="accent1"/>
+          </a:effectRef>
+          <a:fontRef idx="minor">
+            <a:schemeClr val="lt1"/>
+          </a:fontRef>
+        </p:style>
+        <p:txBody>
+          <a:bodyPr rtlCol="0" anchor="ctr"/>
+          <a:lstStyle/>
+          <a:p>
+            <a:pPr algn="ctr"/>
+            <a:endParaRPr lang="ko-KR" altLang="en-US" dirty="0"/>
+          </a:p>
+        </p:txBody>
+      </p:sp>
+      <p:sp>
+        <p:nvSpPr>
+          <p:cNvPr id="28" name="실행 단추: 사용자 지정 27">
+            <a:hlinkClick r:id="" action="ppaction://noaction" highlightClick="1"/>
+          </p:cNvPr>
+          <p:cNvSpPr/>
+          <p:nvPr/>
+        </p:nvSpPr>
+        <p:spPr>
+          <a:xfrm>
+            <a:off x="4743736" y="2249179"/>
+            <a:ext cx="177209" cy="180000"/>
+          </a:xfrm>
+          <a:prstGeom prst="actionButtonBlank">
+            <a:avLst/>
+          </a:prstGeom>
+          <a:solidFill>
+            <a:srgbClr val="FF0000"/>
+          </a:solidFill>
+        </p:spPr>
+        <p:style>
+          <a:lnRef idx="2">
+            <a:schemeClr val="accent1">
+              <a:shade val="50000"/>
+            </a:schemeClr>
+          </a:lnRef>
+          <a:fillRef idx="1">
+            <a:schemeClr val="accent1"/>
+          </a:fillRef>
+          <a:effectRef idx="0">
+            <a:schemeClr val="accent1"/>
+          </a:effectRef>
+          <a:fontRef idx="minor">
+            <a:schemeClr val="lt1"/>
+          </a:fontRef>
+        </p:style>
+        <p:txBody>
+          <a:bodyPr rtlCol="0" anchor="ctr"/>
+          <a:lstStyle/>
+          <a:p>
+            <a:pPr algn="ctr"/>
+            <a:endParaRPr lang="ko-KR" altLang="en-US"/>
+          </a:p>
+        </p:txBody>
+      </p:sp>
+      <p:sp>
+        <p:nvSpPr>
+          <p:cNvPr id="27" name="곱셈 기호 26"/>
+          <p:cNvSpPr/>
+          <p:nvPr/>
+        </p:nvSpPr>
+        <p:spPr>
+          <a:xfrm>
+            <a:off x="4747137" y="2253039"/>
+            <a:ext cx="180000" cy="180000"/>
+          </a:xfrm>
+          <a:prstGeom prst="mathMultiply">
+            <a:avLst/>
+          </a:prstGeom>
+          <a:solidFill>
+            <a:schemeClr val="bg1"/>
+          </a:solidFill>
+          <a:ln>
+            <a:solidFill>
+              <a:schemeClr val="bg1"/>
+            </a:solidFill>
+          </a:ln>
+        </p:spPr>
+        <p:style>
+          <a:lnRef idx="2">
+            <a:schemeClr val="accent1">
+              <a:shade val="50000"/>
+            </a:schemeClr>
+          </a:lnRef>
+          <a:fillRef idx="1">
+            <a:schemeClr val="accent1"/>
+          </a:fillRef>
+          <a:effectRef idx="0">
+            <a:schemeClr val="accent1"/>
+          </a:effectRef>
+          <a:fontRef idx="minor">
+            <a:schemeClr val="lt1"/>
+          </a:fontRef>
+        </p:style>
+        <p:txBody>
+          <a:bodyPr rtlCol="0" anchor="ctr"/>
+          <a:lstStyle/>
+          <a:p>
+            <a:pPr algn="ctr"/>
+            <a:endParaRPr lang="ko-KR" altLang="en-US"/>
+          </a:p>
+        </p:txBody>
+      </p:sp>
+      <p:sp>
+        <p:nvSpPr>
+          <p:cNvPr id="36" name="TextBox 35"/>
+          <p:cNvSpPr txBox="1"/>
+          <p:nvPr/>
+        </p:nvSpPr>
+        <p:spPr>
+          <a:xfrm>
+            <a:off x="580612" y="2212681"/>
+            <a:ext cx="4128246" cy="215444"/>
+          </a:xfrm>
+          <a:prstGeom prst="rect">
+            <a:avLst/>
+          </a:prstGeom>
+          <a:solidFill>
+            <a:srgbClr val="132584">
+              <a:alpha val="20000"/>
+            </a:srgbClr>
+          </a:solidFill>
+        </p:spPr>
+        <p:txBody>
+          <a:bodyPr wrap="square" rtlCol="0">
+            <a:spAutoFit/>
+          </a:bodyPr>
+          <a:lstStyle/>
+          <a:p>
+            <a:r>
+              <a:rPr lang="en-US" altLang="ko-KR" sz="800" dirty="0" smtClean="0">
+                <a:solidFill>
+                  <a:schemeClr val="bg1"/>
+                </a:solidFill>
+              </a:rPr>
+              <a:t>Ubuntu2022.04(192.168.100.137)</a:t>
+            </a:r>
+            <a:endParaRPr lang="en-US" altLang="ko-KR" sz="800" dirty="0" smtClean="0">
+              <a:solidFill>
+                <a:schemeClr val="bg1"/>
+              </a:solidFill>
+            </a:endParaRPr>
+          </a:p>
+        </p:txBody>
+      </p:sp>
+      <p:pic>
+        <p:nvPicPr>
+          <p:cNvPr id="41" name="그림 40"/>
+          <p:cNvPicPr>
+            <a:picLocks noChangeAspect="1"/>
+          </p:cNvPicPr>
+          <p:nvPr/>
+        </p:nvPicPr>
+        <p:blipFill>
+          <a:blip r:embed="rId2"/>
+          <a:stretch>
+            <a:fillRect/>
+          </a:stretch>
+        </p:blipFill>
+        <p:spPr>
+          <a:xfrm>
+            <a:off x="611439" y="4115059"/>
+            <a:ext cx="4319498" cy="529066"/>
+          </a:xfrm>
+          <a:prstGeom prst="rect">
+            <a:avLst/>
+          </a:prstGeom>
+        </p:spPr>
+      </p:pic>
+      <p:pic>
+        <p:nvPicPr>
+          <p:cNvPr id="42" name="그림 41"/>
+          <p:cNvPicPr>
+            <a:picLocks noChangeAspect="1"/>
+          </p:cNvPicPr>
+          <p:nvPr/>
+        </p:nvPicPr>
+        <p:blipFill>
+          <a:blip r:embed="rId3"/>
+          <a:stretch>
+            <a:fillRect/>
+          </a:stretch>
+        </p:blipFill>
+        <p:spPr>
+          <a:xfrm>
+            <a:off x="611439" y="2431983"/>
+            <a:ext cx="4312907" cy="1710375"/>
+          </a:xfrm>
+          <a:prstGeom prst="rect">
+            <a:avLst/>
+          </a:prstGeom>
+        </p:spPr>
+      </p:pic>
+      <p:pic>
+        <p:nvPicPr>
+          <p:cNvPr id="43" name="그림 42"/>
+          <p:cNvPicPr>
+            <a:picLocks noChangeAspect="1"/>
+          </p:cNvPicPr>
+          <p:nvPr/>
+        </p:nvPicPr>
+        <p:blipFill>
+          <a:blip r:embed="rId4"/>
+          <a:stretch>
+            <a:fillRect/>
+          </a:stretch>
+        </p:blipFill>
+        <p:spPr>
+          <a:xfrm>
+            <a:off x="607537" y="4920868"/>
+            <a:ext cx="4323399" cy="163147"/>
+          </a:xfrm>
+          <a:prstGeom prst="rect">
+            <a:avLst/>
+          </a:prstGeom>
+        </p:spPr>
+      </p:pic>
+      <p:sp>
+        <p:nvSpPr>
+          <p:cNvPr id="44" name="직사각형 43"/>
+          <p:cNvSpPr/>
+          <p:nvPr/>
+        </p:nvSpPr>
+        <p:spPr>
+          <a:xfrm>
+            <a:off x="6879772" y="1115709"/>
+            <a:ext cx="4655975" cy="5343707"/>
           </a:xfrm>
           <a:prstGeom prst="rect">
             <a:avLst/>
@@ -19878,23 +23196,19 @@
       </p:sp>
       <p:sp>
         <p:nvSpPr>
-          <p:cNvPr id="16" name="TextBox 15"/>
+          <p:cNvPr id="45" name="TextBox 44"/>
           <p:cNvSpPr txBox="1"/>
           <p:nvPr/>
         </p:nvSpPr>
         <p:spPr>
           <a:xfrm>
-            <a:off x="557970" y="4101715"/>
-            <a:ext cx="4646645" cy="1246495"/>
+            <a:off x="607537" y="4650201"/>
+            <a:ext cx="4323399" cy="246221"/>
           </a:xfrm>
           <a:prstGeom prst="rect">
             <a:avLst/>
           </a:prstGeom>
-          <a:solidFill>
-            <a:srgbClr val="132584">
-              <a:alpha val="20000"/>
-            </a:srgbClr>
-          </a:solidFill>
+          <a:noFill/>
         </p:spPr>
         <p:txBody>
           <a:bodyPr wrap="square" rtlCol="0">
@@ -19903,130 +23217,44 @@
           <a:lstStyle/>
           <a:p>
             <a:r>
-              <a:rPr lang="en-US" altLang="ko-KR" sz="1500" dirty="0" smtClean="0">
-                <a:solidFill>
-                  <a:srgbClr val="FFFF00"/>
-                </a:solidFill>
-                <a:latin typeface="HY헤드라인M" panose="02030600000101010101" pitchFamily="18" charset="-127"/>
-                <a:ea typeface="HY헤드라인M" panose="02030600000101010101" pitchFamily="18" charset="-127"/>
-              </a:rPr>
-              <a:t>Sniffing </a:t>
-            </a:r>
-            <a:r>
-              <a:rPr lang="ko-KR" altLang="en-US" sz="1500" dirty="0" smtClean="0">
-                <a:solidFill>
-                  <a:srgbClr val="FFFF00"/>
-                </a:solidFill>
-                <a:latin typeface="HY헤드라인M" panose="02030600000101010101" pitchFamily="18" charset="-127"/>
-                <a:ea typeface="HY헤드라인M" panose="02030600000101010101" pitchFamily="18" charset="-127"/>
-              </a:rPr>
-              <a:t>이란</a:t>
-            </a:r>
-            <a:endParaRPr lang="en-US" altLang="ko-KR" sz="1500" dirty="0" smtClean="0">
-              <a:solidFill>
-                <a:srgbClr val="FFFF00"/>
-              </a:solidFill>
-              <a:latin typeface="HY헤드라인M" panose="02030600000101010101" pitchFamily="18" charset="-127"/>
-              <a:ea typeface="HY헤드라인M" panose="02030600000101010101" pitchFamily="18" charset="-127"/>
-            </a:endParaRPr>
-          </a:p>
-          <a:p>
+              <a:rPr lang="ko-KR" altLang="en-US" sz="1000" dirty="0" err="1" smtClean="0">
+                <a:solidFill>
+                  <a:schemeClr val="bg1"/>
+                </a:solidFill>
+              </a:rPr>
+              <a:t>부팅시</a:t>
+            </a:r>
+            <a:r>
+              <a:rPr lang="ko-KR" altLang="en-US" sz="1000" dirty="0" smtClean="0">
+                <a:solidFill>
+                  <a:schemeClr val="bg1"/>
+                </a:solidFill>
+              </a:rPr>
+              <a:t> </a:t>
+            </a:r>
             <a:r>
               <a:rPr lang="ko-KR" altLang="en-US" sz="1000" dirty="0">
                 <a:solidFill>
                   <a:schemeClr val="bg1"/>
                 </a:solidFill>
               </a:rPr>
-              <a:t>네트워크를 통해 전송되는 데이터를 </a:t>
-            </a:r>
-            <a:r>
-              <a:rPr lang="ko-KR" altLang="en-US" sz="1000" b="1" dirty="0">
-                <a:solidFill>
-                  <a:schemeClr val="bg1"/>
-                </a:solidFill>
-              </a:rPr>
-              <a:t>몰래 가로채어 감청</a:t>
-            </a:r>
-            <a:r>
-              <a:rPr lang="ko-KR" altLang="en-US" sz="1000" dirty="0">
-                <a:solidFill>
-                  <a:schemeClr val="bg1"/>
-                </a:solidFill>
-              </a:rPr>
-              <a:t>하는 해킹 기법이다</a:t>
-            </a:r>
-            <a:r>
-              <a:rPr lang="en-US" altLang="ko-KR" sz="1000" dirty="0">
-                <a:solidFill>
-                  <a:schemeClr val="bg1"/>
-                </a:solidFill>
-              </a:rPr>
-              <a:t>.</a:t>
-            </a:r>
-          </a:p>
-          <a:p>
-            <a:r>
-              <a:rPr lang="ko-KR" altLang="en-US" sz="1000" dirty="0">
-                <a:solidFill>
-                  <a:schemeClr val="bg1"/>
-                </a:solidFill>
-              </a:rPr>
-              <a:t>공격자는 </a:t>
-            </a:r>
-            <a:r>
-              <a:rPr lang="ko-KR" altLang="en-US" sz="1000" b="1" dirty="0">
-                <a:solidFill>
-                  <a:schemeClr val="bg1"/>
-                </a:solidFill>
-              </a:rPr>
-              <a:t>중간에 위치한 네트워크 장비</a:t>
-            </a:r>
-            <a:r>
-              <a:rPr lang="ko-KR" altLang="en-US" sz="1000" dirty="0">
-                <a:solidFill>
-                  <a:schemeClr val="bg1"/>
-                </a:solidFill>
-              </a:rPr>
-              <a:t>처럼 가장하거나</a:t>
-            </a:r>
-            <a:r>
-              <a:rPr lang="en-US" altLang="ko-KR" sz="1000" dirty="0">
-                <a:solidFill>
-                  <a:schemeClr val="bg1"/>
-                </a:solidFill>
-              </a:rPr>
-              <a:t>,</a:t>
-            </a:r>
-            <a:br>
-              <a:rPr lang="en-US" altLang="ko-KR" sz="1000" dirty="0">
-                <a:solidFill>
-                  <a:schemeClr val="bg1"/>
-                </a:solidFill>
-              </a:rPr>
-            </a:br>
-            <a:r>
-              <a:rPr lang="ko-KR" altLang="en-US" sz="1000" dirty="0">
-                <a:solidFill>
-                  <a:schemeClr val="bg1"/>
-                </a:solidFill>
-              </a:rPr>
-              <a:t>같은 네트워크에 존재하면서 </a:t>
-            </a:r>
-            <a:r>
-              <a:rPr lang="ko-KR" altLang="en-US" sz="1000" b="1" dirty="0">
-                <a:solidFill>
-                  <a:schemeClr val="bg1"/>
-                </a:solidFill>
-              </a:rPr>
-              <a:t>전송 중인 패킷을 엿보거나 저장</a:t>
-            </a:r>
-            <a:r>
-              <a:rPr lang="ko-KR" altLang="en-US" sz="1000" dirty="0">
-                <a:solidFill>
-                  <a:schemeClr val="bg1"/>
-                </a:solidFill>
-              </a:rPr>
-              <a:t>할 수 있다</a:t>
+              <a:t>정</a:t>
+            </a:r>
+            <a:r>
+              <a:rPr lang="ko-KR" altLang="en-US" sz="1000" dirty="0" smtClean="0">
+                <a:solidFill>
+                  <a:schemeClr val="bg1"/>
+                </a:solidFill>
+              </a:rPr>
+              <a:t>적 </a:t>
+            </a:r>
+            <a:r>
+              <a:rPr lang="en-US" altLang="ko-KR" sz="1000" dirty="0" err="1" smtClean="0">
+                <a:solidFill>
+                  <a:schemeClr val="bg1"/>
+                </a:solidFill>
+              </a:rPr>
+              <a:t>arp</a:t>
             </a:r>
             <a:r>
               <a:rPr lang="en-US" altLang="ko-KR" sz="1000" dirty="0" smtClean="0">
@@ -20034,24 +23262,7 @@
                   <a:schemeClr val="bg1"/>
                 </a:solidFill>
               </a:rPr>
-              <a:t>.</a:t>
-            </a:r>
-          </a:p>
-          <a:p>
-            <a:endParaRPr lang="en-US" altLang="ko-KR" sz="1000" dirty="0" smtClean="0">
-              <a:solidFill>
-                <a:schemeClr val="bg1"/>
-              </a:solidFill>
-            </a:endParaRPr>
-          </a:p>
-          <a:p>
-            <a:r>
-              <a:rPr lang="en-US" altLang="ko-KR" sz="1000" dirty="0" smtClean="0">
-                <a:solidFill>
-                  <a:schemeClr val="bg1"/>
-                </a:solidFill>
-              </a:rPr>
-              <a:t>-</a:t>
+              <a:t> </a:t>
             </a:r>
             <a:r>
               <a:rPr lang="ko-KR" altLang="en-US" sz="1000" dirty="0" smtClean="0">
@@ -20059,55 +23270,8 @@
                   <a:schemeClr val="bg1"/>
                 </a:solidFill>
               </a:rPr>
-              <a:t>현재 </a:t>
-            </a:r>
-            <a:r>
-              <a:rPr lang="en-US" altLang="ko-KR" sz="1000" dirty="0" smtClean="0">
-                <a:solidFill>
-                  <a:schemeClr val="bg1"/>
-                </a:solidFill>
-              </a:rPr>
-              <a:t>TCP </a:t>
-            </a:r>
-            <a:r>
-              <a:rPr lang="ko-KR" altLang="en-US" sz="1000" dirty="0" smtClean="0">
-                <a:solidFill>
-                  <a:schemeClr val="bg1"/>
-                </a:solidFill>
-              </a:rPr>
-              <a:t>통신</a:t>
-            </a:r>
-            <a:r>
-              <a:rPr lang="en-US" altLang="ko-KR" sz="1000" dirty="0" smtClean="0">
-                <a:solidFill>
-                  <a:schemeClr val="bg1"/>
-                </a:solidFill>
-              </a:rPr>
-              <a:t>, ARP </a:t>
-            </a:r>
-            <a:r>
-              <a:rPr lang="ko-KR" altLang="en-US" sz="1000" dirty="0" smtClean="0">
-                <a:solidFill>
-                  <a:schemeClr val="bg1"/>
-                </a:solidFill>
-              </a:rPr>
-              <a:t>질의 등이 보인다</a:t>
-            </a:r>
-            <a:r>
-              <a:rPr lang="en-US" altLang="ko-KR" sz="1000" dirty="0" smtClean="0">
-                <a:solidFill>
-                  <a:schemeClr val="bg1"/>
-                </a:solidFill>
-              </a:rPr>
-              <a:t>.</a:t>
-            </a:r>
-            <a:endParaRPr lang="en-US" altLang="ko-KR" sz="1000" dirty="0">
-              <a:solidFill>
-                <a:schemeClr val="bg1"/>
-              </a:solidFill>
-            </a:endParaRPr>
-          </a:p>
-          <a:p>
+              <a:t>사용하게 변경</a:t>
+            </a:r>
             <a:endParaRPr lang="ko-KR" altLang="en-US" sz="1000" dirty="0">
               <a:solidFill>
                 <a:schemeClr val="bg1"/>
@@ -20118,173 +23282,19 @@
       </p:sp>
       <p:sp>
         <p:nvSpPr>
-          <p:cNvPr id="24" name="직사각형 23"/>
-          <p:cNvSpPr/>
-          <p:nvPr/>
-        </p:nvSpPr>
-        <p:spPr>
-          <a:xfrm>
-            <a:off x="6879772" y="1115710"/>
-            <a:ext cx="4655975" cy="5042494"/>
-          </a:xfrm>
-          <a:prstGeom prst="rect">
-            <a:avLst/>
-          </a:prstGeom>
-          <a:solidFill>
-            <a:srgbClr val="3049EB"/>
-          </a:solidFill>
-          <a:ln>
-            <a:noFill/>
-          </a:ln>
-          <a:effectLst>
-            <a:outerShdw blurRad="50800" dist="38100" dir="2700000" sx="101000" sy="101000" algn="tl" rotWithShape="0">
-              <a:prstClr val="black">
-                <a:alpha val="99000"/>
-              </a:prstClr>
-            </a:outerShdw>
-          </a:effectLst>
-        </p:spPr>
-        <p:style>
-          <a:lnRef idx="2">
-            <a:schemeClr val="accent1">
-              <a:shade val="50000"/>
-            </a:schemeClr>
-          </a:lnRef>
-          <a:fillRef idx="1">
-            <a:schemeClr val="accent1"/>
-          </a:fillRef>
-          <a:effectRef idx="0">
-            <a:schemeClr val="accent1"/>
-          </a:effectRef>
-          <a:fontRef idx="minor">
-            <a:schemeClr val="lt1"/>
-          </a:fontRef>
-        </p:style>
-        <p:txBody>
-          <a:bodyPr rtlCol="0" anchor="ctr"/>
-          <a:lstStyle/>
-          <a:p>
-            <a:pPr algn="ctr"/>
-            <a:endParaRPr lang="ko-KR" altLang="en-US" dirty="0"/>
-          </a:p>
-        </p:txBody>
-      </p:sp>
-      <p:sp>
-        <p:nvSpPr>
-          <p:cNvPr id="29" name="왼쪽으로 구부러진 화살표 28"/>
-          <p:cNvSpPr/>
-          <p:nvPr/>
-        </p:nvSpPr>
-        <p:spPr>
-          <a:xfrm>
-            <a:off x="5453742" y="3366919"/>
-            <a:ext cx="540000" cy="540000"/>
-          </a:xfrm>
-          <a:prstGeom prst="curvedLeftArrow">
-            <a:avLst/>
-          </a:prstGeom>
-          <a:solidFill>
-            <a:srgbClr val="3049EB"/>
-          </a:solidFill>
-        </p:spPr>
-        <p:style>
-          <a:lnRef idx="2">
-            <a:schemeClr val="accent1">
-              <a:shade val="50000"/>
-            </a:schemeClr>
-          </a:lnRef>
-          <a:fillRef idx="1">
-            <a:schemeClr val="accent1"/>
-          </a:fillRef>
-          <a:effectRef idx="0">
-            <a:schemeClr val="accent1"/>
-          </a:effectRef>
-          <a:fontRef idx="minor">
-            <a:schemeClr val="lt1"/>
-          </a:fontRef>
-        </p:style>
-        <p:txBody>
-          <a:bodyPr rtlCol="0" anchor="ctr"/>
-          <a:lstStyle/>
-          <a:p>
-            <a:pPr algn="ctr"/>
-            <a:endParaRPr lang="ko-KR" altLang="en-US">
-              <a:solidFill>
-                <a:schemeClr val="tx1"/>
-              </a:solidFill>
-            </a:endParaRPr>
-          </a:p>
-        </p:txBody>
-      </p:sp>
-      <p:sp>
-        <p:nvSpPr>
-          <p:cNvPr id="30" name="&quot;없음&quot; 기호 29"/>
-          <p:cNvSpPr/>
-          <p:nvPr/>
-        </p:nvSpPr>
-        <p:spPr>
-          <a:xfrm>
-            <a:off x="6166757" y="3366919"/>
-            <a:ext cx="540000" cy="540000"/>
-          </a:xfrm>
-          <a:prstGeom prst="noSmoking">
-            <a:avLst/>
-          </a:prstGeom>
-          <a:solidFill>
-            <a:srgbClr val="FF0000"/>
-          </a:solidFill>
-          <a:ln>
-            <a:noFill/>
-          </a:ln>
-        </p:spPr>
-        <p:style>
-          <a:lnRef idx="2">
-            <a:schemeClr val="accent1">
-              <a:shade val="50000"/>
-            </a:schemeClr>
-          </a:lnRef>
-          <a:fillRef idx="1">
-            <a:schemeClr val="accent1"/>
-          </a:fillRef>
-          <a:effectRef idx="0">
-            <a:schemeClr val="accent1"/>
-          </a:effectRef>
-          <a:fontRef idx="minor">
-            <a:schemeClr val="lt1"/>
-          </a:fontRef>
-        </p:style>
-        <p:txBody>
-          <a:bodyPr rtlCol="0" anchor="ctr"/>
-          <a:lstStyle/>
-          <a:p>
-            <a:pPr algn="ctr"/>
-            <a:endParaRPr lang="ko-KR" altLang="en-US">
-              <a:solidFill>
-                <a:schemeClr val="tx1"/>
-              </a:solidFill>
-            </a:endParaRPr>
-          </a:p>
-        </p:txBody>
-      </p:sp>
-      <p:sp>
-        <p:nvSpPr>
-          <p:cNvPr id="31" name="TextBox 30"/>
+          <p:cNvPr id="46" name="TextBox 45"/>
           <p:cNvSpPr txBox="1"/>
           <p:nvPr/>
         </p:nvSpPr>
         <p:spPr>
           <a:xfrm>
-            <a:off x="6879772" y="1115710"/>
-            <a:ext cx="4655975" cy="5016758"/>
+            <a:off x="600947" y="5083749"/>
+            <a:ext cx="4323399" cy="246221"/>
           </a:xfrm>
           <a:prstGeom prst="rect">
             <a:avLst/>
           </a:prstGeom>
-          <a:solidFill>
-            <a:srgbClr val="132584">
-              <a:alpha val="20000"/>
-            </a:srgbClr>
-          </a:solidFill>
+          <a:noFill/>
         </p:spPr>
         <p:txBody>
           <a:bodyPr wrap="square" rtlCol="0">
@@ -20292,178 +23302,61 @@
           </a:bodyPr>
           <a:lstStyle/>
           <a:p>
-            <a:endParaRPr lang="en-US" altLang="ko-KR" sz="1000" dirty="0" smtClean="0">
-              <a:solidFill>
-                <a:srgbClr val="FFFF00"/>
-              </a:solidFill>
-            </a:endParaRPr>
-          </a:p>
-          <a:p>
+            <a:r>
+              <a:rPr lang="ko-KR" altLang="en-US" sz="1000" dirty="0" err="1" smtClean="0">
+                <a:solidFill>
+                  <a:schemeClr val="bg1"/>
+                </a:solidFill>
+              </a:rPr>
+              <a:t>부팅시</a:t>
+            </a:r>
             <a:r>
               <a:rPr lang="ko-KR" altLang="en-US" sz="1000" dirty="0" smtClean="0">
                 <a:solidFill>
-                  <a:srgbClr val="FFFF00"/>
-                </a:solidFill>
-              </a:rPr>
-              <a:t>✅ </a:t>
-            </a:r>
-            <a:r>
-              <a:rPr lang="en-US" altLang="ko-KR" sz="1000" dirty="0">
-                <a:solidFill>
-                  <a:srgbClr val="FFFF00"/>
-                </a:solidFill>
-              </a:rPr>
-              <a:t>1. HTTPS </a:t>
+                  <a:schemeClr val="bg1"/>
+                </a:solidFill>
+              </a:rPr>
+              <a:t> </a:t>
             </a:r>
             <a:r>
               <a:rPr lang="ko-KR" altLang="en-US" sz="1000" dirty="0">
                 <a:solidFill>
-                  <a:srgbClr val="FFFF00"/>
-                </a:solidFill>
-              </a:rPr>
-              <a:t>적용 </a:t>
-            </a:r>
-          </a:p>
-          <a:p>
+                  <a:schemeClr val="bg1"/>
+                </a:solidFill>
+              </a:rPr>
+              <a:t>정</a:t>
+            </a:r>
+            <a:r>
+              <a:rPr lang="ko-KR" altLang="en-US" sz="1000" dirty="0" smtClean="0">
+                <a:solidFill>
+                  <a:schemeClr val="bg1"/>
+                </a:solidFill>
+              </a:rPr>
+              <a:t>적 </a:t>
+            </a:r>
+            <a:r>
+              <a:rPr lang="en-US" altLang="ko-KR" sz="1000" dirty="0" err="1" smtClean="0">
+                <a:solidFill>
+                  <a:schemeClr val="bg1"/>
+                </a:solidFill>
+              </a:rPr>
+              <a:t>arp</a:t>
+            </a:r>
+            <a:r>
+              <a:rPr lang="en-US" altLang="ko-KR" sz="1000" dirty="0" smtClean="0">
+                <a:solidFill>
+                  <a:schemeClr val="bg1"/>
+                </a:solidFill>
+              </a:rPr>
+              <a:t> </a:t>
+            </a:r>
             <a:r>
               <a:rPr lang="ko-KR" altLang="en-US" sz="1000" dirty="0">
                 <a:solidFill>
                   <a:schemeClr val="bg1"/>
                 </a:solidFill>
               </a:rPr>
-              <a:t>목적</a:t>
-            </a:r>
-            <a:r>
-              <a:rPr lang="en-US" altLang="ko-KR" sz="1000" dirty="0">
-                <a:solidFill>
-                  <a:schemeClr val="bg1"/>
-                </a:solidFill>
-              </a:rPr>
-              <a:t>: </a:t>
-            </a:r>
-            <a:r>
-              <a:rPr lang="ko-KR" altLang="en-US" sz="1000" dirty="0">
-                <a:solidFill>
-                  <a:schemeClr val="bg1"/>
-                </a:solidFill>
-              </a:rPr>
-              <a:t>웹 로그인 정보를 암호화하여 탈취 방지</a:t>
-            </a:r>
-          </a:p>
-          <a:p>
-            <a:r>
-              <a:rPr lang="ko-KR" altLang="en-US" sz="1000" dirty="0">
-                <a:solidFill>
-                  <a:schemeClr val="bg1"/>
-                </a:solidFill>
-              </a:rPr>
-              <a:t>내용</a:t>
-            </a:r>
-            <a:r>
-              <a:rPr lang="en-US" altLang="ko-KR" sz="1000" dirty="0">
-                <a:solidFill>
-                  <a:schemeClr val="bg1"/>
-                </a:solidFill>
-              </a:rPr>
-              <a:t>: Apache </a:t>
-            </a:r>
-            <a:r>
-              <a:rPr lang="ko-KR" altLang="en-US" sz="1000" dirty="0">
-                <a:solidFill>
-                  <a:schemeClr val="bg1"/>
-                </a:solidFill>
-              </a:rPr>
-              <a:t>서버에 </a:t>
-            </a:r>
-            <a:r>
-              <a:rPr lang="en-US" altLang="ko-KR" sz="1000" dirty="0">
-                <a:solidFill>
-                  <a:schemeClr val="bg1"/>
-                </a:solidFill>
-              </a:rPr>
-              <a:t>HTTPS </a:t>
-            </a:r>
-            <a:r>
-              <a:rPr lang="ko-KR" altLang="en-US" sz="1000" dirty="0">
-                <a:solidFill>
-                  <a:schemeClr val="bg1"/>
-                </a:solidFill>
-              </a:rPr>
-              <a:t>설정 후 브라우저에서 </a:t>
-            </a:r>
-            <a:r>
-              <a:rPr lang="en-US" altLang="ko-KR" sz="1000" dirty="0">
-                <a:solidFill>
-                  <a:schemeClr val="bg1"/>
-                </a:solidFill>
-              </a:rPr>
-              <a:t>https</a:t>
-            </a:r>
-            <a:r>
-              <a:rPr lang="ko-KR" altLang="en-US" sz="1000" dirty="0">
-                <a:solidFill>
-                  <a:schemeClr val="bg1"/>
-                </a:solidFill>
-              </a:rPr>
-              <a:t>로 접속 → </a:t>
-            </a:r>
-            <a:r>
-              <a:rPr lang="en-US" altLang="ko-KR" sz="1000" dirty="0">
-                <a:solidFill>
-                  <a:schemeClr val="bg1"/>
-                </a:solidFill>
-              </a:rPr>
-              <a:t>Wireshark</a:t>
-            </a:r>
-            <a:r>
-              <a:rPr lang="ko-KR" altLang="en-US" sz="1000" dirty="0">
-                <a:solidFill>
-                  <a:schemeClr val="bg1"/>
-                </a:solidFill>
-              </a:rPr>
-              <a:t>에서 내용이 암호화되어 보이지 않음</a:t>
-            </a:r>
-          </a:p>
-          <a:p>
-            <a:r>
-              <a:rPr lang="ko-KR" altLang="en-US" sz="1000" dirty="0">
-                <a:solidFill>
-                  <a:schemeClr val="bg1"/>
-                </a:solidFill>
-              </a:rPr>
-              <a:t>의의</a:t>
-            </a:r>
-            <a:r>
-              <a:rPr lang="en-US" altLang="ko-KR" sz="1000" dirty="0">
-                <a:solidFill>
-                  <a:schemeClr val="bg1"/>
-                </a:solidFill>
-              </a:rPr>
-              <a:t>: </a:t>
-            </a:r>
-            <a:r>
-              <a:rPr lang="ko-KR" altLang="en-US" sz="1000" dirty="0">
-                <a:solidFill>
-                  <a:schemeClr val="bg1"/>
-                </a:solidFill>
-              </a:rPr>
-              <a:t>민감 정보가 </a:t>
-            </a:r>
-            <a:r>
-              <a:rPr lang="ko-KR" altLang="en-US" sz="1000" dirty="0" err="1">
-                <a:solidFill>
-                  <a:schemeClr val="bg1"/>
-                </a:solidFill>
-              </a:rPr>
-              <a:t>평문으로</a:t>
-            </a:r>
-            <a:r>
-              <a:rPr lang="ko-KR" altLang="en-US" sz="1000" dirty="0">
-                <a:solidFill>
-                  <a:schemeClr val="bg1"/>
-                </a:solidFill>
-              </a:rPr>
-              <a:t> 전송되지 않도록 </a:t>
+              <a:t> </a:t>
             </a:r>
             <a:r>
               <a:rPr lang="ko-KR" altLang="en-US" sz="1000" dirty="0" smtClean="0">
@@ -20471,768 +23364,1725 @@
                   <a:schemeClr val="bg1"/>
                 </a:solidFill>
               </a:rPr>
-              <a:t>보호</a:t>
-            </a:r>
-            <a:endParaRPr lang="en-US" altLang="ko-KR" sz="1000" dirty="0" smtClean="0">
-              <a:solidFill>
-                <a:schemeClr val="bg1"/>
-              </a:solidFill>
-            </a:endParaRPr>
-          </a:p>
-          <a:p>
+              <a:t>설정 확인</a:t>
+            </a:r>
             <a:endParaRPr lang="ko-KR" altLang="en-US" sz="1000" dirty="0">
               <a:solidFill>
                 <a:schemeClr val="bg1"/>
               </a:solidFill>
             </a:endParaRPr>
           </a:p>
-          <a:p>
-            <a:r>
-              <a:rPr lang="ko-KR" altLang="en-US" sz="1000" dirty="0">
-                <a:solidFill>
-                  <a:srgbClr val="FFFF00"/>
-                </a:solidFill>
-              </a:rPr>
-              <a:t>✅ </a:t>
-            </a:r>
-            <a:r>
-              <a:rPr lang="en-US" altLang="ko-KR" sz="1000" dirty="0">
-                <a:solidFill>
-                  <a:srgbClr val="FFFF00"/>
-                </a:solidFill>
-              </a:rPr>
-              <a:t>2. Static ARP </a:t>
-            </a:r>
-            <a:r>
-              <a:rPr lang="ko-KR" altLang="en-US" sz="1000" dirty="0">
-                <a:solidFill>
-                  <a:srgbClr val="FFFF00"/>
-                </a:solidFill>
-              </a:rPr>
-              <a:t>설정</a:t>
-            </a:r>
-          </a:p>
-          <a:p>
-            <a:r>
-              <a:rPr lang="ko-KR" altLang="en-US" sz="1000" dirty="0">
-                <a:solidFill>
-                  <a:schemeClr val="bg1"/>
-                </a:solidFill>
-              </a:rPr>
-              <a:t>목적</a:t>
-            </a:r>
-            <a:r>
-              <a:rPr lang="en-US" altLang="ko-KR" sz="1000" dirty="0">
-                <a:solidFill>
-                  <a:schemeClr val="bg1"/>
-                </a:solidFill>
-              </a:rPr>
-              <a:t>: ARP Spoofing </a:t>
-            </a:r>
-            <a:r>
-              <a:rPr lang="ko-KR" altLang="en-US" sz="1000" dirty="0">
-                <a:solidFill>
-                  <a:schemeClr val="bg1"/>
-                </a:solidFill>
-              </a:rPr>
-              <a:t>방지로 중간자 공격 차단</a:t>
-            </a:r>
-          </a:p>
-          <a:p>
-            <a:r>
-              <a:rPr lang="ko-KR" altLang="en-US" sz="1000" dirty="0">
-                <a:solidFill>
-                  <a:schemeClr val="bg1"/>
-                </a:solidFill>
-              </a:rPr>
-              <a:t>내용</a:t>
-            </a:r>
-            <a:r>
-              <a:rPr lang="en-US" altLang="ko-KR" sz="1000" dirty="0">
-                <a:solidFill>
-                  <a:schemeClr val="bg1"/>
-                </a:solidFill>
-              </a:rPr>
-              <a:t>: </a:t>
-            </a:r>
-            <a:r>
-              <a:rPr lang="ko-KR" altLang="en-US" sz="1000" dirty="0">
-                <a:solidFill>
-                  <a:schemeClr val="bg1"/>
-                </a:solidFill>
-              </a:rPr>
-              <a:t>클라이언트에서 게이트웨이의 </a:t>
-            </a:r>
-            <a:r>
-              <a:rPr lang="en-US" altLang="ko-KR" sz="1000" dirty="0">
-                <a:solidFill>
-                  <a:schemeClr val="bg1"/>
-                </a:solidFill>
-              </a:rPr>
-              <a:t>MAC </a:t>
-            </a:r>
-            <a:r>
-              <a:rPr lang="ko-KR" altLang="en-US" sz="1000" dirty="0">
-                <a:solidFill>
-                  <a:schemeClr val="bg1"/>
-                </a:solidFill>
-              </a:rPr>
-              <a:t>주소를 고정 등록</a:t>
-            </a:r>
-          </a:p>
-          <a:p>
-            <a:r>
-              <a:rPr lang="ko-KR" altLang="en-US" sz="1000" dirty="0">
-                <a:solidFill>
-                  <a:schemeClr val="bg1"/>
-                </a:solidFill>
-              </a:rPr>
-              <a:t>의의</a:t>
-            </a:r>
-            <a:r>
-              <a:rPr lang="en-US" altLang="ko-KR" sz="1000" dirty="0">
-                <a:solidFill>
-                  <a:schemeClr val="bg1"/>
-                </a:solidFill>
-              </a:rPr>
-              <a:t>: </a:t>
-            </a:r>
-            <a:r>
-              <a:rPr lang="ko-KR" altLang="en-US" sz="1000" dirty="0">
-                <a:solidFill>
-                  <a:schemeClr val="bg1"/>
-                </a:solidFill>
-              </a:rPr>
-              <a:t>위조된 </a:t>
-            </a:r>
-            <a:r>
-              <a:rPr lang="en-US" altLang="ko-KR" sz="1000" dirty="0">
-                <a:solidFill>
-                  <a:schemeClr val="bg1"/>
-                </a:solidFill>
-              </a:rPr>
-              <a:t>ARP </a:t>
-            </a:r>
-            <a:r>
-              <a:rPr lang="ko-KR" altLang="en-US" sz="1000" dirty="0">
-                <a:solidFill>
-                  <a:schemeClr val="bg1"/>
-                </a:solidFill>
-              </a:rPr>
-              <a:t>응답을 무시하고 네트워크 무결성 </a:t>
-            </a:r>
-            <a:r>
-              <a:rPr lang="ko-KR" altLang="en-US" sz="1000" dirty="0" smtClean="0">
-                <a:solidFill>
-                  <a:schemeClr val="bg1"/>
-                </a:solidFill>
-              </a:rPr>
-              <a:t>유지</a:t>
-            </a:r>
-            <a:endParaRPr lang="en-US" altLang="ko-KR" sz="1000" dirty="0" smtClean="0">
-              <a:solidFill>
-                <a:schemeClr val="bg1"/>
-              </a:solidFill>
-            </a:endParaRPr>
-          </a:p>
-          <a:p>
-            <a:endParaRPr lang="ko-KR" altLang="en-US" sz="1000" dirty="0">
-              <a:solidFill>
-                <a:schemeClr val="bg1"/>
-              </a:solidFill>
-            </a:endParaRPr>
-          </a:p>
-          <a:p>
-            <a:r>
-              <a:rPr lang="ko-KR" altLang="en-US" sz="1000" dirty="0">
-                <a:solidFill>
-                  <a:srgbClr val="FFFF00"/>
-                </a:solidFill>
-              </a:rPr>
-              <a:t>✅ </a:t>
-            </a:r>
-            <a:r>
-              <a:rPr lang="en-US" altLang="ko-KR" sz="1000" dirty="0">
-                <a:solidFill>
-                  <a:srgbClr val="FFFF00"/>
-                </a:solidFill>
-              </a:rPr>
-              <a:t>3. </a:t>
-            </a:r>
-            <a:r>
-              <a:rPr lang="en-US" altLang="ko-KR" sz="1000" dirty="0" err="1">
-                <a:solidFill>
-                  <a:srgbClr val="FFFF00"/>
-                </a:solidFill>
-              </a:rPr>
-              <a:t>ArpON</a:t>
-            </a:r>
-            <a:r>
-              <a:rPr lang="en-US" altLang="ko-KR" sz="1000" dirty="0">
-                <a:solidFill>
-                  <a:srgbClr val="FFFF00"/>
-                </a:solidFill>
-              </a:rPr>
-              <a:t> </a:t>
-            </a:r>
-            <a:r>
-              <a:rPr lang="ko-KR" altLang="en-US" sz="1000" dirty="0">
-                <a:solidFill>
-                  <a:srgbClr val="FFFF00"/>
-                </a:solidFill>
-              </a:rPr>
-              <a:t>도구 </a:t>
-            </a:r>
-            <a:r>
-              <a:rPr lang="ko-KR" altLang="en-US" sz="1000" dirty="0" smtClean="0">
-                <a:solidFill>
-                  <a:srgbClr val="FFFF00"/>
-                </a:solidFill>
-              </a:rPr>
-              <a:t>사용</a:t>
-            </a:r>
-            <a:endParaRPr lang="ko-KR" altLang="en-US" sz="1000" dirty="0">
-              <a:solidFill>
-                <a:srgbClr val="FFFF00"/>
-              </a:solidFill>
-            </a:endParaRPr>
-          </a:p>
-          <a:p>
-            <a:r>
-              <a:rPr lang="ko-KR" altLang="en-US" sz="1000" dirty="0">
-                <a:solidFill>
-                  <a:schemeClr val="bg1"/>
-                </a:solidFill>
-              </a:rPr>
-              <a:t>목적</a:t>
-            </a:r>
-            <a:r>
-              <a:rPr lang="en-US" altLang="ko-KR" sz="1000" dirty="0">
-                <a:solidFill>
-                  <a:schemeClr val="bg1"/>
-                </a:solidFill>
-              </a:rPr>
-              <a:t>: ARP </a:t>
-            </a:r>
-            <a:r>
-              <a:rPr lang="ko-KR" altLang="en-US" sz="1000" dirty="0">
-                <a:solidFill>
-                  <a:schemeClr val="bg1"/>
-                </a:solidFill>
-              </a:rPr>
-              <a:t>공격 탐지 및 자동 방어</a:t>
-            </a:r>
-          </a:p>
-          <a:p>
-            <a:r>
-              <a:rPr lang="ko-KR" altLang="en-US" sz="1000" dirty="0">
-                <a:solidFill>
-                  <a:schemeClr val="bg1"/>
-                </a:solidFill>
-              </a:rPr>
-              <a:t>내용</a:t>
-            </a:r>
-            <a:r>
-              <a:rPr lang="en-US" altLang="ko-KR" sz="1000" dirty="0">
-                <a:solidFill>
-                  <a:schemeClr val="bg1"/>
-                </a:solidFill>
-              </a:rPr>
-              <a:t>: </a:t>
-            </a:r>
-            <a:r>
-              <a:rPr lang="en-US" altLang="ko-KR" sz="1000" dirty="0" err="1">
-                <a:solidFill>
-                  <a:schemeClr val="bg1"/>
-                </a:solidFill>
-              </a:rPr>
-              <a:t>ArpON</a:t>
-            </a:r>
-            <a:r>
-              <a:rPr lang="en-US" altLang="ko-KR" sz="1000" dirty="0">
-                <a:solidFill>
-                  <a:schemeClr val="bg1"/>
-                </a:solidFill>
-              </a:rPr>
-              <a:t> </a:t>
-            </a:r>
-            <a:r>
-              <a:rPr lang="ko-KR" altLang="en-US" sz="1000" dirty="0" err="1">
-                <a:solidFill>
-                  <a:schemeClr val="bg1"/>
-                </a:solidFill>
-              </a:rPr>
-              <a:t>데몬을</a:t>
-            </a:r>
-            <a:r>
-              <a:rPr lang="ko-KR" altLang="en-US" sz="1000" dirty="0">
-                <a:solidFill>
-                  <a:schemeClr val="bg1"/>
-                </a:solidFill>
-              </a:rPr>
-              <a:t> 설치하고 실행하여 실시간 </a:t>
-            </a:r>
-            <a:r>
-              <a:rPr lang="en-US" altLang="ko-KR" sz="1000" dirty="0">
-                <a:solidFill>
-                  <a:schemeClr val="bg1"/>
-                </a:solidFill>
-              </a:rPr>
-              <a:t>ARP </a:t>
-            </a:r>
-            <a:r>
-              <a:rPr lang="ko-KR" altLang="en-US" sz="1000" dirty="0">
-                <a:solidFill>
-                  <a:schemeClr val="bg1"/>
-                </a:solidFill>
-              </a:rPr>
-              <a:t>감시</a:t>
-            </a:r>
-          </a:p>
-          <a:p>
-            <a:r>
-              <a:rPr lang="ko-KR" altLang="en-US" sz="1000" dirty="0">
-                <a:solidFill>
-                  <a:schemeClr val="bg1"/>
-                </a:solidFill>
-              </a:rPr>
-              <a:t>의의</a:t>
-            </a:r>
-            <a:r>
-              <a:rPr lang="en-US" altLang="ko-KR" sz="1000" dirty="0">
-                <a:solidFill>
-                  <a:schemeClr val="bg1"/>
-                </a:solidFill>
-              </a:rPr>
-              <a:t>: ARP </a:t>
-            </a:r>
-            <a:r>
-              <a:rPr lang="ko-KR" altLang="en-US" sz="1000" dirty="0">
-                <a:solidFill>
-                  <a:schemeClr val="bg1"/>
-                </a:solidFill>
-              </a:rPr>
-              <a:t>기반 공격이 발생하면 자동으로 차단하거나 경고</a:t>
-            </a:r>
-          </a:p>
-          <a:p>
-            <a:r>
-              <a:rPr lang="ko-KR" altLang="en-US" sz="1000" dirty="0">
-                <a:solidFill>
-                  <a:srgbClr val="FFFF00"/>
-                </a:solidFill>
-              </a:rPr>
-              <a:t>✅ </a:t>
-            </a:r>
-            <a:r>
-              <a:rPr lang="en-US" altLang="ko-KR" sz="1000" dirty="0">
-                <a:solidFill>
-                  <a:srgbClr val="FFFF00"/>
-                </a:solidFill>
-              </a:rPr>
-              <a:t>4. VPN </a:t>
-            </a:r>
-            <a:r>
-              <a:rPr lang="ko-KR" altLang="en-US" sz="1000" dirty="0">
-                <a:solidFill>
-                  <a:srgbClr val="FFFF00"/>
-                </a:solidFill>
-              </a:rPr>
-              <a:t>사용 </a:t>
-            </a:r>
-          </a:p>
-          <a:p>
-            <a:r>
-              <a:rPr lang="ko-KR" altLang="en-US" sz="1000" dirty="0">
-                <a:solidFill>
-                  <a:schemeClr val="bg1"/>
-                </a:solidFill>
-              </a:rPr>
-              <a:t>목적</a:t>
-            </a:r>
-            <a:r>
-              <a:rPr lang="en-US" altLang="ko-KR" sz="1000" dirty="0">
-                <a:solidFill>
-                  <a:schemeClr val="bg1"/>
-                </a:solidFill>
-              </a:rPr>
-              <a:t>: </a:t>
-            </a:r>
-            <a:r>
-              <a:rPr lang="ko-KR" altLang="en-US" sz="1000" dirty="0">
-                <a:solidFill>
-                  <a:schemeClr val="bg1"/>
-                </a:solidFill>
-              </a:rPr>
-              <a:t>전체 네트워크 트래픽을 암호화된 터널로 보호</a:t>
-            </a:r>
-          </a:p>
-          <a:p>
-            <a:r>
-              <a:rPr lang="ko-KR" altLang="en-US" sz="1000" dirty="0">
-                <a:solidFill>
-                  <a:schemeClr val="bg1"/>
-                </a:solidFill>
-              </a:rPr>
-              <a:t>내용</a:t>
-            </a:r>
-            <a:r>
-              <a:rPr lang="en-US" altLang="ko-KR" sz="1000" dirty="0">
-                <a:solidFill>
-                  <a:schemeClr val="bg1"/>
-                </a:solidFill>
-              </a:rPr>
-              <a:t>: </a:t>
-            </a:r>
-            <a:r>
-              <a:rPr lang="ko-KR" altLang="en-US" sz="1000" dirty="0">
-                <a:solidFill>
-                  <a:schemeClr val="bg1"/>
-                </a:solidFill>
-              </a:rPr>
-              <a:t>클라이언트에서 </a:t>
-            </a:r>
-            <a:r>
-              <a:rPr lang="en-US" altLang="ko-KR" sz="1000" dirty="0">
-                <a:solidFill>
-                  <a:schemeClr val="bg1"/>
-                </a:solidFill>
-              </a:rPr>
-              <a:t>VPN</a:t>
-            </a:r>
-            <a:r>
-              <a:rPr lang="ko-KR" altLang="en-US" sz="1000" dirty="0">
-                <a:solidFill>
-                  <a:schemeClr val="bg1"/>
-                </a:solidFill>
-              </a:rPr>
-              <a:t>에 연결 → </a:t>
-            </a:r>
-            <a:r>
-              <a:rPr lang="en-US" altLang="ko-KR" sz="1000" dirty="0">
-                <a:solidFill>
-                  <a:schemeClr val="bg1"/>
-                </a:solidFill>
-              </a:rPr>
-              <a:t>Wireshark</a:t>
-            </a:r>
-            <a:r>
-              <a:rPr lang="ko-KR" altLang="en-US" sz="1000" dirty="0">
-                <a:solidFill>
-                  <a:schemeClr val="bg1"/>
-                </a:solidFill>
-              </a:rPr>
-              <a:t>로 봐도 데이터가 암호화되어 내용 파악 불가</a:t>
-            </a:r>
-          </a:p>
-          <a:p>
-            <a:r>
-              <a:rPr lang="ko-KR" altLang="en-US" sz="1000" dirty="0">
-                <a:solidFill>
-                  <a:schemeClr val="bg1"/>
-                </a:solidFill>
-              </a:rPr>
-              <a:t>의의</a:t>
-            </a:r>
-            <a:r>
-              <a:rPr lang="en-US" altLang="ko-KR" sz="1000" dirty="0">
-                <a:solidFill>
-                  <a:schemeClr val="bg1"/>
-                </a:solidFill>
-              </a:rPr>
-              <a:t>: </a:t>
-            </a:r>
-            <a:r>
-              <a:rPr lang="ko-KR" altLang="en-US" sz="1000" dirty="0">
-                <a:solidFill>
-                  <a:schemeClr val="bg1"/>
-                </a:solidFill>
-              </a:rPr>
-              <a:t>네트워크 내부에서도 </a:t>
-            </a:r>
-            <a:r>
-              <a:rPr lang="ko-KR" altLang="en-US" sz="1000" dirty="0" err="1">
-                <a:solidFill>
-                  <a:schemeClr val="bg1"/>
-                </a:solidFill>
-              </a:rPr>
-              <a:t>스니핑</a:t>
-            </a:r>
-            <a:r>
-              <a:rPr lang="ko-KR" altLang="en-US" sz="1000" dirty="0">
-                <a:solidFill>
-                  <a:schemeClr val="bg1"/>
-                </a:solidFill>
-              </a:rPr>
-              <a:t> 불가능한 환경 </a:t>
-            </a:r>
-            <a:r>
-              <a:rPr lang="ko-KR" altLang="en-US" sz="1000" dirty="0" smtClean="0">
-                <a:solidFill>
-                  <a:schemeClr val="bg1"/>
-                </a:solidFill>
-              </a:rPr>
-              <a:t>구축</a:t>
-            </a:r>
-            <a:endParaRPr lang="en-US" altLang="ko-KR" sz="1000" dirty="0" smtClean="0">
-              <a:solidFill>
-                <a:schemeClr val="bg1"/>
-              </a:solidFill>
-            </a:endParaRPr>
-          </a:p>
-          <a:p>
-            <a:endParaRPr lang="ko-KR" altLang="en-US" sz="1000" dirty="0">
-              <a:solidFill>
-                <a:schemeClr val="bg1"/>
-              </a:solidFill>
-            </a:endParaRPr>
-          </a:p>
-          <a:p>
-            <a:r>
-              <a:rPr lang="ko-KR" altLang="en-US" sz="1000" dirty="0">
-                <a:solidFill>
-                  <a:srgbClr val="FFFF00"/>
-                </a:solidFill>
-              </a:rPr>
-              <a:t>✅ </a:t>
-            </a:r>
-            <a:r>
-              <a:rPr lang="en-US" altLang="ko-KR" sz="1000" dirty="0">
-                <a:solidFill>
-                  <a:srgbClr val="FFFF00"/>
-                </a:solidFill>
-              </a:rPr>
-              <a:t>5. SSH </a:t>
-            </a:r>
-            <a:r>
-              <a:rPr lang="ko-KR" altLang="en-US" sz="1000" dirty="0">
-                <a:solidFill>
-                  <a:srgbClr val="FFFF00"/>
-                </a:solidFill>
-              </a:rPr>
-              <a:t>사용</a:t>
-            </a:r>
-            <a:r>
-              <a:rPr lang="en-US" altLang="ko-KR" sz="1000" dirty="0">
-                <a:solidFill>
-                  <a:srgbClr val="FFFF00"/>
-                </a:solidFill>
-              </a:rPr>
-              <a:t>, Telnet </a:t>
-            </a:r>
-            <a:r>
-              <a:rPr lang="ko-KR" altLang="en-US" sz="1000" dirty="0">
-                <a:solidFill>
-                  <a:srgbClr val="FFFF00"/>
-                </a:solidFill>
-              </a:rPr>
-              <a:t>차단</a:t>
-            </a:r>
-          </a:p>
-          <a:p>
-            <a:r>
-              <a:rPr lang="ko-KR" altLang="en-US" sz="1000" dirty="0">
-                <a:solidFill>
-                  <a:schemeClr val="bg1"/>
-                </a:solidFill>
-              </a:rPr>
-              <a:t>목적</a:t>
-            </a:r>
-            <a:r>
-              <a:rPr lang="en-US" altLang="ko-KR" sz="1000" dirty="0">
-                <a:solidFill>
-                  <a:schemeClr val="bg1"/>
-                </a:solidFill>
-              </a:rPr>
-              <a:t>: </a:t>
-            </a:r>
-            <a:r>
-              <a:rPr lang="ko-KR" altLang="en-US" sz="1000" dirty="0">
-                <a:solidFill>
-                  <a:schemeClr val="bg1"/>
-                </a:solidFill>
-              </a:rPr>
-              <a:t>원격 접속 시 </a:t>
-            </a:r>
-            <a:r>
-              <a:rPr lang="ko-KR" altLang="en-US" sz="1000" dirty="0" err="1">
-                <a:solidFill>
-                  <a:schemeClr val="bg1"/>
-                </a:solidFill>
-              </a:rPr>
-              <a:t>평문</a:t>
-            </a:r>
-            <a:r>
-              <a:rPr lang="ko-KR" altLang="en-US" sz="1000" dirty="0">
-                <a:solidFill>
-                  <a:schemeClr val="bg1"/>
-                </a:solidFill>
-              </a:rPr>
-              <a:t> 인증 방지</a:t>
-            </a:r>
-          </a:p>
-          <a:p>
-            <a:r>
-              <a:rPr lang="ko-KR" altLang="en-US" sz="1000" dirty="0">
-                <a:solidFill>
-                  <a:schemeClr val="bg1"/>
-                </a:solidFill>
-              </a:rPr>
-              <a:t>내용</a:t>
-            </a:r>
-            <a:r>
-              <a:rPr lang="en-US" altLang="ko-KR" sz="1000" dirty="0">
-                <a:solidFill>
-                  <a:schemeClr val="bg1"/>
-                </a:solidFill>
-              </a:rPr>
-              <a:t>: Telnet</a:t>
-            </a:r>
-            <a:r>
-              <a:rPr lang="ko-KR" altLang="en-US" sz="1000" dirty="0">
-                <a:solidFill>
-                  <a:schemeClr val="bg1"/>
-                </a:solidFill>
-              </a:rPr>
-              <a:t>은 비활성화하고 </a:t>
-            </a:r>
-            <a:r>
-              <a:rPr lang="en-US" altLang="ko-KR" sz="1000" dirty="0">
-                <a:solidFill>
-                  <a:schemeClr val="bg1"/>
-                </a:solidFill>
-              </a:rPr>
-              <a:t>SSH</a:t>
-            </a:r>
-            <a:r>
-              <a:rPr lang="ko-KR" altLang="en-US" sz="1000" dirty="0">
-                <a:solidFill>
-                  <a:schemeClr val="bg1"/>
-                </a:solidFill>
-              </a:rPr>
-              <a:t>만 허용 → </a:t>
-            </a:r>
-            <a:r>
-              <a:rPr lang="ko-KR" altLang="en-US" sz="1000" dirty="0" err="1">
-                <a:solidFill>
-                  <a:schemeClr val="bg1"/>
-                </a:solidFill>
-              </a:rPr>
-              <a:t>스니핑으로도</a:t>
-            </a:r>
-            <a:r>
-              <a:rPr lang="ko-KR" altLang="en-US" sz="1000" dirty="0">
-                <a:solidFill>
-                  <a:schemeClr val="bg1"/>
-                </a:solidFill>
-              </a:rPr>
-              <a:t> 로그인 정보 탈취 불가능</a:t>
-            </a:r>
-          </a:p>
-          <a:p>
-            <a:r>
-              <a:rPr lang="ko-KR" altLang="en-US" sz="1000" dirty="0">
-                <a:solidFill>
-                  <a:schemeClr val="bg1"/>
-                </a:solidFill>
-              </a:rPr>
-              <a:t>의의</a:t>
-            </a:r>
-            <a:r>
-              <a:rPr lang="en-US" altLang="ko-KR" sz="1000" dirty="0">
-                <a:solidFill>
-                  <a:schemeClr val="bg1"/>
-                </a:solidFill>
-              </a:rPr>
-              <a:t>: </a:t>
-            </a:r>
-            <a:r>
-              <a:rPr lang="ko-KR" altLang="en-US" sz="1000" dirty="0">
-                <a:solidFill>
-                  <a:schemeClr val="bg1"/>
-                </a:solidFill>
-              </a:rPr>
-              <a:t>안전한 원격 관리 환경 </a:t>
-            </a:r>
-            <a:r>
-              <a:rPr lang="ko-KR" altLang="en-US" sz="1000" dirty="0" smtClean="0">
-                <a:solidFill>
-                  <a:schemeClr val="bg1"/>
-                </a:solidFill>
-              </a:rPr>
-              <a:t>제공</a:t>
-            </a:r>
-            <a:endParaRPr lang="en-US" altLang="ko-KR" sz="1000" dirty="0" smtClean="0">
-              <a:solidFill>
-                <a:schemeClr val="bg1"/>
-              </a:solidFill>
-            </a:endParaRPr>
-          </a:p>
-          <a:p>
-            <a:endParaRPr lang="en-US" altLang="ko-KR" sz="1000" dirty="0">
-              <a:solidFill>
-                <a:schemeClr val="bg1"/>
-              </a:solidFill>
-            </a:endParaRPr>
-          </a:p>
-          <a:p>
-            <a:endParaRPr lang="en-US" altLang="ko-KR" sz="1000" dirty="0" smtClean="0">
-              <a:solidFill>
-                <a:schemeClr val="bg1"/>
-              </a:solidFill>
-            </a:endParaRPr>
-          </a:p>
-          <a:p>
-            <a:endParaRPr lang="en-US" altLang="ko-KR" sz="1000" dirty="0">
-              <a:solidFill>
-                <a:schemeClr val="bg1"/>
-              </a:solidFill>
-            </a:endParaRPr>
-          </a:p>
-          <a:p>
-            <a:endParaRPr lang="en-US" altLang="ko-KR" sz="1000" dirty="0" smtClean="0">
-              <a:solidFill>
-                <a:schemeClr val="bg1"/>
-              </a:solidFill>
-            </a:endParaRPr>
-          </a:p>
-          <a:p>
-            <a:endParaRPr lang="en-US" altLang="ko-KR" sz="1000" dirty="0" smtClean="0">
-              <a:solidFill>
-                <a:schemeClr val="bg1"/>
-              </a:solidFill>
-            </a:endParaRPr>
-          </a:p>
         </p:txBody>
       </p:sp>
-      <p:pic>
-        <p:nvPicPr>
-          <p:cNvPr id="6" name="그림 5"/>
-          <p:cNvPicPr>
-            <a:picLocks noChangeAspect="1"/>
-          </p:cNvPicPr>
+      <p:sp>
+        <p:nvSpPr>
+          <p:cNvPr id="48" name="TextBox 47"/>
+          <p:cNvSpPr txBox="1"/>
           <p:nvPr/>
-        </p:nvPicPr>
-        <p:blipFill>
-          <a:blip r:embed="rId2"/>
-          <a:stretch>
-            <a:fillRect/>
-          </a:stretch>
-        </p:blipFill>
+        </p:nvSpPr>
         <p:spPr>
           <a:xfrm>
-            <a:off x="548640" y="1747923"/>
-            <a:ext cx="4655975" cy="1670317"/>
+            <a:off x="580612" y="1394727"/>
+            <a:ext cx="5060301" cy="400110"/>
           </a:xfrm>
           <a:prstGeom prst="rect">
             <a:avLst/>
           </a:prstGeom>
+          <a:noFill/>
         </p:spPr>
-      </p:pic>
+        <p:txBody>
+          <a:bodyPr wrap="square" rtlCol="0" anchor="b" anchorCtr="0">
+            <a:spAutoFit/>
+          </a:bodyPr>
+          <a:lstStyle/>
+          <a:p>
+            <a:r>
+              <a:rPr lang="ko-KR" altLang="en-US" sz="2000" dirty="0" smtClean="0">
+                <a:solidFill>
+                  <a:schemeClr val="bg1"/>
+                </a:solidFill>
+                <a:latin typeface="HY헤드라인M" panose="02030600000101010101" pitchFamily="18" charset="-127"/>
+                <a:ea typeface="HY헤드라인M" panose="02030600000101010101" pitchFamily="18" charset="-127"/>
+              </a:rPr>
+              <a:t>정적 </a:t>
+            </a:r>
+            <a:r>
+              <a:rPr lang="en-US" altLang="ko-KR" sz="2000" dirty="0" smtClean="0">
+                <a:solidFill>
+                  <a:schemeClr val="bg1"/>
+                </a:solidFill>
+                <a:latin typeface="HY헤드라인M" panose="02030600000101010101" pitchFamily="18" charset="-127"/>
+                <a:ea typeface="HY헤드라인M" panose="02030600000101010101" pitchFamily="18" charset="-127"/>
+              </a:rPr>
+              <a:t>ARP </a:t>
+            </a:r>
+            <a:r>
+              <a:rPr lang="ko-KR" altLang="en-US" sz="2000" dirty="0" smtClean="0">
+                <a:solidFill>
+                  <a:schemeClr val="bg1"/>
+                </a:solidFill>
+                <a:latin typeface="HY헤드라인M" panose="02030600000101010101" pitchFamily="18" charset="-127"/>
+                <a:ea typeface="HY헤드라인M" panose="02030600000101010101" pitchFamily="18" charset="-127"/>
+              </a:rPr>
+              <a:t>설정</a:t>
+            </a:r>
+            <a:endParaRPr lang="ko-KR" altLang="en-US" sz="2000" dirty="0">
+              <a:solidFill>
+                <a:schemeClr val="bg1"/>
+              </a:solidFill>
+              <a:latin typeface="HY헤드라인M" panose="02030600000101010101" pitchFamily="18" charset="-127"/>
+              <a:ea typeface="HY헤드라인M" panose="02030600000101010101" pitchFamily="18" charset="-127"/>
+            </a:endParaRPr>
+          </a:p>
+        </p:txBody>
+      </p:sp>
+      <p:graphicFrame>
+        <p:nvGraphicFramePr>
+          <p:cNvPr id="49" name="표 48"/>
+          <p:cNvGraphicFramePr>
+            <a:graphicFrameLocks noGrp="1"/>
+          </p:cNvGraphicFramePr>
+          <p:nvPr>
+            <p:extLst>
+              <p:ext uri="{D42A27DB-BD31-4B8C-83A1-F6EECF244321}">
+                <p14:modId xmlns:p14="http://schemas.microsoft.com/office/powerpoint/2010/main" val="1623595953"/>
+              </p:ext>
+            </p:extLst>
+          </p:nvPr>
+        </p:nvGraphicFramePr>
+        <p:xfrm>
+          <a:off x="6898433" y="1444029"/>
+          <a:ext cx="4637314" cy="1785492"/>
+        </p:xfrm>
+        <a:graphic>
+          <a:graphicData uri="http://schemas.openxmlformats.org/drawingml/2006/table">
+            <a:tbl>
+              <a:tblPr firstRow="1" bandRow="1">
+                <a:tableStyleId>{5C22544A-7EE6-4342-B048-85BDC9FD1C3A}</a:tableStyleId>
+              </a:tblPr>
+              <a:tblGrid>
+                <a:gridCol w="1454992">
+                  <a:extLst>
+                    <a:ext uri="{9D8B030D-6E8A-4147-A177-3AD203B41FA5}">
+                      <a16:colId xmlns:a16="http://schemas.microsoft.com/office/drawing/2014/main" val="1498637395"/>
+                    </a:ext>
+                  </a:extLst>
+                </a:gridCol>
+                <a:gridCol w="3182322">
+                  <a:extLst>
+                    <a:ext uri="{9D8B030D-6E8A-4147-A177-3AD203B41FA5}">
+                      <a16:colId xmlns:a16="http://schemas.microsoft.com/office/drawing/2014/main" val="163089897"/>
+                    </a:ext>
+                  </a:extLst>
+                </a:gridCol>
+              </a:tblGrid>
+              <a:tr h="297582">
+                <a:tc>
+                  <a:txBody>
+                    <a:bodyPr/>
+                    <a:lstStyle/>
+                    <a:p>
+                      <a:pPr algn="ctr"/>
+                      <a:r>
+                        <a:rPr lang="ko-KR" altLang="en-US" sz="1000" dirty="0" smtClean="0"/>
+                        <a:t>방법</a:t>
+                      </a:r>
+                      <a:endParaRPr lang="ko-KR" altLang="en-US" sz="1000" dirty="0"/>
+                    </a:p>
+                  </a:txBody>
+                  <a:tcPr anchor="ctr">
+                    <a:solidFill>
+                      <a:srgbClr val="132584"/>
+                    </a:solidFill>
+                  </a:tcPr>
+                </a:tc>
+                <a:tc>
+                  <a:txBody>
+                    <a:bodyPr/>
+                    <a:lstStyle/>
+                    <a:p>
+                      <a:pPr algn="ctr"/>
+                      <a:r>
+                        <a:rPr lang="ko-KR" altLang="en-US" sz="1000" dirty="0" smtClean="0"/>
+                        <a:t>설명 </a:t>
+                      </a:r>
+                      <a:endParaRPr lang="ko-KR" altLang="en-US" sz="1000" dirty="0"/>
+                    </a:p>
+                  </a:txBody>
+                  <a:tcPr anchor="ctr">
+                    <a:solidFill>
+                      <a:srgbClr val="132584"/>
+                    </a:solidFill>
+                  </a:tcPr>
+                </a:tc>
+                <a:extLst>
+                  <a:ext uri="{0D108BD9-81ED-4DB2-BD59-A6C34878D82A}">
+                    <a16:rowId xmlns:a16="http://schemas.microsoft.com/office/drawing/2014/main" val="1818572505"/>
+                  </a:ext>
+                </a:extLst>
+              </a:tr>
+              <a:tr h="297582">
+                <a:tc>
+                  <a:txBody>
+                    <a:bodyPr/>
+                    <a:lstStyle/>
+                    <a:p>
+                      <a:pPr algn="ctr"/>
+                      <a:r>
+                        <a:rPr lang="ko-KR" altLang="en-US" sz="1000" dirty="0" smtClean="0">
+                          <a:solidFill>
+                            <a:schemeClr val="bg1"/>
+                          </a:solidFill>
+                        </a:rPr>
+                        <a:t>정적</a:t>
+                      </a:r>
+                      <a:r>
+                        <a:rPr lang="en-US" altLang="ko-KR" sz="1000" baseline="0" dirty="0" smtClean="0">
+                          <a:solidFill>
+                            <a:schemeClr val="bg1"/>
+                          </a:solidFill>
+                        </a:rPr>
+                        <a:t> ARP </a:t>
+                      </a:r>
+                      <a:r>
+                        <a:rPr lang="ko-KR" altLang="en-US" sz="1000" baseline="0" dirty="0" smtClean="0">
+                          <a:solidFill>
+                            <a:schemeClr val="bg1"/>
+                          </a:solidFill>
+                        </a:rPr>
+                        <a:t>설정</a:t>
+                      </a:r>
+                      <a:endParaRPr lang="ko-KR" altLang="en-US" sz="1000" dirty="0">
+                        <a:solidFill>
+                          <a:schemeClr val="bg1"/>
+                        </a:solidFill>
+                      </a:endParaRPr>
+                    </a:p>
+                  </a:txBody>
+                  <a:tcPr anchor="ctr">
+                    <a:solidFill>
+                      <a:srgbClr val="3049EB"/>
+                    </a:solidFill>
+                  </a:tcPr>
+                </a:tc>
+                <a:tc>
+                  <a:txBody>
+                    <a:bodyPr/>
+                    <a:lstStyle/>
+                    <a:p>
+                      <a:pPr algn="ctr"/>
+                      <a:r>
+                        <a:rPr lang="ko-KR" altLang="en-US" sz="1000" dirty="0" smtClean="0">
+                          <a:solidFill>
+                            <a:schemeClr val="bg1"/>
+                          </a:solidFill>
+                        </a:rPr>
+                        <a:t>특정 </a:t>
+                      </a:r>
+                      <a:r>
+                        <a:rPr lang="en-US" altLang="ko-KR" sz="1000" dirty="0" smtClean="0">
+                          <a:solidFill>
+                            <a:schemeClr val="bg1"/>
+                          </a:solidFill>
+                        </a:rPr>
+                        <a:t>IP</a:t>
+                      </a:r>
+                      <a:r>
+                        <a:rPr lang="ko-KR" altLang="en-US" sz="1000" dirty="0" smtClean="0">
+                          <a:solidFill>
+                            <a:schemeClr val="bg1"/>
+                          </a:solidFill>
+                        </a:rPr>
+                        <a:t>에 대한 </a:t>
+                      </a:r>
+                      <a:r>
+                        <a:rPr lang="en-US" altLang="ko-KR" sz="1000" dirty="0" smtClean="0">
+                          <a:solidFill>
+                            <a:schemeClr val="bg1"/>
+                          </a:solidFill>
+                        </a:rPr>
+                        <a:t>mac </a:t>
+                      </a:r>
+                      <a:r>
+                        <a:rPr lang="ko-KR" altLang="en-US" sz="1000" dirty="0" smtClean="0">
+                          <a:solidFill>
+                            <a:schemeClr val="bg1"/>
+                          </a:solidFill>
+                        </a:rPr>
+                        <a:t>주소를 고정해</a:t>
+                      </a:r>
+                      <a:r>
+                        <a:rPr lang="ko-KR" altLang="en-US" sz="1000" baseline="0" dirty="0" smtClean="0">
+                          <a:solidFill>
+                            <a:schemeClr val="bg1"/>
+                          </a:solidFill>
+                        </a:rPr>
+                        <a:t> 변조 차단</a:t>
+                      </a:r>
+                      <a:endParaRPr lang="ko-KR" altLang="en-US" sz="1000" dirty="0">
+                        <a:solidFill>
+                          <a:schemeClr val="bg1"/>
+                        </a:solidFill>
+                      </a:endParaRPr>
+                    </a:p>
+                  </a:txBody>
+                  <a:tcPr anchor="ctr">
+                    <a:solidFill>
+                      <a:srgbClr val="3049EB"/>
+                    </a:solidFill>
+                  </a:tcPr>
+                </a:tc>
+                <a:extLst>
+                  <a:ext uri="{0D108BD9-81ED-4DB2-BD59-A6C34878D82A}">
+                    <a16:rowId xmlns:a16="http://schemas.microsoft.com/office/drawing/2014/main" val="1479611108"/>
+                  </a:ext>
+                </a:extLst>
+              </a:tr>
+              <a:tr h="297582">
+                <a:tc>
+                  <a:txBody>
+                    <a:bodyPr/>
+                    <a:lstStyle/>
+                    <a:p>
+                      <a:pPr algn="ctr"/>
+                      <a:r>
+                        <a:rPr lang="en-US" altLang="ko-KR" sz="1000" dirty="0" err="1" smtClean="0">
+                          <a:solidFill>
+                            <a:schemeClr val="bg1"/>
+                          </a:solidFill>
+                        </a:rPr>
+                        <a:t>Arpwatch</a:t>
+                      </a:r>
+                      <a:r>
+                        <a:rPr lang="en-US" altLang="ko-KR" sz="1000" dirty="0" smtClean="0">
+                          <a:solidFill>
+                            <a:schemeClr val="bg1"/>
+                          </a:solidFill>
+                        </a:rPr>
+                        <a:t> </a:t>
+                      </a:r>
+                      <a:r>
+                        <a:rPr lang="ko-KR" altLang="en-US" sz="1000" dirty="0" smtClean="0">
+                          <a:solidFill>
+                            <a:schemeClr val="bg1"/>
+                          </a:solidFill>
+                        </a:rPr>
+                        <a:t>설치</a:t>
+                      </a:r>
+                      <a:endParaRPr lang="ko-KR" altLang="en-US" sz="1000" dirty="0">
+                        <a:solidFill>
+                          <a:schemeClr val="bg1"/>
+                        </a:solidFill>
+                      </a:endParaRPr>
+                    </a:p>
+                  </a:txBody>
+                  <a:tcPr anchor="ctr">
+                    <a:solidFill>
+                      <a:srgbClr val="3049EB"/>
+                    </a:solidFill>
+                  </a:tcPr>
+                </a:tc>
+                <a:tc>
+                  <a:txBody>
+                    <a:bodyPr/>
+                    <a:lstStyle/>
+                    <a:p>
+                      <a:pPr algn="ctr"/>
+                      <a:r>
+                        <a:rPr lang="en-US" altLang="ko-KR" sz="1000" dirty="0" smtClean="0">
+                          <a:solidFill>
+                            <a:schemeClr val="bg1"/>
+                          </a:solidFill>
+                        </a:rPr>
+                        <a:t>ARP </a:t>
+                      </a:r>
+                      <a:r>
+                        <a:rPr lang="ko-KR" altLang="en-US" sz="1000" dirty="0" smtClean="0">
+                          <a:solidFill>
+                            <a:schemeClr val="bg1"/>
+                          </a:solidFill>
+                        </a:rPr>
+                        <a:t>테이블 </a:t>
+                      </a:r>
+                      <a:r>
+                        <a:rPr lang="ko-KR" altLang="en-US" sz="1000" dirty="0" err="1" smtClean="0">
+                          <a:solidFill>
+                            <a:schemeClr val="bg1"/>
+                          </a:solidFill>
+                        </a:rPr>
+                        <a:t>변경시</a:t>
+                      </a:r>
+                      <a:r>
+                        <a:rPr lang="ko-KR" altLang="en-US" sz="1000" dirty="0" smtClean="0">
+                          <a:solidFill>
+                            <a:schemeClr val="bg1"/>
+                          </a:solidFill>
+                        </a:rPr>
+                        <a:t> 감지하고 알림</a:t>
+                      </a:r>
+                      <a:endParaRPr lang="ko-KR" altLang="en-US" sz="1000" dirty="0">
+                        <a:solidFill>
+                          <a:schemeClr val="bg1"/>
+                        </a:solidFill>
+                      </a:endParaRPr>
+                    </a:p>
+                  </a:txBody>
+                  <a:tcPr anchor="ctr">
+                    <a:solidFill>
+                      <a:srgbClr val="3049EB"/>
+                    </a:solidFill>
+                  </a:tcPr>
+                </a:tc>
+                <a:extLst>
+                  <a:ext uri="{0D108BD9-81ED-4DB2-BD59-A6C34878D82A}">
+                    <a16:rowId xmlns:a16="http://schemas.microsoft.com/office/drawing/2014/main" val="1717986870"/>
+                  </a:ext>
+                </a:extLst>
+              </a:tr>
+              <a:tr h="297582">
+                <a:tc>
+                  <a:txBody>
+                    <a:bodyPr/>
+                    <a:lstStyle/>
+                    <a:p>
+                      <a:pPr algn="ctr"/>
+                      <a:r>
+                        <a:rPr lang="en-US" altLang="ko-KR" sz="1000" dirty="0" err="1" smtClean="0">
+                          <a:solidFill>
+                            <a:schemeClr val="bg1"/>
+                          </a:solidFill>
+                        </a:rPr>
+                        <a:t>Vlan</a:t>
+                      </a:r>
+                      <a:r>
+                        <a:rPr lang="en-US" altLang="ko-KR" sz="1000" baseline="0" dirty="0" smtClean="0">
+                          <a:solidFill>
+                            <a:schemeClr val="bg1"/>
+                          </a:solidFill>
+                        </a:rPr>
+                        <a:t> </a:t>
+                      </a:r>
+                      <a:r>
+                        <a:rPr lang="ko-KR" altLang="en-US" sz="1000" baseline="0" dirty="0" smtClean="0">
+                          <a:solidFill>
+                            <a:schemeClr val="bg1"/>
+                          </a:solidFill>
+                        </a:rPr>
+                        <a:t>분리</a:t>
+                      </a:r>
+                      <a:endParaRPr lang="ko-KR" altLang="en-US" sz="1000" dirty="0">
+                        <a:solidFill>
+                          <a:schemeClr val="bg1"/>
+                        </a:solidFill>
+                      </a:endParaRPr>
+                    </a:p>
+                  </a:txBody>
+                  <a:tcPr anchor="ctr">
+                    <a:solidFill>
+                      <a:srgbClr val="3049EB"/>
+                    </a:solidFill>
+                  </a:tcPr>
+                </a:tc>
+                <a:tc>
+                  <a:txBody>
+                    <a:bodyPr/>
+                    <a:lstStyle/>
+                    <a:p>
+                      <a:pPr algn="ctr"/>
+                      <a:r>
+                        <a:rPr lang="ko-KR" altLang="en-US" sz="1000" dirty="0" err="1" smtClean="0">
+                          <a:solidFill>
+                            <a:schemeClr val="bg1"/>
+                          </a:solidFill>
+                        </a:rPr>
+                        <a:t>스푸핑</a:t>
+                      </a:r>
+                      <a:r>
+                        <a:rPr lang="ko-KR" altLang="en-US" sz="1000" dirty="0" smtClean="0">
+                          <a:solidFill>
+                            <a:schemeClr val="bg1"/>
+                          </a:solidFill>
+                        </a:rPr>
+                        <a:t> 위험이 있는 영역과 중요한 장비를 분리</a:t>
+                      </a:r>
+                      <a:endParaRPr lang="ko-KR" altLang="en-US" sz="1000" dirty="0">
+                        <a:solidFill>
+                          <a:schemeClr val="bg1"/>
+                        </a:solidFill>
+                      </a:endParaRPr>
+                    </a:p>
+                  </a:txBody>
+                  <a:tcPr anchor="ctr">
+                    <a:solidFill>
+                      <a:srgbClr val="3049EB"/>
+                    </a:solidFill>
+                  </a:tcPr>
+                </a:tc>
+                <a:extLst>
+                  <a:ext uri="{0D108BD9-81ED-4DB2-BD59-A6C34878D82A}">
+                    <a16:rowId xmlns:a16="http://schemas.microsoft.com/office/drawing/2014/main" val="1624501880"/>
+                  </a:ext>
+                </a:extLst>
+              </a:tr>
+              <a:tr h="297582">
+                <a:tc>
+                  <a:txBody>
+                    <a:bodyPr/>
+                    <a:lstStyle/>
+                    <a:p>
+                      <a:pPr algn="ctr"/>
+                      <a:r>
+                        <a:rPr lang="ko-KR" altLang="en-US" sz="1000" dirty="0" smtClean="0">
+                          <a:solidFill>
+                            <a:schemeClr val="bg1"/>
+                          </a:solidFill>
+                        </a:rPr>
+                        <a:t>스위치에 </a:t>
+                      </a:r>
+                      <a:r>
+                        <a:rPr lang="en-US" altLang="ko-KR" sz="1000" dirty="0" smtClean="0">
+                          <a:solidFill>
+                            <a:schemeClr val="bg1"/>
+                          </a:solidFill>
+                        </a:rPr>
+                        <a:t>DAI </a:t>
+                      </a:r>
+                      <a:r>
+                        <a:rPr lang="ko-KR" altLang="en-US" sz="1000" dirty="0" smtClean="0">
+                          <a:solidFill>
+                            <a:schemeClr val="bg1"/>
+                          </a:solidFill>
+                        </a:rPr>
+                        <a:t>활성화</a:t>
+                      </a:r>
+                      <a:endParaRPr lang="ko-KR" altLang="en-US" sz="1000" dirty="0">
+                        <a:solidFill>
+                          <a:schemeClr val="bg1"/>
+                        </a:solidFill>
+                      </a:endParaRPr>
+                    </a:p>
+                  </a:txBody>
+                  <a:tcPr anchor="ctr">
+                    <a:solidFill>
+                      <a:srgbClr val="3049EB"/>
+                    </a:solidFill>
+                  </a:tcPr>
+                </a:tc>
+                <a:tc>
+                  <a:txBody>
+                    <a:bodyPr/>
+                    <a:lstStyle/>
+                    <a:p>
+                      <a:pPr algn="ctr"/>
+                      <a:r>
+                        <a:rPr lang="en-US" altLang="ko-KR" sz="1000" dirty="0" smtClean="0">
+                          <a:solidFill>
+                            <a:schemeClr val="bg1"/>
+                          </a:solidFill>
+                        </a:rPr>
+                        <a:t>Dynamic ARP </a:t>
+                      </a:r>
+                      <a:r>
+                        <a:rPr lang="en-US" altLang="ko-KR" sz="1000" dirty="0" err="1" smtClean="0">
+                          <a:solidFill>
+                            <a:schemeClr val="bg1"/>
+                          </a:solidFill>
+                        </a:rPr>
+                        <a:t>Inspectioni</a:t>
+                      </a:r>
+                      <a:r>
+                        <a:rPr lang="en-US" altLang="ko-KR" sz="1000" dirty="0" smtClean="0">
+                          <a:solidFill>
+                            <a:schemeClr val="bg1"/>
+                          </a:solidFill>
+                        </a:rPr>
+                        <a:t>:</a:t>
+                      </a:r>
+                      <a:r>
+                        <a:rPr lang="en-US" altLang="ko-KR" sz="1000" baseline="0" dirty="0" smtClean="0">
+                          <a:solidFill>
+                            <a:schemeClr val="bg1"/>
+                          </a:solidFill>
+                        </a:rPr>
+                        <a:t> </a:t>
+                      </a:r>
+                      <a:r>
+                        <a:rPr lang="ko-KR" altLang="en-US" sz="1000" baseline="0" dirty="0" smtClean="0">
+                          <a:solidFill>
+                            <a:schemeClr val="bg1"/>
+                          </a:solidFill>
+                        </a:rPr>
+                        <a:t>비정상 </a:t>
+                      </a:r>
+                      <a:r>
+                        <a:rPr lang="en-US" altLang="ko-KR" sz="1000" baseline="0" dirty="0" smtClean="0">
+                          <a:solidFill>
+                            <a:schemeClr val="bg1"/>
+                          </a:solidFill>
+                        </a:rPr>
+                        <a:t>ARP </a:t>
+                      </a:r>
+                      <a:r>
+                        <a:rPr lang="ko-KR" altLang="en-US" sz="1000" baseline="0" dirty="0" smtClean="0">
+                          <a:solidFill>
+                            <a:schemeClr val="bg1"/>
+                          </a:solidFill>
+                        </a:rPr>
+                        <a:t>차단</a:t>
+                      </a:r>
+                      <a:r>
+                        <a:rPr lang="en-US" altLang="ko-KR" sz="1000" baseline="0" dirty="0" smtClean="0">
+                          <a:solidFill>
+                            <a:schemeClr val="bg1"/>
+                          </a:solidFill>
+                        </a:rPr>
+                        <a:t>(</a:t>
+                      </a:r>
+                      <a:r>
+                        <a:rPr lang="ko-KR" altLang="en-US" sz="1000" baseline="0" dirty="0" smtClean="0">
+                          <a:solidFill>
+                            <a:schemeClr val="bg1"/>
+                          </a:solidFill>
+                        </a:rPr>
+                        <a:t>기업용</a:t>
+                      </a:r>
+                      <a:r>
+                        <a:rPr lang="en-US" altLang="ko-KR" sz="1000" baseline="0" dirty="0" smtClean="0">
+                          <a:solidFill>
+                            <a:schemeClr val="bg1"/>
+                          </a:solidFill>
+                        </a:rPr>
+                        <a:t>)</a:t>
+                      </a:r>
+                      <a:endParaRPr lang="ko-KR" altLang="en-US" sz="1000" dirty="0">
+                        <a:solidFill>
+                          <a:schemeClr val="bg1"/>
+                        </a:solidFill>
+                      </a:endParaRPr>
+                    </a:p>
+                  </a:txBody>
+                  <a:tcPr anchor="ctr">
+                    <a:solidFill>
+                      <a:srgbClr val="3049EB"/>
+                    </a:solidFill>
+                  </a:tcPr>
+                </a:tc>
+                <a:extLst>
+                  <a:ext uri="{0D108BD9-81ED-4DB2-BD59-A6C34878D82A}">
+                    <a16:rowId xmlns:a16="http://schemas.microsoft.com/office/drawing/2014/main" val="2080426593"/>
+                  </a:ext>
+                </a:extLst>
+              </a:tr>
+              <a:tr h="297582">
+                <a:tc>
+                  <a:txBody>
+                    <a:bodyPr/>
+                    <a:lstStyle/>
+                    <a:p>
+                      <a:pPr algn="ctr"/>
+                      <a:r>
+                        <a:rPr lang="en-US" altLang="ko-KR" sz="1000" dirty="0" smtClean="0">
+                          <a:solidFill>
+                            <a:schemeClr val="bg1"/>
+                          </a:solidFill>
+                        </a:rPr>
+                        <a:t>IP-MAC </a:t>
+                      </a:r>
+                      <a:r>
+                        <a:rPr lang="ko-KR" altLang="en-US" sz="1000" dirty="0" smtClean="0">
+                          <a:solidFill>
+                            <a:schemeClr val="bg1"/>
+                          </a:solidFill>
+                        </a:rPr>
+                        <a:t>바인딩</a:t>
+                      </a:r>
+                      <a:endParaRPr lang="ko-KR" altLang="en-US" sz="1000" dirty="0">
+                        <a:solidFill>
+                          <a:schemeClr val="bg1"/>
+                        </a:solidFill>
+                      </a:endParaRPr>
+                    </a:p>
+                  </a:txBody>
+                  <a:tcPr anchor="ctr">
+                    <a:solidFill>
+                      <a:srgbClr val="3049EB"/>
+                    </a:solidFill>
+                  </a:tcPr>
+                </a:tc>
+                <a:tc>
+                  <a:txBody>
+                    <a:bodyPr/>
+                    <a:lstStyle/>
+                    <a:p>
+                      <a:pPr algn="ctr"/>
+                      <a:r>
+                        <a:rPr lang="en-US" altLang="ko-KR" sz="1000" dirty="0" smtClean="0">
+                          <a:solidFill>
+                            <a:schemeClr val="bg1"/>
+                          </a:solidFill>
+                        </a:rPr>
+                        <a:t>IP </a:t>
+                      </a:r>
+                      <a:r>
+                        <a:rPr lang="ko-KR" altLang="en-US" sz="1000" dirty="0" smtClean="0">
+                          <a:solidFill>
+                            <a:schemeClr val="bg1"/>
+                          </a:solidFill>
+                        </a:rPr>
+                        <a:t>별로 허용된 </a:t>
+                      </a:r>
+                      <a:r>
+                        <a:rPr lang="en-US" altLang="ko-KR" sz="1000" dirty="0" smtClean="0">
+                          <a:solidFill>
+                            <a:schemeClr val="bg1"/>
+                          </a:solidFill>
+                        </a:rPr>
+                        <a:t>MAC</a:t>
+                      </a:r>
+                      <a:r>
+                        <a:rPr lang="ko-KR" altLang="en-US" sz="1000" dirty="0" smtClean="0">
+                          <a:solidFill>
+                            <a:schemeClr val="bg1"/>
+                          </a:solidFill>
+                        </a:rPr>
+                        <a:t>만 통신 가능하게 설정</a:t>
+                      </a:r>
+                      <a:endParaRPr lang="ko-KR" altLang="en-US" sz="1000" dirty="0">
+                        <a:solidFill>
+                          <a:schemeClr val="bg1"/>
+                        </a:solidFill>
+                      </a:endParaRPr>
+                    </a:p>
+                  </a:txBody>
+                  <a:tcPr anchor="ctr">
+                    <a:solidFill>
+                      <a:srgbClr val="3049EB"/>
+                    </a:solidFill>
+                  </a:tcPr>
+                </a:tc>
+                <a:extLst>
+                  <a:ext uri="{0D108BD9-81ED-4DB2-BD59-A6C34878D82A}">
+                    <a16:rowId xmlns:a16="http://schemas.microsoft.com/office/drawing/2014/main" val="560987508"/>
+                  </a:ext>
+                </a:extLst>
+              </a:tr>
+            </a:tbl>
+          </a:graphicData>
+        </a:graphic>
+      </p:graphicFrame>
+      <p:graphicFrame>
+        <p:nvGraphicFramePr>
+          <p:cNvPr id="50" name="표 49"/>
+          <p:cNvGraphicFramePr>
+            <a:graphicFrameLocks noGrp="1"/>
+          </p:cNvGraphicFramePr>
+          <p:nvPr>
+            <p:extLst>
+              <p:ext uri="{D42A27DB-BD31-4B8C-83A1-F6EECF244321}">
+                <p14:modId xmlns:p14="http://schemas.microsoft.com/office/powerpoint/2010/main" val="3393706590"/>
+              </p:ext>
+            </p:extLst>
+          </p:nvPr>
+        </p:nvGraphicFramePr>
+        <p:xfrm>
+          <a:off x="6896158" y="3562325"/>
+          <a:ext cx="4639590" cy="2897093"/>
+        </p:xfrm>
+        <a:graphic>
+          <a:graphicData uri="http://schemas.openxmlformats.org/drawingml/2006/table">
+            <a:tbl>
+              <a:tblPr firstRow="1" bandRow="1">
+                <a:tableStyleId>{5C22544A-7EE6-4342-B048-85BDC9FD1C3A}</a:tableStyleId>
+              </a:tblPr>
+              <a:tblGrid>
+                <a:gridCol w="1400117">
+                  <a:extLst>
+                    <a:ext uri="{9D8B030D-6E8A-4147-A177-3AD203B41FA5}">
+                      <a16:colId xmlns:a16="http://schemas.microsoft.com/office/drawing/2014/main" val="413752845"/>
+                    </a:ext>
+                  </a:extLst>
+                </a:gridCol>
+                <a:gridCol w="1692943">
+                  <a:extLst>
+                    <a:ext uri="{9D8B030D-6E8A-4147-A177-3AD203B41FA5}">
+                      <a16:colId xmlns:a16="http://schemas.microsoft.com/office/drawing/2014/main" val="2160950172"/>
+                    </a:ext>
+                  </a:extLst>
+                </a:gridCol>
+                <a:gridCol w="1546530">
+                  <a:extLst>
+                    <a:ext uri="{9D8B030D-6E8A-4147-A177-3AD203B41FA5}">
+                      <a16:colId xmlns:a16="http://schemas.microsoft.com/office/drawing/2014/main" val="1037451629"/>
+                    </a:ext>
+                  </a:extLst>
+                </a:gridCol>
+              </a:tblGrid>
+              <a:tr h="367253">
+                <a:tc>
+                  <a:txBody>
+                    <a:bodyPr/>
+                    <a:lstStyle/>
+                    <a:p>
+                      <a:pPr algn="ctr" latinLnBrk="1"/>
+                      <a:r>
+                        <a:rPr lang="ko-KR" altLang="en-US" sz="1000" dirty="0" smtClean="0"/>
+                        <a:t>방법</a:t>
+                      </a:r>
+                      <a:endParaRPr lang="ko-KR" altLang="en-US" sz="1000" dirty="0"/>
+                    </a:p>
+                  </a:txBody>
+                  <a:tcPr anchor="ctr">
+                    <a:solidFill>
+                      <a:srgbClr val="132584"/>
+                    </a:solidFill>
+                  </a:tcPr>
+                </a:tc>
+                <a:tc>
+                  <a:txBody>
+                    <a:bodyPr/>
+                    <a:lstStyle/>
+                    <a:p>
+                      <a:pPr algn="ctr" latinLnBrk="1"/>
+                      <a:r>
+                        <a:rPr lang="ko-KR" altLang="en-US" sz="1000" dirty="0" smtClean="0"/>
+                        <a:t>설명</a:t>
+                      </a:r>
+                      <a:endParaRPr lang="ko-KR" altLang="en-US" sz="1000" dirty="0"/>
+                    </a:p>
+                  </a:txBody>
+                  <a:tcPr anchor="ctr">
+                    <a:solidFill>
+                      <a:srgbClr val="132584"/>
+                    </a:solidFill>
+                  </a:tcPr>
+                </a:tc>
+                <a:tc>
+                  <a:txBody>
+                    <a:bodyPr/>
+                    <a:lstStyle/>
+                    <a:p>
+                      <a:pPr algn="ctr" latinLnBrk="1"/>
+                      <a:r>
+                        <a:rPr lang="ko-KR" altLang="en-US" sz="1000" dirty="0" smtClean="0"/>
+                        <a:t>비고</a:t>
+                      </a:r>
+                      <a:endParaRPr lang="ko-KR" altLang="en-US" sz="1000" dirty="0"/>
+                    </a:p>
+                  </a:txBody>
+                  <a:tcPr anchor="ctr">
+                    <a:solidFill>
+                      <a:srgbClr val="132584"/>
+                    </a:solidFill>
+                  </a:tcPr>
+                </a:tc>
+                <a:extLst>
+                  <a:ext uri="{0D108BD9-81ED-4DB2-BD59-A6C34878D82A}">
+                    <a16:rowId xmlns:a16="http://schemas.microsoft.com/office/drawing/2014/main" val="3740118004"/>
+                  </a:ext>
+                </a:extLst>
+              </a:tr>
+              <a:tr h="396240">
+                <a:tc>
+                  <a:txBody>
+                    <a:bodyPr/>
+                    <a:lstStyle/>
+                    <a:p>
+                      <a:pPr algn="ctr" latinLnBrk="1"/>
+                      <a:r>
+                        <a:rPr lang="en-US" altLang="ko-KR" sz="1000" dirty="0" smtClean="0">
+                          <a:solidFill>
+                            <a:schemeClr val="bg1"/>
+                          </a:solidFill>
+                        </a:rPr>
+                        <a:t>HTTPS </a:t>
+                      </a:r>
+                      <a:r>
+                        <a:rPr lang="ko-KR" altLang="en-US" sz="1000" dirty="0" smtClean="0">
+                          <a:solidFill>
+                            <a:schemeClr val="bg1"/>
+                          </a:solidFill>
+                        </a:rPr>
+                        <a:t>사용</a:t>
+                      </a:r>
+                      <a:endParaRPr lang="ko-KR" altLang="en-US" sz="1000" dirty="0">
+                        <a:solidFill>
+                          <a:schemeClr val="bg1"/>
+                        </a:solidFill>
+                      </a:endParaRPr>
+                    </a:p>
+                  </a:txBody>
+                  <a:tcPr anchor="ctr">
+                    <a:solidFill>
+                      <a:srgbClr val="3049EB"/>
+                    </a:solidFill>
+                  </a:tcPr>
+                </a:tc>
+                <a:tc>
+                  <a:txBody>
+                    <a:bodyPr/>
+                    <a:lstStyle/>
+                    <a:p>
+                      <a:pPr algn="ctr" latinLnBrk="1"/>
+                      <a:r>
+                        <a:rPr lang="ko-KR" altLang="en-US" sz="1000" dirty="0" smtClean="0">
+                          <a:solidFill>
+                            <a:schemeClr val="bg1"/>
+                          </a:solidFill>
+                        </a:rPr>
+                        <a:t>트래픽을 암호화해 감청해도 내용 해독 불가</a:t>
+                      </a:r>
+                      <a:endParaRPr lang="ko-KR" altLang="en-US" sz="1000" dirty="0">
+                        <a:solidFill>
+                          <a:schemeClr val="bg1"/>
+                        </a:solidFill>
+                      </a:endParaRPr>
+                    </a:p>
+                  </a:txBody>
+                  <a:tcPr anchor="ctr">
+                    <a:solidFill>
+                      <a:srgbClr val="3049EB"/>
+                    </a:solidFill>
+                  </a:tcPr>
+                </a:tc>
+                <a:tc>
+                  <a:txBody>
+                    <a:bodyPr/>
+                    <a:lstStyle/>
+                    <a:p>
+                      <a:pPr algn="ctr" latinLnBrk="1"/>
+                      <a:r>
+                        <a:rPr lang="en-US" altLang="ko-KR" sz="1000" dirty="0" err="1" smtClean="0">
+                          <a:solidFill>
+                            <a:schemeClr val="bg1"/>
+                          </a:solidFill>
+                        </a:rPr>
+                        <a:t>SSLStrip</a:t>
+                      </a:r>
+                      <a:r>
+                        <a:rPr lang="en-US" altLang="ko-KR" sz="1000" dirty="0" smtClean="0">
+                          <a:solidFill>
+                            <a:schemeClr val="bg1"/>
+                          </a:solidFill>
+                        </a:rPr>
+                        <a:t> </a:t>
+                      </a:r>
+                      <a:r>
+                        <a:rPr lang="ko-KR" altLang="en-US" sz="1000" dirty="0" smtClean="0">
+                          <a:solidFill>
+                            <a:schemeClr val="bg1"/>
+                          </a:solidFill>
+                        </a:rPr>
+                        <a:t>차단도 포함해야 함</a:t>
+                      </a:r>
+                      <a:endParaRPr lang="ko-KR" altLang="en-US" sz="1000" dirty="0">
+                        <a:solidFill>
+                          <a:schemeClr val="bg1"/>
+                        </a:solidFill>
+                      </a:endParaRPr>
+                    </a:p>
+                  </a:txBody>
+                  <a:tcPr anchor="ctr">
+                    <a:solidFill>
+                      <a:srgbClr val="3049EB"/>
+                    </a:solidFill>
+                  </a:tcPr>
+                </a:tc>
+                <a:extLst>
+                  <a:ext uri="{0D108BD9-81ED-4DB2-BD59-A6C34878D82A}">
+                    <a16:rowId xmlns:a16="http://schemas.microsoft.com/office/drawing/2014/main" val="1660677093"/>
+                  </a:ext>
+                </a:extLst>
+              </a:tr>
+              <a:tr h="396240">
+                <a:tc>
+                  <a:txBody>
+                    <a:bodyPr/>
+                    <a:lstStyle/>
+                    <a:p>
+                      <a:pPr algn="ctr" latinLnBrk="1"/>
+                      <a:r>
+                        <a:rPr lang="en-US" altLang="ko-KR" sz="1000" dirty="0" smtClean="0">
+                          <a:solidFill>
+                            <a:schemeClr val="bg1"/>
+                          </a:solidFill>
+                        </a:rPr>
+                        <a:t>SSL </a:t>
+                      </a:r>
+                      <a:r>
+                        <a:rPr lang="ko-KR" altLang="en-US" sz="1000" dirty="0" smtClean="0">
+                          <a:solidFill>
+                            <a:schemeClr val="bg1"/>
+                          </a:solidFill>
+                        </a:rPr>
+                        <a:t>인증서 검증</a:t>
+                      </a:r>
+                      <a:endParaRPr lang="ko-KR" altLang="en-US" sz="1000" dirty="0">
+                        <a:solidFill>
+                          <a:schemeClr val="bg1"/>
+                        </a:solidFill>
+                      </a:endParaRPr>
+                    </a:p>
+                  </a:txBody>
+                  <a:tcPr anchor="ctr">
+                    <a:solidFill>
+                      <a:srgbClr val="3049EB"/>
+                    </a:solidFill>
+                  </a:tcPr>
+                </a:tc>
+                <a:tc>
+                  <a:txBody>
+                    <a:bodyPr/>
+                    <a:lstStyle/>
+                    <a:p>
+                      <a:pPr algn="ctr" latinLnBrk="1"/>
+                      <a:r>
+                        <a:rPr lang="ko-KR" altLang="en-US" sz="1000" dirty="0" smtClean="0">
+                          <a:solidFill>
+                            <a:schemeClr val="bg1"/>
+                          </a:solidFill>
+                        </a:rPr>
+                        <a:t>클라이언트가 위조된 </a:t>
+                      </a:r>
+                      <a:r>
+                        <a:rPr lang="ko-KR" altLang="en-US" sz="1000" dirty="0" err="1" smtClean="0">
+                          <a:solidFill>
+                            <a:schemeClr val="bg1"/>
+                          </a:solidFill>
+                        </a:rPr>
+                        <a:t>읹으서</a:t>
+                      </a:r>
+                      <a:r>
+                        <a:rPr lang="ko-KR" altLang="en-US" sz="1000" dirty="0" smtClean="0">
+                          <a:solidFill>
+                            <a:schemeClr val="bg1"/>
+                          </a:solidFill>
+                        </a:rPr>
+                        <a:t> 거부</a:t>
+                      </a:r>
+                      <a:endParaRPr lang="ko-KR" altLang="en-US" sz="1000" dirty="0">
+                        <a:solidFill>
+                          <a:schemeClr val="bg1"/>
+                        </a:solidFill>
+                      </a:endParaRPr>
+                    </a:p>
+                  </a:txBody>
+                  <a:tcPr anchor="ctr">
+                    <a:solidFill>
+                      <a:srgbClr val="3049EB"/>
+                    </a:solidFill>
+                  </a:tcPr>
+                </a:tc>
+                <a:tc>
+                  <a:txBody>
+                    <a:bodyPr/>
+                    <a:lstStyle/>
+                    <a:p>
+                      <a:pPr algn="ctr" latinLnBrk="1"/>
+                      <a:r>
+                        <a:rPr lang="ko-KR" altLang="en-US" sz="1000" dirty="0" smtClean="0">
+                          <a:solidFill>
+                            <a:schemeClr val="bg1"/>
+                          </a:solidFill>
+                        </a:rPr>
+                        <a:t>브라우저 기본 기능 활용</a:t>
+                      </a:r>
+                      <a:endParaRPr lang="ko-KR" altLang="en-US" sz="1000" dirty="0">
+                        <a:solidFill>
+                          <a:schemeClr val="bg1"/>
+                        </a:solidFill>
+                      </a:endParaRPr>
+                    </a:p>
+                  </a:txBody>
+                  <a:tcPr anchor="ctr">
+                    <a:solidFill>
+                      <a:srgbClr val="3049EB"/>
+                    </a:solidFill>
+                  </a:tcPr>
+                </a:tc>
+                <a:extLst>
+                  <a:ext uri="{0D108BD9-81ED-4DB2-BD59-A6C34878D82A}">
+                    <a16:rowId xmlns:a16="http://schemas.microsoft.com/office/drawing/2014/main" val="151807086"/>
+                  </a:ext>
+                </a:extLst>
+              </a:tr>
+              <a:tr h="396240">
+                <a:tc>
+                  <a:txBody>
+                    <a:bodyPr/>
+                    <a:lstStyle/>
+                    <a:p>
+                      <a:pPr algn="ctr" latinLnBrk="1"/>
+                      <a:r>
+                        <a:rPr lang="en-US" altLang="ko-KR" sz="1000" dirty="0" smtClean="0">
+                          <a:solidFill>
+                            <a:schemeClr val="bg1"/>
+                          </a:solidFill>
+                        </a:rPr>
+                        <a:t>VPN</a:t>
+                      </a:r>
+                      <a:r>
+                        <a:rPr lang="ko-KR" altLang="en-US" sz="1000" dirty="0" smtClean="0">
+                          <a:solidFill>
+                            <a:schemeClr val="bg1"/>
+                          </a:solidFill>
+                        </a:rPr>
+                        <a:t>사용</a:t>
+                      </a:r>
+                      <a:endParaRPr lang="ko-KR" altLang="en-US" sz="1000" dirty="0">
+                        <a:solidFill>
+                          <a:schemeClr val="bg1"/>
+                        </a:solidFill>
+                      </a:endParaRPr>
+                    </a:p>
+                  </a:txBody>
+                  <a:tcPr anchor="ctr">
+                    <a:solidFill>
+                      <a:srgbClr val="3049EB"/>
+                    </a:solidFill>
+                  </a:tcPr>
+                </a:tc>
+                <a:tc>
+                  <a:txBody>
+                    <a:bodyPr/>
+                    <a:lstStyle/>
+                    <a:p>
+                      <a:pPr algn="ctr" latinLnBrk="1"/>
+                      <a:r>
+                        <a:rPr lang="ko-KR" altLang="en-US" sz="1000" dirty="0" smtClean="0">
+                          <a:solidFill>
+                            <a:schemeClr val="bg1"/>
+                          </a:solidFill>
+                        </a:rPr>
+                        <a:t>네트워크 전체를 암호화된 터널로 전환</a:t>
+                      </a:r>
+                      <a:endParaRPr lang="ko-KR" altLang="en-US" sz="1000" dirty="0">
+                        <a:solidFill>
+                          <a:schemeClr val="bg1"/>
+                        </a:solidFill>
+                      </a:endParaRPr>
+                    </a:p>
+                  </a:txBody>
+                  <a:tcPr anchor="ctr">
+                    <a:solidFill>
+                      <a:srgbClr val="3049EB"/>
+                    </a:solidFill>
+                  </a:tcPr>
+                </a:tc>
+                <a:tc>
+                  <a:txBody>
+                    <a:bodyPr/>
+                    <a:lstStyle/>
+                    <a:p>
+                      <a:pPr algn="ctr" latinLnBrk="1"/>
+                      <a:r>
+                        <a:rPr lang="en-US" altLang="ko-KR" sz="1000" dirty="0" smtClean="0">
+                          <a:solidFill>
+                            <a:schemeClr val="bg1"/>
+                          </a:solidFill>
+                        </a:rPr>
+                        <a:t>MITM </a:t>
+                      </a:r>
+                      <a:r>
+                        <a:rPr lang="ko-KR" altLang="en-US" sz="1000" dirty="0" smtClean="0">
+                          <a:solidFill>
+                            <a:schemeClr val="bg1"/>
+                          </a:solidFill>
+                        </a:rPr>
+                        <a:t>자체가 무력화 됨</a:t>
+                      </a:r>
+                      <a:endParaRPr lang="ko-KR" altLang="en-US" sz="1000" dirty="0">
+                        <a:solidFill>
+                          <a:schemeClr val="bg1"/>
+                        </a:solidFill>
+                      </a:endParaRPr>
+                    </a:p>
+                  </a:txBody>
+                  <a:tcPr anchor="ctr">
+                    <a:solidFill>
+                      <a:srgbClr val="3049EB"/>
+                    </a:solidFill>
+                  </a:tcPr>
+                </a:tc>
+                <a:extLst>
+                  <a:ext uri="{0D108BD9-81ED-4DB2-BD59-A6C34878D82A}">
+                    <a16:rowId xmlns:a16="http://schemas.microsoft.com/office/drawing/2014/main" val="964238433"/>
+                  </a:ext>
+                </a:extLst>
+              </a:tr>
+              <a:tr h="396240">
+                <a:tc>
+                  <a:txBody>
+                    <a:bodyPr/>
+                    <a:lstStyle/>
+                    <a:p>
+                      <a:pPr algn="ctr" latinLnBrk="1"/>
+                      <a:r>
+                        <a:rPr lang="ko-KR" altLang="en-US" sz="1000" dirty="0" smtClean="0">
+                          <a:solidFill>
+                            <a:schemeClr val="bg1"/>
+                          </a:solidFill>
+                        </a:rPr>
+                        <a:t>침입 탐지 시스템</a:t>
+                      </a:r>
+                      <a:r>
+                        <a:rPr lang="en-US" altLang="ko-KR" sz="1000" dirty="0" smtClean="0">
+                          <a:solidFill>
+                            <a:schemeClr val="bg1"/>
+                          </a:solidFill>
+                        </a:rPr>
+                        <a:t>(IDS)</a:t>
+                      </a:r>
+                      <a:endParaRPr lang="ko-KR" altLang="en-US" sz="1000" dirty="0">
+                        <a:solidFill>
+                          <a:schemeClr val="bg1"/>
+                        </a:solidFill>
+                      </a:endParaRPr>
+                    </a:p>
+                  </a:txBody>
+                  <a:tcPr anchor="ctr">
+                    <a:solidFill>
+                      <a:srgbClr val="3049EB"/>
+                    </a:solidFill>
+                  </a:tcPr>
+                </a:tc>
+                <a:tc>
+                  <a:txBody>
+                    <a:bodyPr/>
+                    <a:lstStyle/>
+                    <a:p>
+                      <a:pPr algn="ctr" latinLnBrk="1"/>
+                      <a:r>
+                        <a:rPr lang="ko-KR" altLang="en-US" sz="1000" dirty="0" smtClean="0">
+                          <a:solidFill>
+                            <a:schemeClr val="bg1"/>
+                          </a:solidFill>
+                        </a:rPr>
+                        <a:t>이상 트래픽을 감지</a:t>
+                      </a:r>
+                      <a:r>
+                        <a:rPr lang="en-US" altLang="ko-KR" sz="1000" dirty="0" smtClean="0">
+                          <a:solidFill>
+                            <a:schemeClr val="bg1"/>
+                          </a:solidFill>
+                        </a:rPr>
+                        <a:t>(ARP, DNS,</a:t>
+                      </a:r>
+                      <a:r>
+                        <a:rPr lang="en-US" altLang="ko-KR" sz="1000" baseline="0" dirty="0" smtClean="0">
+                          <a:solidFill>
+                            <a:schemeClr val="bg1"/>
+                          </a:solidFill>
+                        </a:rPr>
+                        <a:t> ICMP)</a:t>
+                      </a:r>
+                      <a:endParaRPr lang="ko-KR" altLang="en-US" sz="1000" dirty="0">
+                        <a:solidFill>
+                          <a:schemeClr val="bg1"/>
+                        </a:solidFill>
+                      </a:endParaRPr>
+                    </a:p>
+                  </a:txBody>
+                  <a:tcPr anchor="ctr">
+                    <a:solidFill>
+                      <a:srgbClr val="3049EB"/>
+                    </a:solidFill>
+                  </a:tcPr>
+                </a:tc>
+                <a:tc>
+                  <a:txBody>
+                    <a:bodyPr/>
+                    <a:lstStyle/>
+                    <a:p>
+                      <a:pPr algn="ctr" latinLnBrk="1"/>
+                      <a:r>
+                        <a:rPr lang="en-US" altLang="ko-KR" sz="1000" dirty="0" err="1" smtClean="0">
+                          <a:solidFill>
+                            <a:schemeClr val="bg1"/>
+                          </a:solidFill>
+                        </a:rPr>
+                        <a:t>Wazuh</a:t>
+                      </a:r>
+                      <a:r>
+                        <a:rPr lang="en-US" altLang="ko-KR" sz="1000" dirty="0" smtClean="0">
+                          <a:solidFill>
+                            <a:schemeClr val="bg1"/>
+                          </a:solidFill>
+                        </a:rPr>
+                        <a:t>,</a:t>
+                      </a:r>
+                      <a:r>
+                        <a:rPr lang="en-US" altLang="ko-KR" sz="1000" baseline="0" dirty="0" smtClean="0">
+                          <a:solidFill>
+                            <a:schemeClr val="bg1"/>
+                          </a:solidFill>
+                        </a:rPr>
+                        <a:t> Snort</a:t>
+                      </a:r>
+                      <a:r>
+                        <a:rPr lang="ko-KR" altLang="en-US" sz="1000" baseline="0" dirty="0" smtClean="0">
+                          <a:solidFill>
+                            <a:schemeClr val="bg1"/>
+                          </a:solidFill>
+                        </a:rPr>
+                        <a:t>등</a:t>
+                      </a:r>
+                      <a:endParaRPr lang="ko-KR" altLang="en-US" sz="1000" dirty="0">
+                        <a:solidFill>
+                          <a:schemeClr val="bg1"/>
+                        </a:solidFill>
+                      </a:endParaRPr>
+                    </a:p>
+                  </a:txBody>
+                  <a:tcPr anchor="ctr">
+                    <a:solidFill>
+                      <a:srgbClr val="3049EB"/>
+                    </a:solidFill>
+                  </a:tcPr>
+                </a:tc>
+                <a:extLst>
+                  <a:ext uri="{0D108BD9-81ED-4DB2-BD59-A6C34878D82A}">
+                    <a16:rowId xmlns:a16="http://schemas.microsoft.com/office/drawing/2014/main" val="1458205891"/>
+                  </a:ext>
+                </a:extLst>
+              </a:tr>
+              <a:tr h="548640">
+                <a:tc>
+                  <a:txBody>
+                    <a:bodyPr/>
+                    <a:lstStyle/>
+                    <a:p>
+                      <a:pPr algn="ctr" latinLnBrk="1"/>
+                      <a:r>
+                        <a:rPr lang="ko-KR" altLang="en-US" sz="1000" dirty="0" smtClean="0">
+                          <a:solidFill>
+                            <a:schemeClr val="bg1"/>
+                          </a:solidFill>
+                        </a:rPr>
+                        <a:t>패킷 감시 툴 활용</a:t>
+                      </a:r>
+                      <a:endParaRPr lang="ko-KR" altLang="en-US" sz="1000" dirty="0">
+                        <a:solidFill>
+                          <a:schemeClr val="bg1"/>
+                        </a:solidFill>
+                      </a:endParaRPr>
+                    </a:p>
+                  </a:txBody>
+                  <a:tcPr anchor="ctr">
+                    <a:solidFill>
+                      <a:srgbClr val="3049EB"/>
+                    </a:solidFill>
+                  </a:tcPr>
+                </a:tc>
+                <a:tc>
+                  <a:txBody>
+                    <a:bodyPr/>
+                    <a:lstStyle/>
+                    <a:p>
+                      <a:pPr algn="ctr" latinLnBrk="1"/>
+                      <a:r>
+                        <a:rPr lang="en-US" altLang="ko-KR" sz="1000" dirty="0" err="1" smtClean="0">
+                          <a:solidFill>
+                            <a:schemeClr val="bg1"/>
+                          </a:solidFill>
+                        </a:rPr>
+                        <a:t>Ip</a:t>
+                      </a:r>
+                      <a:r>
+                        <a:rPr lang="en-US" altLang="ko-KR" sz="1000" dirty="0" smtClean="0">
+                          <a:solidFill>
+                            <a:schemeClr val="bg1"/>
+                          </a:solidFill>
+                        </a:rPr>
+                        <a:t> neigh, </a:t>
+                      </a:r>
+                      <a:r>
+                        <a:rPr lang="en-US" altLang="ko-KR" sz="1000" dirty="0" err="1" smtClean="0">
+                          <a:solidFill>
+                            <a:schemeClr val="bg1"/>
+                          </a:solidFill>
+                        </a:rPr>
+                        <a:t>tcpdump</a:t>
+                      </a:r>
+                      <a:r>
+                        <a:rPr lang="en-US" altLang="ko-KR" sz="1000" dirty="0" smtClean="0">
+                          <a:solidFill>
+                            <a:schemeClr val="bg1"/>
+                          </a:solidFill>
+                        </a:rPr>
+                        <a:t>,</a:t>
+                      </a:r>
+                      <a:r>
+                        <a:rPr lang="en-US" altLang="ko-KR" sz="1000" baseline="0" dirty="0" smtClean="0">
+                          <a:solidFill>
+                            <a:schemeClr val="bg1"/>
+                          </a:solidFill>
+                        </a:rPr>
+                        <a:t> Wireshark</a:t>
+                      </a:r>
+                      <a:r>
+                        <a:rPr lang="ko-KR" altLang="en-US" sz="1000" baseline="0" dirty="0" smtClean="0">
+                          <a:solidFill>
+                            <a:schemeClr val="bg1"/>
+                          </a:solidFill>
+                        </a:rPr>
+                        <a:t>등으로 실시간 감시</a:t>
+                      </a:r>
+                      <a:endParaRPr lang="ko-KR" altLang="en-US" sz="1000" dirty="0">
+                        <a:solidFill>
+                          <a:schemeClr val="bg1"/>
+                        </a:solidFill>
+                      </a:endParaRPr>
+                    </a:p>
+                  </a:txBody>
+                  <a:tcPr anchor="ctr">
+                    <a:solidFill>
+                      <a:srgbClr val="3049EB"/>
+                    </a:solidFill>
+                  </a:tcPr>
+                </a:tc>
+                <a:tc>
+                  <a:txBody>
+                    <a:bodyPr/>
+                    <a:lstStyle/>
+                    <a:p>
+                      <a:pPr algn="ctr" latinLnBrk="1"/>
+                      <a:r>
+                        <a:rPr lang="en-US" altLang="ko-KR" sz="1000" dirty="0" err="1" smtClean="0">
+                          <a:solidFill>
+                            <a:schemeClr val="bg1"/>
+                          </a:solidFill>
+                        </a:rPr>
+                        <a:t>Tcpdump</a:t>
+                      </a:r>
+                      <a:r>
+                        <a:rPr lang="en-US" altLang="ko-KR" sz="1000" dirty="0" smtClean="0">
+                          <a:solidFill>
+                            <a:schemeClr val="bg1"/>
+                          </a:solidFill>
+                        </a:rPr>
+                        <a:t> –I eth0</a:t>
+                      </a:r>
+                      <a:r>
+                        <a:rPr lang="en-US" altLang="ko-KR" sz="1000" baseline="0" dirty="0" smtClean="0">
+                          <a:solidFill>
+                            <a:schemeClr val="bg1"/>
+                          </a:solidFill>
+                        </a:rPr>
+                        <a:t> </a:t>
+                      </a:r>
+                      <a:r>
+                        <a:rPr lang="en-US" altLang="ko-KR" sz="1000" baseline="0" dirty="0" err="1" smtClean="0">
+                          <a:solidFill>
+                            <a:schemeClr val="bg1"/>
+                          </a:solidFill>
+                        </a:rPr>
+                        <a:t>arp</a:t>
+                      </a:r>
+                      <a:endParaRPr lang="ko-KR" altLang="en-US" sz="1000" dirty="0">
+                        <a:solidFill>
+                          <a:schemeClr val="bg1"/>
+                        </a:solidFill>
+                      </a:endParaRPr>
+                    </a:p>
+                  </a:txBody>
+                  <a:tcPr anchor="ctr">
+                    <a:solidFill>
+                      <a:srgbClr val="3049EB"/>
+                    </a:solidFill>
+                  </a:tcPr>
+                </a:tc>
+                <a:extLst>
+                  <a:ext uri="{0D108BD9-81ED-4DB2-BD59-A6C34878D82A}">
+                    <a16:rowId xmlns:a16="http://schemas.microsoft.com/office/drawing/2014/main" val="1333147416"/>
+                  </a:ext>
+                </a:extLst>
+              </a:tr>
+              <a:tr h="396240">
+                <a:tc>
+                  <a:txBody>
+                    <a:bodyPr/>
+                    <a:lstStyle/>
+                    <a:p>
+                      <a:pPr algn="ctr" latinLnBrk="1"/>
+                      <a:r>
+                        <a:rPr lang="en-US" altLang="ko-KR" sz="1000" dirty="0" smtClean="0">
+                          <a:solidFill>
+                            <a:schemeClr val="bg1"/>
+                          </a:solidFill>
+                        </a:rPr>
+                        <a:t>2FA </a:t>
+                      </a:r>
+                      <a:r>
+                        <a:rPr lang="ko-KR" altLang="en-US" sz="1000" dirty="0" smtClean="0">
+                          <a:solidFill>
+                            <a:schemeClr val="bg1"/>
+                          </a:solidFill>
+                        </a:rPr>
+                        <a:t>정용</a:t>
+                      </a:r>
+                      <a:endParaRPr lang="ko-KR" altLang="en-US" sz="1000" dirty="0">
+                        <a:solidFill>
+                          <a:schemeClr val="bg1"/>
+                        </a:solidFill>
+                      </a:endParaRPr>
+                    </a:p>
+                  </a:txBody>
+                  <a:tcPr anchor="ctr">
+                    <a:solidFill>
+                      <a:srgbClr val="3049EB"/>
+                    </a:solidFill>
+                  </a:tcPr>
+                </a:tc>
+                <a:tc>
+                  <a:txBody>
+                    <a:bodyPr/>
+                    <a:lstStyle/>
+                    <a:p>
+                      <a:pPr algn="ctr" latinLnBrk="1"/>
+                      <a:r>
+                        <a:rPr lang="ko-KR" altLang="en-US" sz="1000" dirty="0" smtClean="0">
+                          <a:solidFill>
+                            <a:schemeClr val="bg1"/>
+                          </a:solidFill>
+                        </a:rPr>
+                        <a:t>세션 </a:t>
+                      </a:r>
+                      <a:r>
+                        <a:rPr lang="ko-KR" altLang="en-US" sz="1000" dirty="0" err="1" smtClean="0">
+                          <a:solidFill>
+                            <a:schemeClr val="bg1"/>
+                          </a:solidFill>
+                        </a:rPr>
+                        <a:t>쿠기가</a:t>
+                      </a:r>
+                      <a:r>
+                        <a:rPr lang="ko-KR" altLang="en-US" sz="1000" dirty="0" smtClean="0">
+                          <a:solidFill>
+                            <a:schemeClr val="bg1"/>
+                          </a:solidFill>
+                        </a:rPr>
+                        <a:t> 탈취돼도 계정 침해 어려움</a:t>
+                      </a:r>
+                      <a:endParaRPr lang="ko-KR" altLang="en-US" sz="1000" dirty="0">
+                        <a:solidFill>
+                          <a:schemeClr val="bg1"/>
+                        </a:solidFill>
+                      </a:endParaRPr>
+                    </a:p>
+                  </a:txBody>
+                  <a:tcPr anchor="ctr">
+                    <a:solidFill>
+                      <a:srgbClr val="3049EB"/>
+                    </a:solidFill>
+                  </a:tcPr>
+                </a:tc>
+                <a:tc>
+                  <a:txBody>
+                    <a:bodyPr/>
+                    <a:lstStyle/>
+                    <a:p>
+                      <a:pPr algn="ctr" latinLnBrk="1"/>
+                      <a:r>
+                        <a:rPr lang="ko-KR" altLang="en-US" sz="1000" dirty="0" smtClean="0">
+                          <a:solidFill>
+                            <a:schemeClr val="bg1"/>
+                          </a:solidFill>
+                        </a:rPr>
+                        <a:t>구글</a:t>
+                      </a:r>
+                      <a:r>
+                        <a:rPr lang="en-US" altLang="ko-KR" sz="1000" dirty="0" smtClean="0">
+                          <a:solidFill>
+                            <a:schemeClr val="bg1"/>
+                          </a:solidFill>
+                        </a:rPr>
+                        <a:t>OTP, </a:t>
+                      </a:r>
+                      <a:r>
+                        <a:rPr lang="ko-KR" altLang="en-US" sz="1000" dirty="0" smtClean="0">
+                          <a:solidFill>
+                            <a:schemeClr val="bg1"/>
+                          </a:solidFill>
+                        </a:rPr>
+                        <a:t>이메일 인증 등</a:t>
+                      </a:r>
+                      <a:endParaRPr lang="ko-KR" altLang="en-US" sz="1000" dirty="0">
+                        <a:solidFill>
+                          <a:schemeClr val="bg1"/>
+                        </a:solidFill>
+                      </a:endParaRPr>
+                    </a:p>
+                  </a:txBody>
+                  <a:tcPr anchor="ctr">
+                    <a:solidFill>
+                      <a:srgbClr val="3049EB"/>
+                    </a:solidFill>
+                  </a:tcPr>
+                </a:tc>
+                <a:extLst>
+                  <a:ext uri="{0D108BD9-81ED-4DB2-BD59-A6C34878D82A}">
+                    <a16:rowId xmlns:a16="http://schemas.microsoft.com/office/drawing/2014/main" val="66554768"/>
+                  </a:ext>
+                </a:extLst>
+              </a:tr>
+            </a:tbl>
+          </a:graphicData>
+        </a:graphic>
+      </p:graphicFrame>
+      <p:sp>
+        <p:nvSpPr>
+          <p:cNvPr id="51" name="TextBox 50"/>
+          <p:cNvSpPr txBox="1"/>
+          <p:nvPr/>
+        </p:nvSpPr>
+        <p:spPr>
+          <a:xfrm>
+            <a:off x="6896158" y="1090537"/>
+            <a:ext cx="5060301" cy="323165"/>
+          </a:xfrm>
+          <a:prstGeom prst="rect">
+            <a:avLst/>
+          </a:prstGeom>
+          <a:noFill/>
+        </p:spPr>
+        <p:txBody>
+          <a:bodyPr wrap="square" rtlCol="0" anchor="b" anchorCtr="0">
+            <a:spAutoFit/>
+          </a:bodyPr>
+          <a:lstStyle/>
+          <a:p>
+            <a:r>
+              <a:rPr lang="ko-KR" altLang="en-US" sz="1500" dirty="0" err="1" smtClean="0">
+                <a:solidFill>
+                  <a:schemeClr val="bg1"/>
+                </a:solidFill>
+                <a:latin typeface="HY헤드라인M" panose="02030600000101010101" pitchFamily="18" charset="-127"/>
+                <a:ea typeface="HY헤드라인M" panose="02030600000101010101" pitchFamily="18" charset="-127"/>
+              </a:rPr>
+              <a:t>스푸핑</a:t>
+            </a:r>
+            <a:r>
+              <a:rPr lang="ko-KR" altLang="en-US" sz="1500" dirty="0" smtClean="0">
+                <a:solidFill>
+                  <a:schemeClr val="bg1"/>
+                </a:solidFill>
+                <a:latin typeface="HY헤드라인M" panose="02030600000101010101" pitchFamily="18" charset="-127"/>
+                <a:ea typeface="HY헤드라인M" panose="02030600000101010101" pitchFamily="18" charset="-127"/>
+              </a:rPr>
+              <a:t> 방지</a:t>
+            </a:r>
+            <a:endParaRPr lang="ko-KR" altLang="en-US" sz="1500" dirty="0">
+              <a:solidFill>
+                <a:schemeClr val="bg1"/>
+              </a:solidFill>
+              <a:latin typeface="HY헤드라인M" panose="02030600000101010101" pitchFamily="18" charset="-127"/>
+              <a:ea typeface="HY헤드라인M" panose="02030600000101010101" pitchFamily="18" charset="-127"/>
+            </a:endParaRPr>
+          </a:p>
+        </p:txBody>
+      </p:sp>
+      <p:sp>
+        <p:nvSpPr>
+          <p:cNvPr id="52" name="TextBox 51"/>
+          <p:cNvSpPr txBox="1"/>
+          <p:nvPr/>
+        </p:nvSpPr>
+        <p:spPr>
+          <a:xfrm>
+            <a:off x="6879772" y="3229524"/>
+            <a:ext cx="5060301" cy="323165"/>
+          </a:xfrm>
+          <a:prstGeom prst="rect">
+            <a:avLst/>
+          </a:prstGeom>
+          <a:noFill/>
+        </p:spPr>
+        <p:txBody>
+          <a:bodyPr wrap="square" rtlCol="0" anchor="b" anchorCtr="0">
+            <a:spAutoFit/>
+          </a:bodyPr>
+          <a:lstStyle/>
+          <a:p>
+            <a:r>
+              <a:rPr lang="en-US" altLang="ko-KR" sz="1500" dirty="0" smtClean="0">
+                <a:solidFill>
+                  <a:schemeClr val="bg1"/>
+                </a:solidFill>
+                <a:latin typeface="HY헤드라인M" panose="02030600000101010101" pitchFamily="18" charset="-127"/>
+                <a:ea typeface="HY헤드라인M" panose="02030600000101010101" pitchFamily="18" charset="-127"/>
+              </a:rPr>
+              <a:t>MITM </a:t>
+            </a:r>
+            <a:r>
+              <a:rPr lang="ko-KR" altLang="en-US" sz="1500" dirty="0" smtClean="0">
+                <a:solidFill>
+                  <a:schemeClr val="bg1"/>
+                </a:solidFill>
+                <a:latin typeface="HY헤드라인M" panose="02030600000101010101" pitchFamily="18" charset="-127"/>
+                <a:ea typeface="HY헤드라인M" panose="02030600000101010101" pitchFamily="18" charset="-127"/>
+              </a:rPr>
+              <a:t>방</a:t>
+            </a:r>
+            <a:r>
+              <a:rPr lang="ko-KR" altLang="en-US" sz="1500" dirty="0" smtClean="0">
+                <a:solidFill>
+                  <a:schemeClr val="bg1"/>
+                </a:solidFill>
+                <a:latin typeface="HY헤드라인M" panose="02030600000101010101" pitchFamily="18" charset="-127"/>
+                <a:ea typeface="HY헤드라인M" panose="02030600000101010101" pitchFamily="18" charset="-127"/>
+              </a:rPr>
+              <a:t>지</a:t>
+            </a:r>
+            <a:endParaRPr lang="ko-KR" altLang="en-US" sz="1500" dirty="0">
+              <a:solidFill>
+                <a:schemeClr val="bg1"/>
+              </a:solidFill>
+              <a:latin typeface="HY헤드라인M" panose="02030600000101010101" pitchFamily="18" charset="-127"/>
+              <a:ea typeface="HY헤드라인M" panose="02030600000101010101" pitchFamily="18" charset="-127"/>
+            </a:endParaRPr>
+          </a:p>
+        </p:txBody>
+      </p:sp>
+      <p:cxnSp>
+        <p:nvCxnSpPr>
+          <p:cNvPr id="54" name="직선 화살표 연결선 53"/>
+          <p:cNvCxnSpPr/>
+          <p:nvPr/>
+        </p:nvCxnSpPr>
+        <p:spPr>
+          <a:xfrm flipH="1">
+            <a:off x="4927536" y="1861553"/>
+            <a:ext cx="1952236" cy="1776997"/>
+          </a:xfrm>
+          <a:prstGeom prst="straightConnector1">
+            <a:avLst/>
+          </a:prstGeom>
+          <a:ln>
+            <a:solidFill>
+              <a:srgbClr val="FF0000"/>
+            </a:solidFill>
+            <a:tailEnd type="triangle"/>
+          </a:ln>
+        </p:spPr>
+        <p:style>
+          <a:lnRef idx="1">
+            <a:schemeClr val="accent1"/>
+          </a:lnRef>
+          <a:fillRef idx="0">
+            <a:schemeClr val="accent1"/>
+          </a:fillRef>
+          <a:effectRef idx="0">
+            <a:schemeClr val="accent1"/>
+          </a:effectRef>
+          <a:fontRef idx="minor">
+            <a:schemeClr val="tx1"/>
+          </a:fontRef>
+        </p:style>
+      </p:cxnSp>
     </p:spTree>
     <p:extLst>
       <p:ext uri="{BB962C8B-B14F-4D97-AF65-F5344CB8AC3E}">
-        <p14:creationId xmlns:p14="http://schemas.microsoft.com/office/powerpoint/2010/main" val="3939286722"/>
+        <p14:creationId xmlns:p14="http://schemas.microsoft.com/office/powerpoint/2010/main" val="2783493952"/>
       </p:ext>
     </p:extLst>
   </p:cSld>
@@ -21249,7 +25099,7 @@
 </p:sld>
 </file>
 
-<file path=ppt/slides/slide7.xml><?xml version="1.0" encoding="utf-8"?>
+<file path=ppt/slides/slide8.xml><?xml version="1.0" encoding="utf-8"?>
 <p:sld xmlns:a="http://schemas.openxmlformats.org/drawingml/2006/main" xmlns:r="http://schemas.openxmlformats.org/officeDocument/2006/relationships" xmlns:p="http://schemas.openxmlformats.org/presentationml/2006/main">
   <p:cSld>
     <p:spTree>
@@ -21691,17 +25541,7 @@
                 <a:latin typeface="HY헤드라인M" panose="02030600000101010101" pitchFamily="18" charset="-127"/>
                 <a:ea typeface="HY헤드라인M" panose="02030600000101010101" pitchFamily="18" charset="-127"/>
               </a:rPr>
-              <a:t> (</a:t>
-            </a:r>
-            <a:r>
-              <a:rPr lang="en-US" altLang="ko-KR" sz="3200" dirty="0" smtClean="0">
-                <a:solidFill>
-                  <a:schemeClr val="bg1"/>
-                </a:solidFill>
-                <a:latin typeface="HY헤드라인M" panose="02030600000101010101" pitchFamily="18" charset="-127"/>
-                <a:ea typeface="HY헤드라인M" panose="02030600000101010101" pitchFamily="18" charset="-127"/>
-              </a:rPr>
-              <a:t>Monitoring)</a:t>
+              <a:t> (Monitoring)</a:t>
             </a:r>
             <a:endParaRPr lang="ko-KR" altLang="en-US" sz="3200" dirty="0">
               <a:solidFill>
@@ -22732,7 +26572,7 @@
 </p:sld>
 </file>
 
-<file path=ppt/slides/slide8.xml><?xml version="1.0" encoding="utf-8"?>
+<file path=ppt/slides/slide9.xml><?xml version="1.0" encoding="utf-8"?>
 <p:sld xmlns:a="http://schemas.openxmlformats.org/drawingml/2006/main" xmlns:r="http://schemas.openxmlformats.org/officeDocument/2006/relationships" xmlns:p="http://schemas.openxmlformats.org/presentationml/2006/main">
   <p:cSld>
     <p:spTree>
@@ -24183,1107 +28023,6 @@
     <p:extLst>
       <p:ext uri="{BB962C8B-B14F-4D97-AF65-F5344CB8AC3E}">
         <p14:creationId xmlns:p14="http://schemas.microsoft.com/office/powerpoint/2010/main" val="2625356881"/>
-      </p:ext>
-    </p:extLst>
-  </p:cSld>
-  <p:clrMapOvr>
-    <a:masterClrMapping/>
-  </p:clrMapOvr>
-  <p:timing>
-    <p:tnLst>
-      <p:par>
-        <p:cTn id="1" dur="indefinite" restart="never" nodeType="tmRoot"/>
-      </p:par>
-    </p:tnLst>
-  </p:timing>
-</p:sld>
-</file>
-
-<file path=ppt/slides/slide9.xml><?xml version="1.0" encoding="utf-8"?>
-<p:sld xmlns:a="http://schemas.openxmlformats.org/drawingml/2006/main" xmlns:r="http://schemas.openxmlformats.org/officeDocument/2006/relationships" xmlns:p="http://schemas.openxmlformats.org/presentationml/2006/main">
-  <p:cSld>
-    <p:spTree>
-      <p:nvGrpSpPr>
-        <p:cNvPr id="1" name=""/>
-        <p:cNvGrpSpPr/>
-        <p:nvPr/>
-      </p:nvGrpSpPr>
-      <p:grpSpPr>
-        <a:xfrm>
-          <a:off x="0" y="0"/>
-          <a:ext cx="0" cy="0"/>
-          <a:chOff x="0" y="0"/>
-          <a:chExt cx="0" cy="0"/>
-        </a:xfrm>
-      </p:grpSpPr>
-      <p:sp>
-        <p:nvSpPr>
-          <p:cNvPr id="4" name="직사각형 3"/>
-          <p:cNvSpPr/>
-          <p:nvPr/>
-        </p:nvSpPr>
-        <p:spPr>
-          <a:xfrm>
-            <a:off x="0" y="0"/>
-            <a:ext cx="12192000" cy="6520069"/>
-          </a:xfrm>
-          <a:prstGeom prst="rect">
-            <a:avLst/>
-          </a:prstGeom>
-          <a:solidFill>
-            <a:srgbClr val="3049EB">
-              <a:alpha val="60000"/>
-            </a:srgbClr>
-          </a:solidFill>
-        </p:spPr>
-        <p:style>
-          <a:lnRef idx="2">
-            <a:schemeClr val="accent1">
-              <a:shade val="50000"/>
-            </a:schemeClr>
-          </a:lnRef>
-          <a:fillRef idx="1">
-            <a:schemeClr val="accent1"/>
-          </a:fillRef>
-          <a:effectRef idx="0">
-            <a:schemeClr val="accent1"/>
-          </a:effectRef>
-          <a:fontRef idx="minor">
-            <a:schemeClr val="lt1"/>
-          </a:fontRef>
-        </p:style>
-        <p:txBody>
-          <a:bodyPr rtlCol="0" anchor="ctr"/>
-          <a:lstStyle/>
-          <a:p>
-            <a:pPr algn="ctr"/>
-            <a:endParaRPr lang="ko-KR" altLang="en-US" dirty="0"/>
-          </a:p>
-        </p:txBody>
-      </p:sp>
-      <p:sp>
-        <p:nvSpPr>
-          <p:cNvPr id="5" name="직사각형 4"/>
-          <p:cNvSpPr/>
-          <p:nvPr/>
-        </p:nvSpPr>
-        <p:spPr>
-          <a:xfrm>
-            <a:off x="0" y="6520069"/>
-            <a:ext cx="12192000" cy="337932"/>
-          </a:xfrm>
-          <a:prstGeom prst="rect">
-            <a:avLst/>
-          </a:prstGeom>
-          <a:solidFill>
-            <a:srgbClr val="132584"/>
-          </a:solidFill>
-        </p:spPr>
-        <p:style>
-          <a:lnRef idx="2">
-            <a:schemeClr val="accent1">
-              <a:shade val="50000"/>
-            </a:schemeClr>
-          </a:lnRef>
-          <a:fillRef idx="1">
-            <a:schemeClr val="accent1"/>
-          </a:fillRef>
-          <a:effectRef idx="0">
-            <a:schemeClr val="accent1"/>
-          </a:effectRef>
-          <a:fontRef idx="minor">
-            <a:schemeClr val="lt1"/>
-          </a:fontRef>
-        </p:style>
-        <p:txBody>
-          <a:bodyPr rtlCol="0" anchor="ctr"/>
-          <a:lstStyle/>
-          <a:p>
-            <a:pPr algn="ctr"/>
-            <a:endParaRPr lang="ko-KR" altLang="en-US"/>
-          </a:p>
-        </p:txBody>
-      </p:sp>
-      <p:sp>
-        <p:nvSpPr>
-          <p:cNvPr id="12" name="TextBox 11"/>
-          <p:cNvSpPr txBox="1"/>
-          <p:nvPr/>
-        </p:nvSpPr>
-        <p:spPr>
-          <a:xfrm>
-            <a:off x="821095" y="144559"/>
-            <a:ext cx="11010121" cy="553998"/>
-          </a:xfrm>
-          <a:prstGeom prst="rect">
-            <a:avLst/>
-          </a:prstGeom>
-          <a:noFill/>
-        </p:spPr>
-        <p:txBody>
-          <a:bodyPr wrap="square" rtlCol="0" anchor="b" anchorCtr="0">
-            <a:spAutoFit/>
-          </a:bodyPr>
-          <a:lstStyle/>
-          <a:p>
-            <a:r>
-              <a:rPr lang="ko-KR" altLang="en-US" sz="3000" dirty="0">
-                <a:solidFill>
-                  <a:schemeClr val="lt1"/>
-                </a:solidFill>
-                <a:effectLst>
-                  <a:outerShdw blurRad="76200" dist="76200" dir="2700000" algn="ctr" rotWithShape="0">
-                    <a:srgbClr val="000000">
-                      <a:alpha val="50000"/>
-                    </a:srgbClr>
-                  </a:outerShdw>
-                </a:effectLst>
-                <a:latin typeface="Arial Black"/>
-              </a:rPr>
-              <a:t>🔐 로그인 실패/성공 탐지 실습</a:t>
-            </a:r>
-            <a:endParaRPr lang="ko-KR" altLang="en-US" sz="3000" dirty="0">
-              <a:solidFill>
-                <a:schemeClr val="bg1"/>
-              </a:solidFill>
-              <a:latin typeface="HY헤드라인M" panose="02030600000101010101" pitchFamily="18" charset="-127"/>
-              <a:ea typeface="HY헤드라인M" panose="02030600000101010101" pitchFamily="18" charset="-127"/>
-            </a:endParaRPr>
-          </a:p>
-        </p:txBody>
-      </p:sp>
-      <p:cxnSp>
-        <p:nvCxnSpPr>
-          <p:cNvPr id="15" name="직선 연결선 14"/>
-          <p:cNvCxnSpPr/>
-          <p:nvPr/>
-        </p:nvCxnSpPr>
-        <p:spPr>
-          <a:xfrm>
-            <a:off x="406023" y="789091"/>
-            <a:ext cx="11305309" cy="49876"/>
-          </a:xfrm>
-          <a:prstGeom prst="line">
-            <a:avLst/>
-          </a:prstGeom>
-          <a:ln>
-            <a:solidFill>
-              <a:srgbClr val="3049EB"/>
-            </a:solidFill>
-          </a:ln>
-        </p:spPr>
-        <p:style>
-          <a:lnRef idx="1">
-            <a:schemeClr val="accent1"/>
-          </a:lnRef>
-          <a:fillRef idx="0">
-            <a:schemeClr val="accent1"/>
-          </a:fillRef>
-          <a:effectRef idx="0">
-            <a:schemeClr val="accent1"/>
-          </a:effectRef>
-          <a:fontRef idx="minor">
-            <a:schemeClr val="tx1"/>
-          </a:fontRef>
-        </p:style>
-      </p:cxnSp>
-      <p:sp>
-        <p:nvSpPr>
-          <p:cNvPr id="3" name="순서도: 수동 입력 2"/>
-          <p:cNvSpPr/>
-          <p:nvPr/>
-        </p:nvSpPr>
-        <p:spPr>
-          <a:xfrm>
-            <a:off x="406023" y="-276743"/>
-            <a:ext cx="142617" cy="1032862"/>
-          </a:xfrm>
-          <a:custGeom>
-            <a:avLst/>
-            <a:gdLst>
-              <a:gd name="connsiteX0" fmla="*/ 0 w 10000"/>
-              <a:gd name="connsiteY0" fmla="*/ 2000 h 10000"/>
-              <a:gd name="connsiteX1" fmla="*/ 10000 w 10000"/>
-              <a:gd name="connsiteY1" fmla="*/ 0 h 10000"/>
-              <a:gd name="connsiteX2" fmla="*/ 10000 w 10000"/>
-              <a:gd name="connsiteY2" fmla="*/ 10000 h 10000"/>
-              <a:gd name="connsiteX3" fmla="*/ 0 w 10000"/>
-              <a:gd name="connsiteY3" fmla="*/ 10000 h 10000"/>
-              <a:gd name="connsiteX4" fmla="*/ 0 w 10000"/>
-              <a:gd name="connsiteY4" fmla="*/ 2000 h 10000"/>
-              <a:gd name="connsiteX0" fmla="*/ 1309 w 10000"/>
-              <a:gd name="connsiteY0" fmla="*/ 0 h 10208"/>
-              <a:gd name="connsiteX1" fmla="*/ 10000 w 10000"/>
-              <a:gd name="connsiteY1" fmla="*/ 208 h 10208"/>
-              <a:gd name="connsiteX2" fmla="*/ 10000 w 10000"/>
-              <a:gd name="connsiteY2" fmla="*/ 10208 h 10208"/>
-              <a:gd name="connsiteX3" fmla="*/ 0 w 10000"/>
-              <a:gd name="connsiteY3" fmla="*/ 10208 h 10208"/>
-              <a:gd name="connsiteX4" fmla="*/ 1309 w 10000"/>
-              <a:gd name="connsiteY4" fmla="*/ 0 h 10208"/>
-              <a:gd name="connsiteX0" fmla="*/ 1309 w 10000"/>
-              <a:gd name="connsiteY0" fmla="*/ 0 h 10208"/>
-              <a:gd name="connsiteX1" fmla="*/ 10000 w 10000"/>
-              <a:gd name="connsiteY1" fmla="*/ 208 h 10208"/>
-              <a:gd name="connsiteX2" fmla="*/ 10000 w 10000"/>
-              <a:gd name="connsiteY2" fmla="*/ 10208 h 10208"/>
-              <a:gd name="connsiteX3" fmla="*/ 0 w 10000"/>
-              <a:gd name="connsiteY3" fmla="*/ 8100 h 10208"/>
-              <a:gd name="connsiteX4" fmla="*/ 1309 w 10000"/>
-              <a:gd name="connsiteY4" fmla="*/ 0 h 10208"/>
-              <a:gd name="connsiteX0" fmla="*/ 0 w 10654"/>
-              <a:gd name="connsiteY0" fmla="*/ 695 h 10000"/>
-              <a:gd name="connsiteX1" fmla="*/ 10654 w 10654"/>
-              <a:gd name="connsiteY1" fmla="*/ 0 h 10000"/>
-              <a:gd name="connsiteX2" fmla="*/ 10654 w 10654"/>
-              <a:gd name="connsiteY2" fmla="*/ 10000 h 10000"/>
-              <a:gd name="connsiteX3" fmla="*/ 654 w 10654"/>
-              <a:gd name="connsiteY3" fmla="*/ 7892 h 10000"/>
-              <a:gd name="connsiteX4" fmla="*/ 0 w 10654"/>
-              <a:gd name="connsiteY4" fmla="*/ 695 h 10000"/>
-              <a:gd name="connsiteX0" fmla="*/ 0 w 10654"/>
-              <a:gd name="connsiteY0" fmla="*/ 0 h 11112"/>
-              <a:gd name="connsiteX1" fmla="*/ 10654 w 10654"/>
-              <a:gd name="connsiteY1" fmla="*/ 1112 h 11112"/>
-              <a:gd name="connsiteX2" fmla="*/ 10654 w 10654"/>
-              <a:gd name="connsiteY2" fmla="*/ 11112 h 11112"/>
-              <a:gd name="connsiteX3" fmla="*/ 654 w 10654"/>
-              <a:gd name="connsiteY3" fmla="*/ 9004 h 11112"/>
-              <a:gd name="connsiteX4" fmla="*/ 0 w 10654"/>
-              <a:gd name="connsiteY4" fmla="*/ 0 h 11112"/>
-              <a:gd name="connsiteX0" fmla="*/ 348 w 10000"/>
-              <a:gd name="connsiteY0" fmla="*/ 0 h 11112"/>
-              <a:gd name="connsiteX1" fmla="*/ 10000 w 10000"/>
-              <a:gd name="connsiteY1" fmla="*/ 1112 h 11112"/>
-              <a:gd name="connsiteX2" fmla="*/ 10000 w 10000"/>
-              <a:gd name="connsiteY2" fmla="*/ 11112 h 11112"/>
-              <a:gd name="connsiteX3" fmla="*/ 0 w 10000"/>
-              <a:gd name="connsiteY3" fmla="*/ 9004 h 11112"/>
-              <a:gd name="connsiteX4" fmla="*/ 348 w 10000"/>
-              <a:gd name="connsiteY4" fmla="*/ 0 h 11112"/>
-            </a:gdLst>
-            <a:ahLst/>
-            <a:cxnLst>
-              <a:cxn ang="0">
-                <a:pos x="connsiteX0" y="connsiteY0"/>
-              </a:cxn>
-              <a:cxn ang="0">
-                <a:pos x="connsiteX1" y="connsiteY1"/>
-              </a:cxn>
-              <a:cxn ang="0">
-                <a:pos x="connsiteX2" y="connsiteY2"/>
-              </a:cxn>
-              <a:cxn ang="0">
-                <a:pos x="connsiteX3" y="connsiteY3"/>
-              </a:cxn>
-              <a:cxn ang="0">
-                <a:pos x="connsiteX4" y="connsiteY4"/>
-              </a:cxn>
-            </a:cxnLst>
-            <a:rect l="l" t="t" r="r" b="b"/>
-            <a:pathLst>
-              <a:path w="10000" h="11112">
-                <a:moveTo>
-                  <a:pt x="348" y="0"/>
-                </a:moveTo>
-                <a:lnTo>
-                  <a:pt x="10000" y="1112"/>
-                </a:lnTo>
-                <a:lnTo>
-                  <a:pt x="10000" y="11112"/>
-                </a:lnTo>
-                <a:lnTo>
-                  <a:pt x="0" y="9004"/>
-                </a:lnTo>
-                <a:lnTo>
-                  <a:pt x="348" y="0"/>
-                </a:lnTo>
-                <a:close/>
-              </a:path>
-            </a:pathLst>
-          </a:custGeom>
-          <a:solidFill>
-            <a:schemeClr val="bg1"/>
-          </a:solidFill>
-          <a:ln>
-            <a:solidFill>
-              <a:schemeClr val="bg1"/>
-            </a:solidFill>
-          </a:ln>
-        </p:spPr>
-        <p:style>
-          <a:lnRef idx="2">
-            <a:schemeClr val="accent1">
-              <a:shade val="50000"/>
-            </a:schemeClr>
-          </a:lnRef>
-          <a:fillRef idx="1">
-            <a:schemeClr val="accent1"/>
-          </a:fillRef>
-          <a:effectRef idx="0">
-            <a:schemeClr val="accent1"/>
-          </a:effectRef>
-          <a:fontRef idx="minor">
-            <a:schemeClr val="lt1"/>
-          </a:fontRef>
-        </p:style>
-        <p:txBody>
-          <a:bodyPr rtlCol="0" anchor="ctr"/>
-          <a:lstStyle/>
-          <a:p>
-            <a:pPr algn="ctr"/>
-            <a:endParaRPr lang="ko-KR" altLang="en-US"/>
-          </a:p>
-        </p:txBody>
-      </p:sp>
-      <p:sp>
-        <p:nvSpPr>
-          <p:cNvPr id="10" name="순서도: 수동 입력 2"/>
-          <p:cNvSpPr/>
-          <p:nvPr/>
-        </p:nvSpPr>
-        <p:spPr>
-          <a:xfrm>
-            <a:off x="198487" y="-516431"/>
-            <a:ext cx="142617" cy="1032862"/>
-          </a:xfrm>
-          <a:custGeom>
-            <a:avLst/>
-            <a:gdLst>
-              <a:gd name="connsiteX0" fmla="*/ 0 w 10000"/>
-              <a:gd name="connsiteY0" fmla="*/ 2000 h 10000"/>
-              <a:gd name="connsiteX1" fmla="*/ 10000 w 10000"/>
-              <a:gd name="connsiteY1" fmla="*/ 0 h 10000"/>
-              <a:gd name="connsiteX2" fmla="*/ 10000 w 10000"/>
-              <a:gd name="connsiteY2" fmla="*/ 10000 h 10000"/>
-              <a:gd name="connsiteX3" fmla="*/ 0 w 10000"/>
-              <a:gd name="connsiteY3" fmla="*/ 10000 h 10000"/>
-              <a:gd name="connsiteX4" fmla="*/ 0 w 10000"/>
-              <a:gd name="connsiteY4" fmla="*/ 2000 h 10000"/>
-              <a:gd name="connsiteX0" fmla="*/ 1309 w 10000"/>
-              <a:gd name="connsiteY0" fmla="*/ 0 h 10208"/>
-              <a:gd name="connsiteX1" fmla="*/ 10000 w 10000"/>
-              <a:gd name="connsiteY1" fmla="*/ 208 h 10208"/>
-              <a:gd name="connsiteX2" fmla="*/ 10000 w 10000"/>
-              <a:gd name="connsiteY2" fmla="*/ 10208 h 10208"/>
-              <a:gd name="connsiteX3" fmla="*/ 0 w 10000"/>
-              <a:gd name="connsiteY3" fmla="*/ 10208 h 10208"/>
-              <a:gd name="connsiteX4" fmla="*/ 1309 w 10000"/>
-              <a:gd name="connsiteY4" fmla="*/ 0 h 10208"/>
-              <a:gd name="connsiteX0" fmla="*/ 1309 w 10000"/>
-              <a:gd name="connsiteY0" fmla="*/ 0 h 10208"/>
-              <a:gd name="connsiteX1" fmla="*/ 10000 w 10000"/>
-              <a:gd name="connsiteY1" fmla="*/ 208 h 10208"/>
-              <a:gd name="connsiteX2" fmla="*/ 10000 w 10000"/>
-              <a:gd name="connsiteY2" fmla="*/ 10208 h 10208"/>
-              <a:gd name="connsiteX3" fmla="*/ 0 w 10000"/>
-              <a:gd name="connsiteY3" fmla="*/ 8100 h 10208"/>
-              <a:gd name="connsiteX4" fmla="*/ 1309 w 10000"/>
-              <a:gd name="connsiteY4" fmla="*/ 0 h 10208"/>
-              <a:gd name="connsiteX0" fmla="*/ 0 w 10654"/>
-              <a:gd name="connsiteY0" fmla="*/ 695 h 10000"/>
-              <a:gd name="connsiteX1" fmla="*/ 10654 w 10654"/>
-              <a:gd name="connsiteY1" fmla="*/ 0 h 10000"/>
-              <a:gd name="connsiteX2" fmla="*/ 10654 w 10654"/>
-              <a:gd name="connsiteY2" fmla="*/ 10000 h 10000"/>
-              <a:gd name="connsiteX3" fmla="*/ 654 w 10654"/>
-              <a:gd name="connsiteY3" fmla="*/ 7892 h 10000"/>
-              <a:gd name="connsiteX4" fmla="*/ 0 w 10654"/>
-              <a:gd name="connsiteY4" fmla="*/ 695 h 10000"/>
-              <a:gd name="connsiteX0" fmla="*/ 0 w 10654"/>
-              <a:gd name="connsiteY0" fmla="*/ 0 h 11112"/>
-              <a:gd name="connsiteX1" fmla="*/ 10654 w 10654"/>
-              <a:gd name="connsiteY1" fmla="*/ 1112 h 11112"/>
-              <a:gd name="connsiteX2" fmla="*/ 10654 w 10654"/>
-              <a:gd name="connsiteY2" fmla="*/ 11112 h 11112"/>
-              <a:gd name="connsiteX3" fmla="*/ 654 w 10654"/>
-              <a:gd name="connsiteY3" fmla="*/ 9004 h 11112"/>
-              <a:gd name="connsiteX4" fmla="*/ 0 w 10654"/>
-              <a:gd name="connsiteY4" fmla="*/ 0 h 11112"/>
-              <a:gd name="connsiteX0" fmla="*/ 348 w 10000"/>
-              <a:gd name="connsiteY0" fmla="*/ 0 h 11112"/>
-              <a:gd name="connsiteX1" fmla="*/ 10000 w 10000"/>
-              <a:gd name="connsiteY1" fmla="*/ 1112 h 11112"/>
-              <a:gd name="connsiteX2" fmla="*/ 10000 w 10000"/>
-              <a:gd name="connsiteY2" fmla="*/ 11112 h 11112"/>
-              <a:gd name="connsiteX3" fmla="*/ 0 w 10000"/>
-              <a:gd name="connsiteY3" fmla="*/ 9004 h 11112"/>
-              <a:gd name="connsiteX4" fmla="*/ 348 w 10000"/>
-              <a:gd name="connsiteY4" fmla="*/ 0 h 11112"/>
-            </a:gdLst>
-            <a:ahLst/>
-            <a:cxnLst>
-              <a:cxn ang="0">
-                <a:pos x="connsiteX0" y="connsiteY0"/>
-              </a:cxn>
-              <a:cxn ang="0">
-                <a:pos x="connsiteX1" y="connsiteY1"/>
-              </a:cxn>
-              <a:cxn ang="0">
-                <a:pos x="connsiteX2" y="connsiteY2"/>
-              </a:cxn>
-              <a:cxn ang="0">
-                <a:pos x="connsiteX3" y="connsiteY3"/>
-              </a:cxn>
-              <a:cxn ang="0">
-                <a:pos x="connsiteX4" y="connsiteY4"/>
-              </a:cxn>
-            </a:cxnLst>
-            <a:rect l="l" t="t" r="r" b="b"/>
-            <a:pathLst>
-              <a:path w="10000" h="11112">
-                <a:moveTo>
-                  <a:pt x="348" y="0"/>
-                </a:moveTo>
-                <a:lnTo>
-                  <a:pt x="10000" y="1112"/>
-                </a:lnTo>
-                <a:lnTo>
-                  <a:pt x="10000" y="11112"/>
-                </a:lnTo>
-                <a:lnTo>
-                  <a:pt x="0" y="9004"/>
-                </a:lnTo>
-                <a:lnTo>
-                  <a:pt x="348" y="0"/>
-                </a:lnTo>
-                <a:close/>
-              </a:path>
-            </a:pathLst>
-          </a:custGeom>
-          <a:solidFill>
-            <a:schemeClr val="bg1"/>
-          </a:solidFill>
-          <a:ln>
-            <a:solidFill>
-              <a:schemeClr val="bg1"/>
-            </a:solidFill>
-          </a:ln>
-        </p:spPr>
-        <p:style>
-          <a:lnRef idx="2">
-            <a:schemeClr val="accent1">
-              <a:shade val="50000"/>
-            </a:schemeClr>
-          </a:lnRef>
-          <a:fillRef idx="1">
-            <a:schemeClr val="accent1"/>
-          </a:fillRef>
-          <a:effectRef idx="0">
-            <a:schemeClr val="accent1"/>
-          </a:effectRef>
-          <a:fontRef idx="minor">
-            <a:schemeClr val="lt1"/>
-          </a:fontRef>
-        </p:style>
-        <p:txBody>
-          <a:bodyPr rtlCol="0" anchor="ctr"/>
-          <a:lstStyle/>
-          <a:p>
-            <a:pPr algn="ctr"/>
-            <a:endParaRPr lang="ko-KR" altLang="en-US"/>
-          </a:p>
-        </p:txBody>
-      </p:sp>
-      <p:sp>
-        <p:nvSpPr>
-          <p:cNvPr id="11" name="직사각형 10"/>
-          <p:cNvSpPr/>
-          <p:nvPr/>
-        </p:nvSpPr>
-        <p:spPr>
-          <a:xfrm>
-            <a:off x="681135" y="1115710"/>
-            <a:ext cx="4655975" cy="3189590"/>
-          </a:xfrm>
-          <a:prstGeom prst="rect">
-            <a:avLst/>
-          </a:prstGeom>
-          <a:solidFill>
-            <a:srgbClr val="3049EB"/>
-          </a:solidFill>
-          <a:ln>
-            <a:noFill/>
-          </a:ln>
-          <a:effectLst>
-            <a:outerShdw blurRad="50800" dist="38100" dir="2700000" sx="101000" sy="101000" algn="tl" rotWithShape="0">
-              <a:prstClr val="black">
-                <a:alpha val="99000"/>
-              </a:prstClr>
-            </a:outerShdw>
-          </a:effectLst>
-        </p:spPr>
-        <p:style>
-          <a:lnRef idx="2">
-            <a:schemeClr val="accent1">
-              <a:shade val="50000"/>
-            </a:schemeClr>
-          </a:lnRef>
-          <a:fillRef idx="1">
-            <a:schemeClr val="accent1"/>
-          </a:fillRef>
-          <a:effectRef idx="0">
-            <a:schemeClr val="accent1"/>
-          </a:effectRef>
-          <a:fontRef idx="minor">
-            <a:schemeClr val="lt1"/>
-          </a:fontRef>
-        </p:style>
-        <p:txBody>
-          <a:bodyPr rtlCol="0" anchor="ctr"/>
-          <a:lstStyle/>
-          <a:p>
-            <a:pPr algn="ctr"/>
-            <a:endParaRPr lang="ko-KR" altLang="en-US" dirty="0"/>
-          </a:p>
-        </p:txBody>
-      </p:sp>
-      <p:sp>
-        <p:nvSpPr>
-          <p:cNvPr id="16" name="TextBox 15"/>
-          <p:cNvSpPr txBox="1"/>
-          <p:nvPr/>
-        </p:nvSpPr>
-        <p:spPr>
-          <a:xfrm>
-            <a:off x="681135" y="3931057"/>
-            <a:ext cx="4646645" cy="400110"/>
-          </a:xfrm>
-          <a:prstGeom prst="rect">
-            <a:avLst/>
-          </a:prstGeom>
-          <a:solidFill>
-            <a:srgbClr val="132584">
-              <a:alpha val="20000"/>
-            </a:srgbClr>
-          </a:solidFill>
-        </p:spPr>
-        <p:txBody>
-          <a:bodyPr wrap="square" rtlCol="0">
-            <a:spAutoFit/>
-          </a:bodyPr>
-          <a:lstStyle/>
-          <a:p>
-            <a:pPr algn="ctr">
-              <a:defRPr/>
-            </a:pPr>
-            <a:r>
-              <a:rPr lang="en-US" altLang="ko-KR" sz="1000" dirty="0" smtClean="0">
-                <a:solidFill>
-                  <a:schemeClr val="bg1"/>
-                </a:solidFill>
-              </a:rPr>
-              <a:t>SSH </a:t>
-            </a:r>
-            <a:r>
-              <a:rPr lang="ko-KR" altLang="en-US" sz="1000" dirty="0" smtClean="0">
-                <a:solidFill>
-                  <a:schemeClr val="bg1"/>
-                </a:solidFill>
-              </a:rPr>
-              <a:t>접속 성공 및 실패 </a:t>
-            </a:r>
-            <a:endParaRPr lang="en-US" altLang="ko-KR" sz="1000" dirty="0" smtClean="0">
-              <a:solidFill>
-                <a:schemeClr val="bg1"/>
-              </a:solidFill>
-            </a:endParaRPr>
-          </a:p>
-          <a:p>
-            <a:pPr algn="ctr">
-              <a:defRPr/>
-            </a:pPr>
-            <a:endParaRPr lang="en-US" altLang="ko-KR" sz="1000" dirty="0" smtClean="0">
-              <a:solidFill>
-                <a:schemeClr val="bg1"/>
-              </a:solidFill>
-            </a:endParaRPr>
-          </a:p>
-        </p:txBody>
-      </p:sp>
-      <p:sp>
-        <p:nvSpPr>
-          <p:cNvPr id="18" name="직사각형 17"/>
-          <p:cNvSpPr/>
-          <p:nvPr/>
-        </p:nvSpPr>
-        <p:spPr>
-          <a:xfrm>
-            <a:off x="6643397" y="1115710"/>
-            <a:ext cx="4320000" cy="3060000"/>
-          </a:xfrm>
-          <a:prstGeom prst="rect">
-            <a:avLst/>
-          </a:prstGeom>
-          <a:solidFill>
-            <a:srgbClr val="3049EB"/>
-          </a:solidFill>
-          <a:ln>
-            <a:noFill/>
-          </a:ln>
-        </p:spPr>
-        <p:style>
-          <a:lnRef idx="2">
-            <a:schemeClr val="accent1">
-              <a:shade val="50000"/>
-            </a:schemeClr>
-          </a:lnRef>
-          <a:fillRef idx="1">
-            <a:schemeClr val="accent1"/>
-          </a:fillRef>
-          <a:effectRef idx="0">
-            <a:schemeClr val="accent1"/>
-          </a:effectRef>
-          <a:fontRef idx="minor">
-            <a:schemeClr val="lt1"/>
-          </a:fontRef>
-        </p:style>
-        <p:txBody>
-          <a:bodyPr rtlCol="0" anchor="ctr"/>
-          <a:lstStyle/>
-          <a:p>
-            <a:pPr algn="ctr"/>
-            <a:endParaRPr lang="ko-KR" altLang="en-US" dirty="0"/>
-          </a:p>
-        </p:txBody>
-      </p:sp>
-      <p:sp>
-        <p:nvSpPr>
-          <p:cNvPr id="19" name="직사각형 18"/>
-          <p:cNvSpPr/>
-          <p:nvPr/>
-        </p:nvSpPr>
-        <p:spPr>
-          <a:xfrm>
-            <a:off x="6643397" y="1295709"/>
-            <a:ext cx="4320000" cy="4745690"/>
-          </a:xfrm>
-          <a:prstGeom prst="rect">
-            <a:avLst/>
-          </a:prstGeom>
-          <a:solidFill>
-            <a:srgbClr val="132584"/>
-          </a:solidFill>
-          <a:ln>
-            <a:noFill/>
-          </a:ln>
-        </p:spPr>
-        <p:style>
-          <a:lnRef idx="2">
-            <a:schemeClr val="accent1">
-              <a:shade val="50000"/>
-            </a:schemeClr>
-          </a:lnRef>
-          <a:fillRef idx="1">
-            <a:schemeClr val="accent1"/>
-          </a:fillRef>
-          <a:effectRef idx="0">
-            <a:schemeClr val="accent1"/>
-          </a:effectRef>
-          <a:fontRef idx="minor">
-            <a:schemeClr val="lt1"/>
-          </a:fontRef>
-        </p:style>
-        <p:txBody>
-          <a:bodyPr rtlCol="0" anchor="ctr"/>
-          <a:lstStyle/>
-          <a:p>
-            <a:pPr algn="ctr"/>
-            <a:endParaRPr lang="ko-KR" altLang="en-US" dirty="0"/>
-          </a:p>
-        </p:txBody>
-      </p:sp>
-      <p:sp>
-        <p:nvSpPr>
-          <p:cNvPr id="21" name="실행 단추: 사용자 지정 20">
-            <a:hlinkClick r:id="" action="ppaction://noaction" highlightClick="1"/>
-          </p:cNvPr>
-          <p:cNvSpPr/>
-          <p:nvPr/>
-        </p:nvSpPr>
-        <p:spPr>
-          <a:xfrm>
-            <a:off x="10780255" y="1110832"/>
-            <a:ext cx="177209" cy="180000"/>
-          </a:xfrm>
-          <a:prstGeom prst="actionButtonBlank">
-            <a:avLst/>
-          </a:prstGeom>
-          <a:solidFill>
-            <a:srgbClr val="FF0000"/>
-          </a:solidFill>
-        </p:spPr>
-        <p:style>
-          <a:lnRef idx="2">
-            <a:schemeClr val="accent1">
-              <a:shade val="50000"/>
-            </a:schemeClr>
-          </a:lnRef>
-          <a:fillRef idx="1">
-            <a:schemeClr val="accent1"/>
-          </a:fillRef>
-          <a:effectRef idx="0">
-            <a:schemeClr val="accent1"/>
-          </a:effectRef>
-          <a:fontRef idx="minor">
-            <a:schemeClr val="lt1"/>
-          </a:fontRef>
-        </p:style>
-        <p:txBody>
-          <a:bodyPr rtlCol="0" anchor="ctr"/>
-          <a:lstStyle/>
-          <a:p>
-            <a:pPr algn="ctr"/>
-            <a:endParaRPr lang="ko-KR" altLang="en-US"/>
-          </a:p>
-        </p:txBody>
-      </p:sp>
-      <p:sp>
-        <p:nvSpPr>
-          <p:cNvPr id="20" name="곱셈 기호 19"/>
-          <p:cNvSpPr/>
-          <p:nvPr/>
-        </p:nvSpPr>
-        <p:spPr>
-          <a:xfrm>
-            <a:off x="10774322" y="1115710"/>
-            <a:ext cx="180000" cy="180000"/>
-          </a:xfrm>
-          <a:prstGeom prst="mathMultiply">
-            <a:avLst/>
-          </a:prstGeom>
-          <a:solidFill>
-            <a:schemeClr val="bg1"/>
-          </a:solidFill>
-          <a:ln>
-            <a:solidFill>
-              <a:schemeClr val="bg1"/>
-            </a:solidFill>
-          </a:ln>
-        </p:spPr>
-        <p:style>
-          <a:lnRef idx="2">
-            <a:schemeClr val="accent1">
-              <a:shade val="50000"/>
-            </a:schemeClr>
-          </a:lnRef>
-          <a:fillRef idx="1">
-            <a:schemeClr val="accent1"/>
-          </a:fillRef>
-          <a:effectRef idx="0">
-            <a:schemeClr val="accent1"/>
-          </a:effectRef>
-          <a:fontRef idx="minor">
-            <a:schemeClr val="lt1"/>
-          </a:fontRef>
-        </p:style>
-        <p:txBody>
-          <a:bodyPr rtlCol="0" anchor="ctr"/>
-          <a:lstStyle/>
-          <a:p>
-            <a:pPr algn="ctr"/>
-            <a:endParaRPr lang="ko-KR" altLang="en-US"/>
-          </a:p>
-        </p:txBody>
-      </p:sp>
-      <p:sp>
-        <p:nvSpPr>
-          <p:cNvPr id="2" name="갈매기형 수장 1"/>
-          <p:cNvSpPr/>
-          <p:nvPr/>
-        </p:nvSpPr>
-        <p:spPr>
-          <a:xfrm>
-            <a:off x="6027575" y="2821885"/>
-            <a:ext cx="466725" cy="876300"/>
-          </a:xfrm>
-          <a:prstGeom prst="chevron">
-            <a:avLst/>
-          </a:prstGeom>
-          <a:solidFill>
-            <a:srgbClr val="3049EB"/>
-          </a:solidFill>
-        </p:spPr>
-        <p:style>
-          <a:lnRef idx="2">
-            <a:schemeClr val="accent1">
-              <a:shade val="50000"/>
-            </a:schemeClr>
-          </a:lnRef>
-          <a:fillRef idx="1">
-            <a:schemeClr val="accent1"/>
-          </a:fillRef>
-          <a:effectRef idx="0">
-            <a:schemeClr val="accent1"/>
-          </a:effectRef>
-          <a:fontRef idx="minor">
-            <a:schemeClr val="lt1"/>
-          </a:fontRef>
-        </p:style>
-        <p:txBody>
-          <a:bodyPr rtlCol="0" anchor="ctr"/>
-          <a:lstStyle/>
-          <a:p>
-            <a:pPr algn="ctr"/>
-            <a:endParaRPr lang="ko-KR" altLang="en-US">
-              <a:solidFill>
-                <a:schemeClr val="tx1"/>
-              </a:solidFill>
-            </a:endParaRPr>
-          </a:p>
-        </p:txBody>
-      </p:sp>
-      <p:sp>
-        <p:nvSpPr>
-          <p:cNvPr id="27" name="갈매기형 수장 26"/>
-          <p:cNvSpPr/>
-          <p:nvPr/>
-        </p:nvSpPr>
-        <p:spPr>
-          <a:xfrm>
-            <a:off x="5580677" y="2821885"/>
-            <a:ext cx="466725" cy="876300"/>
-          </a:xfrm>
-          <a:prstGeom prst="chevron">
-            <a:avLst/>
-          </a:prstGeom>
-          <a:solidFill>
-            <a:srgbClr val="3751EB"/>
-          </a:solidFill>
-        </p:spPr>
-        <p:style>
-          <a:lnRef idx="2">
-            <a:schemeClr val="accent1">
-              <a:shade val="50000"/>
-            </a:schemeClr>
-          </a:lnRef>
-          <a:fillRef idx="1">
-            <a:schemeClr val="accent1"/>
-          </a:fillRef>
-          <a:effectRef idx="0">
-            <a:schemeClr val="accent1"/>
-          </a:effectRef>
-          <a:fontRef idx="minor">
-            <a:schemeClr val="lt1"/>
-          </a:fontRef>
-        </p:style>
-        <p:txBody>
-          <a:bodyPr rtlCol="0" anchor="ctr"/>
-          <a:lstStyle/>
-          <a:p>
-            <a:pPr algn="ctr"/>
-            <a:endParaRPr lang="ko-KR" altLang="en-US">
-              <a:solidFill>
-                <a:schemeClr val="tx1"/>
-              </a:solidFill>
-            </a:endParaRPr>
-          </a:p>
-        </p:txBody>
-      </p:sp>
-      <p:pic>
-        <p:nvPicPr>
-          <p:cNvPr id="24" name="그림 23"/>
-          <p:cNvPicPr>
-            <a:picLocks noChangeAspect="1"/>
-          </p:cNvPicPr>
-          <p:nvPr/>
-        </p:nvPicPr>
-        <p:blipFill rotWithShape="1">
-          <a:blip r:embed="rId2"/>
-          <a:stretch>
-            <a:fillRect/>
-          </a:stretch>
-        </p:blipFill>
-        <p:spPr>
-          <a:xfrm>
-            <a:off x="789438" y="1214988"/>
-            <a:ext cx="4439368" cy="2716069"/>
-          </a:xfrm>
-          <a:prstGeom prst="rect">
-            <a:avLst/>
-          </a:prstGeom>
-        </p:spPr>
-      </p:pic>
-      <p:pic>
-        <p:nvPicPr>
-          <p:cNvPr id="25" name="그림 24"/>
-          <p:cNvPicPr>
-            <a:picLocks noChangeAspect="1"/>
-          </p:cNvPicPr>
-          <p:nvPr/>
-        </p:nvPicPr>
-        <p:blipFill rotWithShape="1">
-          <a:blip r:embed="rId3"/>
-          <a:stretch>
-            <a:fillRect/>
-          </a:stretch>
-        </p:blipFill>
-        <p:spPr>
-          <a:xfrm>
-            <a:off x="6643397" y="1290832"/>
-            <a:ext cx="4310925" cy="2167531"/>
-          </a:xfrm>
-          <a:prstGeom prst="rect">
-            <a:avLst/>
-          </a:prstGeom>
-        </p:spPr>
-      </p:pic>
-      <p:pic>
-        <p:nvPicPr>
-          <p:cNvPr id="26" name="그림 25"/>
-          <p:cNvPicPr>
-            <a:picLocks noChangeAspect="1"/>
-          </p:cNvPicPr>
-          <p:nvPr/>
-        </p:nvPicPr>
-        <p:blipFill rotWithShape="1">
-          <a:blip r:embed="rId4"/>
-          <a:stretch>
-            <a:fillRect/>
-          </a:stretch>
-        </p:blipFill>
-        <p:spPr>
-          <a:xfrm>
-            <a:off x="6643397" y="3473287"/>
-            <a:ext cx="4310925" cy="2568112"/>
-          </a:xfrm>
-          <a:prstGeom prst="rect">
-            <a:avLst/>
-          </a:prstGeom>
-        </p:spPr>
-      </p:pic>
-      <p:sp>
-        <p:nvSpPr>
-          <p:cNvPr id="28" name="TextBox 27"/>
-          <p:cNvSpPr txBox="1"/>
-          <p:nvPr/>
-        </p:nvSpPr>
-        <p:spPr>
-          <a:xfrm>
-            <a:off x="6634321" y="1290831"/>
-            <a:ext cx="4320001" cy="246221"/>
-          </a:xfrm>
-          <a:prstGeom prst="rect">
-            <a:avLst/>
-          </a:prstGeom>
-          <a:solidFill>
-            <a:srgbClr val="132584">
-              <a:alpha val="20000"/>
-            </a:srgbClr>
-          </a:solidFill>
-          <a:effectLst>
-            <a:outerShdw blurRad="50800" dist="50800" dir="5400000" algn="ctr" rotWithShape="0">
-              <a:schemeClr val="bg1"/>
-            </a:outerShdw>
-          </a:effectLst>
-        </p:spPr>
-        <p:txBody>
-          <a:bodyPr wrap="square" rtlCol="0">
-            <a:spAutoFit/>
-          </a:bodyPr>
-          <a:lstStyle/>
-          <a:p>
-            <a:pPr>
-              <a:defRPr/>
-            </a:pPr>
-            <a:r>
-              <a:rPr lang="en-US" altLang="ko-KR" sz="1000" dirty="0" smtClean="0">
-                <a:solidFill>
-                  <a:srgbClr val="FF0000"/>
-                </a:solidFill>
-                <a:latin typeface="HY헤드라인M" panose="02030600000101010101" pitchFamily="18" charset="-127"/>
-                <a:ea typeface="HY헤드라인M" panose="02030600000101010101" pitchFamily="18" charset="-127"/>
-              </a:rPr>
-              <a:t>SSH </a:t>
-            </a:r>
-            <a:r>
-              <a:rPr lang="ko-KR" altLang="en-US" sz="1000" dirty="0" smtClean="0">
-                <a:solidFill>
-                  <a:srgbClr val="FF0000"/>
-                </a:solidFill>
-                <a:latin typeface="HY헤드라인M" panose="02030600000101010101" pitchFamily="18" charset="-127"/>
-                <a:ea typeface="HY헤드라인M" panose="02030600000101010101" pitchFamily="18" charset="-127"/>
-              </a:rPr>
-              <a:t>접속 성공 </a:t>
-            </a:r>
-            <a:endParaRPr lang="en-US" altLang="ko-KR" sz="1000" dirty="0" smtClean="0">
-              <a:solidFill>
-                <a:srgbClr val="FF0000"/>
-              </a:solidFill>
-              <a:latin typeface="HY헤드라인M" panose="02030600000101010101" pitchFamily="18" charset="-127"/>
-              <a:ea typeface="HY헤드라인M" panose="02030600000101010101" pitchFamily="18" charset="-127"/>
-            </a:endParaRPr>
-          </a:p>
-        </p:txBody>
-      </p:sp>
-      <p:sp>
-        <p:nvSpPr>
-          <p:cNvPr id="29" name="TextBox 28"/>
-          <p:cNvSpPr txBox="1"/>
-          <p:nvPr/>
-        </p:nvSpPr>
-        <p:spPr>
-          <a:xfrm>
-            <a:off x="6634320" y="3473286"/>
-            <a:ext cx="4320001" cy="246221"/>
-          </a:xfrm>
-          <a:prstGeom prst="rect">
-            <a:avLst/>
-          </a:prstGeom>
-          <a:solidFill>
-            <a:srgbClr val="132584">
-              <a:alpha val="20000"/>
-            </a:srgbClr>
-          </a:solidFill>
-          <a:effectLst>
-            <a:outerShdw blurRad="50800" dist="50800" dir="5400000" algn="ctr" rotWithShape="0">
-              <a:schemeClr val="bg1"/>
-            </a:outerShdw>
-          </a:effectLst>
-        </p:spPr>
-        <p:txBody>
-          <a:bodyPr wrap="square" rtlCol="0">
-            <a:spAutoFit/>
-          </a:bodyPr>
-          <a:lstStyle/>
-          <a:p>
-            <a:pPr>
-              <a:defRPr/>
-            </a:pPr>
-            <a:r>
-              <a:rPr lang="en-US" altLang="ko-KR" sz="1000" dirty="0" smtClean="0">
-                <a:solidFill>
-                  <a:srgbClr val="FF0000"/>
-                </a:solidFill>
-                <a:latin typeface="HY헤드라인M" panose="02030600000101010101" pitchFamily="18" charset="-127"/>
-                <a:ea typeface="HY헤드라인M" panose="02030600000101010101" pitchFamily="18" charset="-127"/>
-              </a:rPr>
-              <a:t>SSH </a:t>
-            </a:r>
-            <a:r>
-              <a:rPr lang="ko-KR" altLang="en-US" sz="1000" dirty="0" smtClean="0">
-                <a:solidFill>
-                  <a:srgbClr val="FF0000"/>
-                </a:solidFill>
-                <a:latin typeface="HY헤드라인M" panose="02030600000101010101" pitchFamily="18" charset="-127"/>
-                <a:ea typeface="HY헤드라인M" panose="02030600000101010101" pitchFamily="18" charset="-127"/>
-              </a:rPr>
-              <a:t>접속 실패</a:t>
-            </a:r>
-            <a:endParaRPr lang="en-US" altLang="ko-KR" sz="1000" dirty="0" smtClean="0">
-              <a:solidFill>
-                <a:srgbClr val="FF0000"/>
-              </a:solidFill>
-              <a:latin typeface="HY헤드라인M" panose="02030600000101010101" pitchFamily="18" charset="-127"/>
-              <a:ea typeface="HY헤드라인M" panose="02030600000101010101" pitchFamily="18" charset="-127"/>
-            </a:endParaRPr>
-          </a:p>
-        </p:txBody>
-      </p:sp>
-    </p:spTree>
-    <p:extLst>
-      <p:ext uri="{BB962C8B-B14F-4D97-AF65-F5344CB8AC3E}">
-        <p14:creationId xmlns:p14="http://schemas.microsoft.com/office/powerpoint/2010/main" val="896011104"/>
       </p:ext>
     </p:extLst>
   </p:cSld>
